--- a/Week_2/Lectures/2.3_JavaScript_Forms_and_JSON.pptx
+++ b/Week_2/Lectures/2.3_JavaScript_Forms_and_JSON.pptx
@@ -1,34 +1,52 @@
 
 <file path=ppt/presentation.xml><?xml version="1.0" encoding="utf-8"?>
-<p:presentation xmlns:a="http://schemas.openxmlformats.org/drawingml/2006/main" xmlns:r="http://schemas.openxmlformats.org/officeDocument/2006/relationships" xmlns:p="http://schemas.openxmlformats.org/presentationml/2006/main" strictFirstAndLastChars="0" embedTrueTypeFonts="1" saveSubsetFonts="1" autoCompressPictures="0">
+<p:presentation xmlns:a="http://schemas.openxmlformats.org/drawingml/2006/main" xmlns:r="http://schemas.openxmlformats.org/officeDocument/2006/relationships" xmlns:mc="http://schemas.openxmlformats.org/markup-compatibility/2006" xmlns:mv="urn:schemas-microsoft-com:mac:vml" xmlns:p="http://schemas.openxmlformats.org/presentationml/2006/main" xmlns:c="http://schemas.openxmlformats.org/drawingml/2006/chart" xmlns:dgm="http://schemas.openxmlformats.org/drawingml/2006/diagram" xmlns:o="urn:schemas-microsoft-com:office:office" xmlns:v="urn:schemas-microsoft-com:vml" xmlns:pvml="urn:schemas-microsoft-com:office:powerpoint" xmlns:com="http://schemas.openxmlformats.org/drawingml/2006/compatibility" xmlns:p14="http://schemas.microsoft.com/office/powerpoint/2010/main" autoCompressPictures="0" embedTrueTypeFonts="1" strictFirstAndLastChars="0" saveSubsetFonts="1">
   <p:sldMasterIdLst>
-    <p:sldMasterId id="2147483659" r:id="rId1"/>
+    <p:sldMasterId id="2147483659" r:id="rId4"/>
   </p:sldMasterIdLst>
   <p:notesMasterIdLst>
-    <p:notesMasterId r:id="rId18"/>
+    <p:notesMasterId r:id="rId5"/>
   </p:notesMasterIdLst>
   <p:sldIdLst>
-    <p:sldId id="256" r:id="rId2"/>
-    <p:sldId id="257" r:id="rId3"/>
-    <p:sldId id="258" r:id="rId4"/>
-    <p:sldId id="259" r:id="rId5"/>
-    <p:sldId id="260" r:id="rId6"/>
-    <p:sldId id="261" r:id="rId7"/>
-    <p:sldId id="262" r:id="rId8"/>
-    <p:sldId id="263" r:id="rId9"/>
-    <p:sldId id="264" r:id="rId10"/>
-    <p:sldId id="265" r:id="rId11"/>
-    <p:sldId id="266" r:id="rId12"/>
-    <p:sldId id="267" r:id="rId13"/>
-    <p:sldId id="268" r:id="rId14"/>
-    <p:sldId id="269" r:id="rId15"/>
-    <p:sldId id="270" r:id="rId16"/>
-    <p:sldId id="271" r:id="rId17"/>
+    <p:sldId id="256" r:id="rId6"/>
+    <p:sldId id="257" r:id="rId7"/>
+    <p:sldId id="258" r:id="rId8"/>
+    <p:sldId id="259" r:id="rId9"/>
+    <p:sldId id="260" r:id="rId10"/>
+    <p:sldId id="261" r:id="rId11"/>
+    <p:sldId id="262" r:id="rId12"/>
+    <p:sldId id="263" r:id="rId13"/>
+    <p:sldId id="264" r:id="rId14"/>
+    <p:sldId id="265" r:id="rId15"/>
+    <p:sldId id="266" r:id="rId16"/>
+    <p:sldId id="267" r:id="rId17"/>
+    <p:sldId id="268" r:id="rId18"/>
+    <p:sldId id="269" r:id="rId19"/>
+    <p:sldId id="270" r:id="rId20"/>
   </p:sldIdLst>
-  <p:sldSz cx="9144000" cy="5143500" type="screen16x9"/>
+  <p:sldSz cy="5143500" cx="9144000"/>
   <p:notesSz cx="6858000" cy="9144000"/>
+  <p:embeddedFontLst>
+    <p:embeddedFont>
+      <p:font typeface="PT Sans Narrow"/>
+      <p:regular r:id="rId21"/>
+      <p:bold r:id="rId22"/>
+    </p:embeddedFont>
+    <p:embeddedFont>
+      <p:font typeface="Source Code Pro"/>
+      <p:regular r:id="rId23"/>
+      <p:bold r:id="rId24"/>
+    </p:embeddedFont>
+    <p:embeddedFont>
+      <p:font typeface="Open Sans"/>
+      <p:regular r:id="rId25"/>
+      <p:bold r:id="rId26"/>
+      <p:italic r:id="rId27"/>
+      <p:boldItalic r:id="rId28"/>
+    </p:embeddedFont>
+  </p:embeddedFontLst>
   <p:defaultTextStyle>
-    <a:defPPr marR="0" lvl="0" algn="l" rtl="0">
+    <a:defPPr lvl="0" marR="0" rtl="0" algn="l">
       <a:lnSpc>
         <a:spcPct val="100000"/>
       </a:lnSpc>
@@ -39,7 +57,7 @@
         <a:spcPts val="0"/>
       </a:spcAft>
     </a:defPPr>
-    <a:lvl1pPr marR="0" lvl="0" algn="l" rtl="0">
+    <a:lvl1pPr lvl="0" marR="0" rtl="0" algn="l">
       <a:lnSpc>
         <a:spcPct val="100000"/>
       </a:lnSpc>
@@ -50,7 +68,7 @@
         <a:spcPts val="0"/>
       </a:spcAft>
       <a:buNone/>
-      <a:defRPr sz="1400" b="0" i="0" u="none" strike="noStrike" cap="none">
+      <a:defRPr b="0" i="0" sz="1400" u="none" cap="none" strike="noStrike">
         <a:solidFill>
           <a:srgbClr val="000000"/>
         </a:solidFill>
@@ -60,7 +78,7 @@
         <a:sym typeface="Arial"/>
       </a:defRPr>
     </a:lvl1pPr>
-    <a:lvl2pPr marR="0" lvl="1" algn="l" rtl="0">
+    <a:lvl2pPr lvl="1" marR="0" rtl="0" algn="l">
       <a:lnSpc>
         <a:spcPct val="100000"/>
       </a:lnSpc>
@@ -71,7 +89,7 @@
         <a:spcPts val="0"/>
       </a:spcAft>
       <a:buNone/>
-      <a:defRPr sz="1400" b="0" i="0" u="none" strike="noStrike" cap="none">
+      <a:defRPr b="0" i="0" sz="1400" u="none" cap="none" strike="noStrike">
         <a:solidFill>
           <a:srgbClr val="000000"/>
         </a:solidFill>
@@ -81,7 +99,7 @@
         <a:sym typeface="Arial"/>
       </a:defRPr>
     </a:lvl2pPr>
-    <a:lvl3pPr marR="0" lvl="2" algn="l" rtl="0">
+    <a:lvl3pPr lvl="2" marR="0" rtl="0" algn="l">
       <a:lnSpc>
         <a:spcPct val="100000"/>
       </a:lnSpc>
@@ -92,7 +110,7 @@
         <a:spcPts val="0"/>
       </a:spcAft>
       <a:buNone/>
-      <a:defRPr sz="1400" b="0" i="0" u="none" strike="noStrike" cap="none">
+      <a:defRPr b="0" i="0" sz="1400" u="none" cap="none" strike="noStrike">
         <a:solidFill>
           <a:srgbClr val="000000"/>
         </a:solidFill>
@@ -102,7 +120,7 @@
         <a:sym typeface="Arial"/>
       </a:defRPr>
     </a:lvl3pPr>
-    <a:lvl4pPr marR="0" lvl="3" algn="l" rtl="0">
+    <a:lvl4pPr lvl="3" marR="0" rtl="0" algn="l">
       <a:lnSpc>
         <a:spcPct val="100000"/>
       </a:lnSpc>
@@ -113,7 +131,7 @@
         <a:spcPts val="0"/>
       </a:spcAft>
       <a:buNone/>
-      <a:defRPr sz="1400" b="0" i="0" u="none" strike="noStrike" cap="none">
+      <a:defRPr b="0" i="0" sz="1400" u="none" cap="none" strike="noStrike">
         <a:solidFill>
           <a:srgbClr val="000000"/>
         </a:solidFill>
@@ -123,7 +141,7 @@
         <a:sym typeface="Arial"/>
       </a:defRPr>
     </a:lvl4pPr>
-    <a:lvl5pPr marR="0" lvl="4" algn="l" rtl="0">
+    <a:lvl5pPr lvl="4" marR="0" rtl="0" algn="l">
       <a:lnSpc>
         <a:spcPct val="100000"/>
       </a:lnSpc>
@@ -134,7 +152,7 @@
         <a:spcPts val="0"/>
       </a:spcAft>
       <a:buNone/>
-      <a:defRPr sz="1400" b="0" i="0" u="none" strike="noStrike" cap="none">
+      <a:defRPr b="0" i="0" sz="1400" u="none" cap="none" strike="noStrike">
         <a:solidFill>
           <a:srgbClr val="000000"/>
         </a:solidFill>
@@ -144,7 +162,7 @@
         <a:sym typeface="Arial"/>
       </a:defRPr>
     </a:lvl5pPr>
-    <a:lvl6pPr marR="0" lvl="5" algn="l" rtl="0">
+    <a:lvl6pPr lvl="5" marR="0" rtl="0" algn="l">
       <a:lnSpc>
         <a:spcPct val="100000"/>
       </a:lnSpc>
@@ -155,7 +173,7 @@
         <a:spcPts val="0"/>
       </a:spcAft>
       <a:buNone/>
-      <a:defRPr sz="1400" b="0" i="0" u="none" strike="noStrike" cap="none">
+      <a:defRPr b="0" i="0" sz="1400" u="none" cap="none" strike="noStrike">
         <a:solidFill>
           <a:srgbClr val="000000"/>
         </a:solidFill>
@@ -165,7 +183,7 @@
         <a:sym typeface="Arial"/>
       </a:defRPr>
     </a:lvl6pPr>
-    <a:lvl7pPr marR="0" lvl="6" algn="l" rtl="0">
+    <a:lvl7pPr lvl="6" marR="0" rtl="0" algn="l">
       <a:lnSpc>
         <a:spcPct val="100000"/>
       </a:lnSpc>
@@ -176,7 +194,7 @@
         <a:spcPts val="0"/>
       </a:spcAft>
       <a:buNone/>
-      <a:defRPr sz="1400" b="0" i="0" u="none" strike="noStrike" cap="none">
+      <a:defRPr b="0" i="0" sz="1400" u="none" cap="none" strike="noStrike">
         <a:solidFill>
           <a:srgbClr val="000000"/>
         </a:solidFill>
@@ -186,7 +204,7 @@
         <a:sym typeface="Arial"/>
       </a:defRPr>
     </a:lvl7pPr>
-    <a:lvl8pPr marR="0" lvl="7" algn="l" rtl="0">
+    <a:lvl8pPr lvl="7" marR="0" rtl="0" algn="l">
       <a:lnSpc>
         <a:spcPct val="100000"/>
       </a:lnSpc>
@@ -197,7 +215,7 @@
         <a:spcPts val="0"/>
       </a:spcAft>
       <a:buNone/>
-      <a:defRPr sz="1400" b="0" i="0" u="none" strike="noStrike" cap="none">
+      <a:defRPr b="0" i="0" sz="1400" u="none" cap="none" strike="noStrike">
         <a:solidFill>
           <a:srgbClr val="000000"/>
         </a:solidFill>
@@ -207,7 +225,7 @@
         <a:sym typeface="Arial"/>
       </a:defRPr>
     </a:lvl8pPr>
-    <a:lvl9pPr marR="0" lvl="8" algn="l" rtl="0">
+    <a:lvl9pPr lvl="8" marR="0" rtl="0" algn="l">
       <a:lnSpc>
         <a:spcPct val="100000"/>
       </a:lnSpc>
@@ -218,7 +236,7 @@
         <a:spcPts val="0"/>
       </a:spcAft>
       <a:buNone/>
-      <a:defRPr sz="1400" b="0" i="0" u="none" strike="noStrike" cap="none">
+      <a:defRPr b="0" i="0" sz="1400" u="none" cap="none" strike="noStrike">
         <a:solidFill>
           <a:srgbClr val="000000"/>
         </a:solidFill>
@@ -233,16 +251,11 @@
 </file>
 
 <file path=ppt/notesMasters/notesMaster1.xml><?xml version="1.0" encoding="utf-8"?>
-<p:notesMaster xmlns:a="http://schemas.openxmlformats.org/drawingml/2006/main" xmlns:r="http://schemas.openxmlformats.org/officeDocument/2006/relationships" xmlns:p="http://schemas.openxmlformats.org/presentationml/2006/main">
+<p:notesMaster xmlns:a="http://schemas.openxmlformats.org/drawingml/2006/main" xmlns:r="http://schemas.openxmlformats.org/officeDocument/2006/relationships" xmlns:mc="http://schemas.openxmlformats.org/markup-compatibility/2006" xmlns:mv="urn:schemas-microsoft-com:mac:vml" xmlns:p="http://schemas.openxmlformats.org/presentationml/2006/main" xmlns:c="http://schemas.openxmlformats.org/drawingml/2006/chart" xmlns:dgm="http://schemas.openxmlformats.org/drawingml/2006/diagram" xmlns:o="urn:schemas-microsoft-com:office:office" xmlns:v="urn:schemas-microsoft-com:vml" xmlns:pvml="urn:schemas-microsoft-com:office:powerpoint" xmlns:com="http://schemas.openxmlformats.org/drawingml/2006/compatibility" xmlns:p14="http://schemas.microsoft.com/office/powerpoint/2010/main">
   <p:cSld>
-    <p:bg>
-      <p:bgRef idx="1001">
-        <a:schemeClr val="bg1"/>
-      </p:bgRef>
-    </p:bg>
     <p:spTree>
       <p:nvGrpSpPr>
-        <p:cNvPr id="1" name="Shape 2"/>
+        <p:cNvPr id="2" name="Shape 2"/>
         <p:cNvGrpSpPr/>
         <p:nvPr/>
       </p:nvGrpSpPr>
@@ -257,11 +270,9 @@
       <p:sp>
         <p:nvSpPr>
           <p:cNvPr id="3" name="Shape 3"/>
-          <p:cNvSpPr>
-            <a:spLocks noGrp="1" noRot="1" noChangeAspect="1"/>
-          </p:cNvSpPr>
+          <p:cNvSpPr/>
           <p:nvPr>
-            <p:ph type="sldImg" idx="2"/>
+            <p:ph idx="2" type="sldImg"/>
           </p:nvPr>
         </p:nvSpPr>
         <p:spPr>
@@ -270,13 +281,8 @@
             <a:ext cx="6096075" cy="3429000"/>
           </a:xfrm>
           <a:custGeom>
-            <a:avLst/>
-            <a:gdLst/>
-            <a:ahLst/>
-            <a:cxnLst/>
-            <a:rect l="0" t="0" r="0" b="0"/>
             <a:pathLst>
-              <a:path w="120000" h="120000" extrusionOk="0">
+              <a:path extrusionOk="0" h="120000" w="120000">
                 <a:moveTo>
                   <a:pt x="0" y="0"/>
                 </a:moveTo>
@@ -294,25 +300,23 @@
             </a:pathLst>
           </a:custGeom>
           <a:noFill/>
-          <a:ln w="9525" cap="flat" cmpd="sng">
+          <a:ln cap="flat" cmpd="sng" w="9525">
             <a:solidFill>
               <a:srgbClr val="000000"/>
             </a:solidFill>
             <a:prstDash val="solid"/>
             <a:round/>
-            <a:headEnd type="none" w="med" len="med"/>
-            <a:tailEnd type="none" w="med" len="med"/>
+            <a:headEnd len="med" w="med" type="none"/>
+            <a:tailEnd len="med" w="med" type="none"/>
           </a:ln>
         </p:spPr>
       </p:sp>
       <p:sp>
         <p:nvSpPr>
           <p:cNvPr id="4" name="Shape 4"/>
-          <p:cNvSpPr txBox="1">
-            <a:spLocks noGrp="1"/>
-          </p:cNvSpPr>
+          <p:cNvSpPr txBox="1"/>
           <p:nvPr>
-            <p:ph type="body" idx="1"/>
+            <p:ph idx="1" type="body"/>
           </p:nvPr>
         </p:nvSpPr>
         <p:spPr>
@@ -329,7 +333,7 @@
           </a:ln>
         </p:spPr>
         <p:txBody>
-          <a:bodyPr lIns="91425" tIns="91425" rIns="91425" bIns="91425" anchor="t" anchorCtr="0"/>
+          <a:bodyPr anchorCtr="0" anchor="t" bIns="91425" lIns="91425" rIns="91425" tIns="91425"/>
           <a:lstStyle>
             <a:lvl1pPr lvl="0">
               <a:spcBef>
@@ -386,120 +390,21 @@
               <a:defRPr sz="1100"/>
             </a:lvl9pPr>
           </a:lstStyle>
-          <a:p>
-            <a:endParaRPr/>
-          </a:p>
+          <a:p/>
         </p:txBody>
       </p:sp>
     </p:spTree>
-    <p:extLst>
-      <p:ext uri="{BB962C8B-B14F-4D97-AF65-F5344CB8AC3E}">
-        <p14:creationId xmlns:p14="http://schemas.microsoft.com/office/powerpoint/2010/main" val="851011801"/>
-      </p:ext>
-    </p:extLst>
   </p:cSld>
-  <p:clrMap bg1="lt1" tx1="dk1" bg2="dk2" tx2="lt2" accent1="accent1" accent2="accent2" accent3="accent3" accent4="accent4" accent5="accent5" accent6="accent6" hlink="hlink" folHlink="folHlink"/>
-  <p:notesStyle>
-    <a:lvl1pPr marL="0" algn="l" defTabSz="457200" rtl="0" eaLnBrk="1" latinLnBrk="0" hangingPunct="1">
-      <a:defRPr sz="1200" kern="1200">
-        <a:solidFill>
-          <a:schemeClr val="tx1"/>
-        </a:solidFill>
-        <a:latin typeface="+mn-lt"/>
-        <a:ea typeface="+mn-ea"/>
-        <a:cs typeface="+mn-cs"/>
-      </a:defRPr>
-    </a:lvl1pPr>
-    <a:lvl2pPr marL="457200" algn="l" defTabSz="457200" rtl="0" eaLnBrk="1" latinLnBrk="0" hangingPunct="1">
-      <a:defRPr sz="1200" kern="1200">
-        <a:solidFill>
-          <a:schemeClr val="tx1"/>
-        </a:solidFill>
-        <a:latin typeface="+mn-lt"/>
-        <a:ea typeface="+mn-ea"/>
-        <a:cs typeface="+mn-cs"/>
-      </a:defRPr>
-    </a:lvl2pPr>
-    <a:lvl3pPr marL="914400" algn="l" defTabSz="457200" rtl="0" eaLnBrk="1" latinLnBrk="0" hangingPunct="1">
-      <a:defRPr sz="1200" kern="1200">
-        <a:solidFill>
-          <a:schemeClr val="tx1"/>
-        </a:solidFill>
-        <a:latin typeface="+mn-lt"/>
-        <a:ea typeface="+mn-ea"/>
-        <a:cs typeface="+mn-cs"/>
-      </a:defRPr>
-    </a:lvl3pPr>
-    <a:lvl4pPr marL="1371600" algn="l" defTabSz="457200" rtl="0" eaLnBrk="1" latinLnBrk="0" hangingPunct="1">
-      <a:defRPr sz="1200" kern="1200">
-        <a:solidFill>
-          <a:schemeClr val="tx1"/>
-        </a:solidFill>
-        <a:latin typeface="+mn-lt"/>
-        <a:ea typeface="+mn-ea"/>
-        <a:cs typeface="+mn-cs"/>
-      </a:defRPr>
-    </a:lvl4pPr>
-    <a:lvl5pPr marL="1828800" algn="l" defTabSz="457200" rtl="0" eaLnBrk="1" latinLnBrk="0" hangingPunct="1">
-      <a:defRPr sz="1200" kern="1200">
-        <a:solidFill>
-          <a:schemeClr val="tx1"/>
-        </a:solidFill>
-        <a:latin typeface="+mn-lt"/>
-        <a:ea typeface="+mn-ea"/>
-        <a:cs typeface="+mn-cs"/>
-      </a:defRPr>
-    </a:lvl5pPr>
-    <a:lvl6pPr marL="2286000" algn="l" defTabSz="457200" rtl="0" eaLnBrk="1" latinLnBrk="0" hangingPunct="1">
-      <a:defRPr sz="1200" kern="1200">
-        <a:solidFill>
-          <a:schemeClr val="tx1"/>
-        </a:solidFill>
-        <a:latin typeface="+mn-lt"/>
-        <a:ea typeface="+mn-ea"/>
-        <a:cs typeface="+mn-cs"/>
-      </a:defRPr>
-    </a:lvl6pPr>
-    <a:lvl7pPr marL="2743200" algn="l" defTabSz="457200" rtl="0" eaLnBrk="1" latinLnBrk="0" hangingPunct="1">
-      <a:defRPr sz="1200" kern="1200">
-        <a:solidFill>
-          <a:schemeClr val="tx1"/>
-        </a:solidFill>
-        <a:latin typeface="+mn-lt"/>
-        <a:ea typeface="+mn-ea"/>
-        <a:cs typeface="+mn-cs"/>
-      </a:defRPr>
-    </a:lvl7pPr>
-    <a:lvl8pPr marL="3200400" algn="l" defTabSz="457200" rtl="0" eaLnBrk="1" latinLnBrk="0" hangingPunct="1">
-      <a:defRPr sz="1200" kern="1200">
-        <a:solidFill>
-          <a:schemeClr val="tx1"/>
-        </a:solidFill>
-        <a:latin typeface="+mn-lt"/>
-        <a:ea typeface="+mn-ea"/>
-        <a:cs typeface="+mn-cs"/>
-      </a:defRPr>
-    </a:lvl8pPr>
-    <a:lvl9pPr marL="3657600" algn="l" defTabSz="457200" rtl="0" eaLnBrk="1" latinLnBrk="0" hangingPunct="1">
-      <a:defRPr sz="1200" kern="1200">
-        <a:solidFill>
-          <a:schemeClr val="tx1"/>
-        </a:solidFill>
-        <a:latin typeface="+mn-lt"/>
-        <a:ea typeface="+mn-ea"/>
-        <a:cs typeface="+mn-cs"/>
-      </a:defRPr>
-    </a:lvl9pPr>
-  </p:notesStyle>
+  <p:clrMap accent1="accent1" accent2="accent2" accent3="accent3" accent4="accent4" accent5="accent5" accent6="accent6" bg1="lt1" bg2="dk2" tx1="dk1" tx2="lt2" folHlink="folHlink" hlink="hlink"/>
 </p:notesMaster>
 </file>
 
 <file path=ppt/notesSlides/notesSlide1.xml><?xml version="1.0" encoding="utf-8"?>
-<p:notes xmlns:a="http://schemas.openxmlformats.org/drawingml/2006/main" xmlns:r="http://schemas.openxmlformats.org/officeDocument/2006/relationships" xmlns:p="http://schemas.openxmlformats.org/presentationml/2006/main" showMasterSp="0" showMasterPhAnim="0">
+<p:notes xmlns:a="http://schemas.openxmlformats.org/drawingml/2006/main" xmlns:r="http://schemas.openxmlformats.org/officeDocument/2006/relationships" xmlns:mc="http://schemas.openxmlformats.org/markup-compatibility/2006" xmlns:mv="urn:schemas-microsoft-com:mac:vml" xmlns:p="http://schemas.openxmlformats.org/presentationml/2006/main" xmlns:c="http://schemas.openxmlformats.org/drawingml/2006/chart" xmlns:dgm="http://schemas.openxmlformats.org/drawingml/2006/diagram" xmlns:o="urn:schemas-microsoft-com:office:office" xmlns:v="urn:schemas-microsoft-com:vml" xmlns:pvml="urn:schemas-microsoft-com:office:powerpoint" xmlns:com="http://schemas.openxmlformats.org/drawingml/2006/compatibility" xmlns:p14="http://schemas.microsoft.com/office/powerpoint/2010/main" showMasterPhAnim="0" showMasterSp="0">
   <p:cSld>
     <p:spTree>
       <p:nvGrpSpPr>
-        <p:cNvPr id="1" name="Shape 62"/>
+        <p:cNvPr id="62" name="Shape 62"/>
         <p:cNvGrpSpPr/>
         <p:nvPr/>
       </p:nvGrpSpPr>
@@ -514,11 +419,9 @@
       <p:sp>
         <p:nvSpPr>
           <p:cNvPr id="63" name="Shape 63"/>
-          <p:cNvSpPr>
-            <a:spLocks noGrp="1" noRot="1" noChangeAspect="1"/>
-          </p:cNvSpPr>
+          <p:cNvSpPr/>
           <p:nvPr>
-            <p:ph type="sldImg" idx="2"/>
+            <p:ph idx="2" type="sldImg"/>
           </p:nvPr>
         </p:nvSpPr>
         <p:spPr>
@@ -527,13 +430,8 @@
             <a:ext cx="6096075" cy="3429000"/>
           </a:xfrm>
           <a:custGeom>
-            <a:avLst/>
-            <a:gdLst/>
-            <a:ahLst/>
-            <a:cxnLst/>
-            <a:rect l="0" t="0" r="0" b="0"/>
             <a:pathLst>
-              <a:path w="120000" h="120000" extrusionOk="0">
+              <a:path extrusionOk="0" h="120000" w="120000">
                 <a:moveTo>
                   <a:pt x="0" y="0"/>
                 </a:moveTo>
@@ -555,11 +453,9 @@
       <p:sp>
         <p:nvSpPr>
           <p:cNvPr id="64" name="Shape 64"/>
-          <p:cNvSpPr txBox="1">
-            <a:spLocks noGrp="1"/>
-          </p:cNvSpPr>
+          <p:cNvSpPr txBox="1"/>
           <p:nvPr>
-            <p:ph type="body" idx="1"/>
+            <p:ph idx="1" type="body"/>
           </p:nvPr>
         </p:nvSpPr>
         <p:spPr>
@@ -572,7 +468,7 @@
           </a:prstGeom>
         </p:spPr>
         <p:txBody>
-          <a:bodyPr lIns="91425" tIns="91425" rIns="91425" bIns="91425" anchor="t" anchorCtr="0">
+          <a:bodyPr anchorCtr="0" anchor="t" bIns="91425" lIns="91425" rIns="91425" tIns="91425">
             <a:noAutofit/>
           </a:bodyPr>
           <a:lstStyle/>
@@ -583,6 +479,9 @@
               </a:spcBef>
               <a:buNone/>
             </a:pPr>
+            <a:r>
+              <a:t/>
+            </a:r>
             <a:endParaRPr/>
           </a:p>
         </p:txBody>
@@ -596,11 +495,11 @@
 </file>
 
 <file path=ppt/notesSlides/notesSlide10.xml><?xml version="1.0" encoding="utf-8"?>
-<p:notes xmlns:a="http://schemas.openxmlformats.org/drawingml/2006/main" xmlns:r="http://schemas.openxmlformats.org/officeDocument/2006/relationships" xmlns:p="http://schemas.openxmlformats.org/presentationml/2006/main" showMasterSp="0" showMasterPhAnim="0">
+<p:notes xmlns:a="http://schemas.openxmlformats.org/drawingml/2006/main" xmlns:r="http://schemas.openxmlformats.org/officeDocument/2006/relationships" xmlns:mc="http://schemas.openxmlformats.org/markup-compatibility/2006" xmlns:mv="urn:schemas-microsoft-com:mac:vml" xmlns:p="http://schemas.openxmlformats.org/presentationml/2006/main" xmlns:c="http://schemas.openxmlformats.org/drawingml/2006/chart" xmlns:dgm="http://schemas.openxmlformats.org/drawingml/2006/diagram" xmlns:o="urn:schemas-microsoft-com:office:office" xmlns:v="urn:schemas-microsoft-com:vml" xmlns:pvml="urn:schemas-microsoft-com:office:powerpoint" xmlns:com="http://schemas.openxmlformats.org/drawingml/2006/compatibility" xmlns:p14="http://schemas.microsoft.com/office/powerpoint/2010/main" showMasterPhAnim="0" showMasterSp="0">
   <p:cSld>
     <p:spTree>
       <p:nvGrpSpPr>
-        <p:cNvPr id="1" name="Shape 125"/>
+        <p:cNvPr id="125" name="Shape 125"/>
         <p:cNvGrpSpPr/>
         <p:nvPr/>
       </p:nvGrpSpPr>
@@ -615,11 +514,9 @@
       <p:sp>
         <p:nvSpPr>
           <p:cNvPr id="126" name="Shape 126"/>
-          <p:cNvSpPr>
-            <a:spLocks noGrp="1" noRot="1" noChangeAspect="1"/>
-          </p:cNvSpPr>
+          <p:cNvSpPr/>
           <p:nvPr>
-            <p:ph type="sldImg" idx="2"/>
+            <p:ph idx="2" type="sldImg"/>
           </p:nvPr>
         </p:nvSpPr>
         <p:spPr>
@@ -628,13 +525,8 @@
             <a:ext cx="6096000" cy="3429000"/>
           </a:xfrm>
           <a:custGeom>
-            <a:avLst/>
-            <a:gdLst/>
-            <a:ahLst/>
-            <a:cxnLst/>
-            <a:rect l="0" t="0" r="0" b="0"/>
             <a:pathLst>
-              <a:path w="120000" h="120000" extrusionOk="0">
+              <a:path extrusionOk="0" h="120000" w="120000">
                 <a:moveTo>
                   <a:pt x="0" y="0"/>
                 </a:moveTo>
@@ -656,11 +548,9 @@
       <p:sp>
         <p:nvSpPr>
           <p:cNvPr id="127" name="Shape 127"/>
-          <p:cNvSpPr txBox="1">
-            <a:spLocks noGrp="1"/>
-          </p:cNvSpPr>
+          <p:cNvSpPr txBox="1"/>
           <p:nvPr>
-            <p:ph type="body" idx="1"/>
+            <p:ph idx="1" type="body"/>
           </p:nvPr>
         </p:nvSpPr>
         <p:spPr>
@@ -673,7 +563,7 @@
           </a:prstGeom>
         </p:spPr>
         <p:txBody>
-          <a:bodyPr lIns="91425" tIns="91425" rIns="91425" bIns="91425" anchor="t" anchorCtr="0">
+          <a:bodyPr anchorCtr="0" anchor="t" bIns="91425" lIns="91425" rIns="91425" tIns="91425">
             <a:noAutofit/>
           </a:bodyPr>
           <a:lstStyle/>
@@ -684,6 +574,9 @@
               </a:spcBef>
               <a:buNone/>
             </a:pPr>
+            <a:r>
+              <a:t/>
+            </a:r>
             <a:endParaRPr/>
           </a:p>
         </p:txBody>
@@ -697,11 +590,11 @@
 </file>
 
 <file path=ppt/notesSlides/notesSlide11.xml><?xml version="1.0" encoding="utf-8"?>
-<p:notes xmlns:a="http://schemas.openxmlformats.org/drawingml/2006/main" xmlns:r="http://schemas.openxmlformats.org/officeDocument/2006/relationships" xmlns:p="http://schemas.openxmlformats.org/presentationml/2006/main" showMasterSp="0" showMasterPhAnim="0">
+<p:notes xmlns:a="http://schemas.openxmlformats.org/drawingml/2006/main" xmlns:r="http://schemas.openxmlformats.org/officeDocument/2006/relationships" xmlns:mc="http://schemas.openxmlformats.org/markup-compatibility/2006" xmlns:mv="urn:schemas-microsoft-com:mac:vml" xmlns:p="http://schemas.openxmlformats.org/presentationml/2006/main" xmlns:c="http://schemas.openxmlformats.org/drawingml/2006/chart" xmlns:dgm="http://schemas.openxmlformats.org/drawingml/2006/diagram" xmlns:o="urn:schemas-microsoft-com:office:office" xmlns:v="urn:schemas-microsoft-com:vml" xmlns:pvml="urn:schemas-microsoft-com:office:powerpoint" xmlns:com="http://schemas.openxmlformats.org/drawingml/2006/compatibility" xmlns:p14="http://schemas.microsoft.com/office/powerpoint/2010/main" showMasterPhAnim="0" showMasterSp="0">
   <p:cSld>
     <p:spTree>
       <p:nvGrpSpPr>
-        <p:cNvPr id="1" name="Shape 131"/>
+        <p:cNvPr id="131" name="Shape 131"/>
         <p:cNvGrpSpPr/>
         <p:nvPr/>
       </p:nvGrpSpPr>
@@ -716,11 +609,9 @@
       <p:sp>
         <p:nvSpPr>
           <p:cNvPr id="132" name="Shape 132"/>
-          <p:cNvSpPr>
-            <a:spLocks noGrp="1" noRot="1" noChangeAspect="1"/>
-          </p:cNvSpPr>
+          <p:cNvSpPr/>
           <p:nvPr>
-            <p:ph type="sldImg" idx="2"/>
+            <p:ph idx="2" type="sldImg"/>
           </p:nvPr>
         </p:nvSpPr>
         <p:spPr>
@@ -729,13 +620,8 @@
             <a:ext cx="6096000" cy="3429000"/>
           </a:xfrm>
           <a:custGeom>
-            <a:avLst/>
-            <a:gdLst/>
-            <a:ahLst/>
-            <a:cxnLst/>
-            <a:rect l="0" t="0" r="0" b="0"/>
             <a:pathLst>
-              <a:path w="120000" h="120000" extrusionOk="0">
+              <a:path extrusionOk="0" h="120000" w="120000">
                 <a:moveTo>
                   <a:pt x="0" y="0"/>
                 </a:moveTo>
@@ -757,11 +643,9 @@
       <p:sp>
         <p:nvSpPr>
           <p:cNvPr id="133" name="Shape 133"/>
-          <p:cNvSpPr txBox="1">
-            <a:spLocks noGrp="1"/>
-          </p:cNvSpPr>
+          <p:cNvSpPr txBox="1"/>
           <p:nvPr>
-            <p:ph type="body" idx="1"/>
+            <p:ph idx="1" type="body"/>
           </p:nvPr>
         </p:nvSpPr>
         <p:spPr>
@@ -774,7 +658,7 @@
           </a:prstGeom>
         </p:spPr>
         <p:txBody>
-          <a:bodyPr lIns="91425" tIns="91425" rIns="91425" bIns="91425" anchor="t" anchorCtr="0">
+          <a:bodyPr anchorCtr="0" anchor="t" bIns="91425" lIns="91425" rIns="91425" tIns="91425">
             <a:noAutofit/>
           </a:bodyPr>
           <a:lstStyle/>
@@ -801,11 +685,11 @@
 </file>
 
 <file path=ppt/notesSlides/notesSlide12.xml><?xml version="1.0" encoding="utf-8"?>
-<p:notes xmlns:a="http://schemas.openxmlformats.org/drawingml/2006/main" xmlns:r="http://schemas.openxmlformats.org/officeDocument/2006/relationships" xmlns:p="http://schemas.openxmlformats.org/presentationml/2006/main" showMasterSp="0" showMasterPhAnim="0">
+<p:notes xmlns:a="http://schemas.openxmlformats.org/drawingml/2006/main" xmlns:r="http://schemas.openxmlformats.org/officeDocument/2006/relationships" xmlns:mc="http://schemas.openxmlformats.org/markup-compatibility/2006" xmlns:mv="urn:schemas-microsoft-com:mac:vml" xmlns:p="http://schemas.openxmlformats.org/presentationml/2006/main" xmlns:c="http://schemas.openxmlformats.org/drawingml/2006/chart" xmlns:dgm="http://schemas.openxmlformats.org/drawingml/2006/diagram" xmlns:o="urn:schemas-microsoft-com:office:office" xmlns:v="urn:schemas-microsoft-com:vml" xmlns:pvml="urn:schemas-microsoft-com:office:powerpoint" xmlns:com="http://schemas.openxmlformats.org/drawingml/2006/compatibility" xmlns:p14="http://schemas.microsoft.com/office/powerpoint/2010/main" showMasterPhAnim="0" showMasterSp="0">
   <p:cSld>
     <p:spTree>
       <p:nvGrpSpPr>
-        <p:cNvPr id="1" name="Shape 137"/>
+        <p:cNvPr id="137" name="Shape 137"/>
         <p:cNvGrpSpPr/>
         <p:nvPr/>
       </p:nvGrpSpPr>
@@ -820,26 +704,19 @@
       <p:sp>
         <p:nvSpPr>
           <p:cNvPr id="138" name="Shape 138"/>
-          <p:cNvSpPr>
-            <a:spLocks noGrp="1" noRot="1" noChangeAspect="1"/>
-          </p:cNvSpPr>
+          <p:cNvSpPr/>
           <p:nvPr>
-            <p:ph type="sldImg" idx="2"/>
+            <p:ph idx="2" type="sldImg"/>
           </p:nvPr>
         </p:nvSpPr>
         <p:spPr>
           <a:xfrm>
-            <a:off x="381000" y="685800"/>
+            <a:off x="381300" y="685800"/>
             <a:ext cx="6096000" cy="3429000"/>
           </a:xfrm>
           <a:custGeom>
-            <a:avLst/>
-            <a:gdLst/>
-            <a:ahLst/>
-            <a:cxnLst/>
-            <a:rect l="0" t="0" r="0" b="0"/>
             <a:pathLst>
-              <a:path w="120000" h="120000" extrusionOk="0">
+              <a:path extrusionOk="0" h="120000" w="120000">
                 <a:moveTo>
                   <a:pt x="0" y="0"/>
                 </a:moveTo>
@@ -861,11 +738,9 @@
       <p:sp>
         <p:nvSpPr>
           <p:cNvPr id="139" name="Shape 139"/>
-          <p:cNvSpPr txBox="1">
-            <a:spLocks noGrp="1"/>
-          </p:cNvSpPr>
+          <p:cNvSpPr txBox="1"/>
           <p:nvPr>
-            <p:ph type="body" idx="1"/>
+            <p:ph idx="1" type="body"/>
           </p:nvPr>
         </p:nvSpPr>
         <p:spPr>
@@ -878,7 +753,7 @@
           </a:prstGeom>
         </p:spPr>
         <p:txBody>
-          <a:bodyPr lIns="91425" tIns="91425" rIns="91425" bIns="91425" anchor="t" anchorCtr="0">
+          <a:bodyPr anchorCtr="0" anchor="t" bIns="91425" lIns="91425" rIns="91425" tIns="91425">
             <a:noAutofit/>
           </a:bodyPr>
           <a:lstStyle/>
@@ -901,7 +776,22 @@
               </a:spcBef>
               <a:buNone/>
             </a:pPr>
-            <a:endParaRPr/>
+            <a:r>
+              <a:rPr lang="en"/>
+              <a:t>Don’t these JSON objects look familiar? They’re just like Javascript objects (note Javascript OBJECT Notation)</a:t>
+            </a:r>
+          </a:p>
+          <a:p>
+            <a:pPr lvl="0">
+              <a:spcBef>
+                <a:spcPts val="0"/>
+              </a:spcBef>
+              <a:buNone/>
+            </a:pPr>
+            <a:r>
+              <a:rPr lang="en"/>
+              <a:t>You can use/access them just the same way.</a:t>
+            </a:r>
           </a:p>
         </p:txBody>
       </p:sp>
@@ -914,11 +804,11 @@
 </file>
 
 <file path=ppt/notesSlides/notesSlide13.xml><?xml version="1.0" encoding="utf-8"?>
-<p:notes xmlns:a="http://schemas.openxmlformats.org/drawingml/2006/main" xmlns:r="http://schemas.openxmlformats.org/officeDocument/2006/relationships" xmlns:p="http://schemas.openxmlformats.org/presentationml/2006/main" showMasterSp="0" showMasterPhAnim="0">
+<p:notes xmlns:a="http://schemas.openxmlformats.org/drawingml/2006/main" xmlns:r="http://schemas.openxmlformats.org/officeDocument/2006/relationships" xmlns:mc="http://schemas.openxmlformats.org/markup-compatibility/2006" xmlns:mv="urn:schemas-microsoft-com:mac:vml" xmlns:p="http://schemas.openxmlformats.org/presentationml/2006/main" xmlns:c="http://schemas.openxmlformats.org/drawingml/2006/chart" xmlns:dgm="http://schemas.openxmlformats.org/drawingml/2006/diagram" xmlns:o="urn:schemas-microsoft-com:office:office" xmlns:v="urn:schemas-microsoft-com:vml" xmlns:pvml="urn:schemas-microsoft-com:office:powerpoint" xmlns:com="http://schemas.openxmlformats.org/drawingml/2006/compatibility" xmlns:p14="http://schemas.microsoft.com/office/powerpoint/2010/main" showMasterPhAnim="0" showMasterSp="0">
   <p:cSld>
     <p:spTree>
       <p:nvGrpSpPr>
-        <p:cNvPr id="1" name="Shape 143"/>
+        <p:cNvPr id="143" name="Shape 143"/>
         <p:cNvGrpSpPr/>
         <p:nvPr/>
       </p:nvGrpSpPr>
@@ -933,26 +823,19 @@
       <p:sp>
         <p:nvSpPr>
           <p:cNvPr id="144" name="Shape 144"/>
-          <p:cNvSpPr>
-            <a:spLocks noGrp="1" noRot="1" noChangeAspect="1"/>
-          </p:cNvSpPr>
+          <p:cNvSpPr/>
           <p:nvPr>
-            <p:ph type="sldImg" idx="2"/>
+            <p:ph idx="2" type="sldImg"/>
           </p:nvPr>
         </p:nvSpPr>
         <p:spPr>
           <a:xfrm>
-            <a:off x="381000" y="685800"/>
+            <a:off x="381300" y="685800"/>
             <a:ext cx="6096000" cy="3429000"/>
           </a:xfrm>
           <a:custGeom>
-            <a:avLst/>
-            <a:gdLst/>
-            <a:ahLst/>
-            <a:cxnLst/>
-            <a:rect l="0" t="0" r="0" b="0"/>
             <a:pathLst>
-              <a:path w="120000" h="120000" extrusionOk="0">
+              <a:path extrusionOk="0" h="120000" w="120000">
                 <a:moveTo>
                   <a:pt x="0" y="0"/>
                 </a:moveTo>
@@ -974,11 +857,9 @@
       <p:sp>
         <p:nvSpPr>
           <p:cNvPr id="145" name="Shape 145"/>
-          <p:cNvSpPr txBox="1">
-            <a:spLocks noGrp="1"/>
-          </p:cNvSpPr>
+          <p:cNvSpPr txBox="1"/>
           <p:nvPr>
-            <p:ph type="body" idx="1"/>
+            <p:ph idx="1" type="body"/>
           </p:nvPr>
         </p:nvSpPr>
         <p:spPr>
@@ -991,7 +872,7 @@
           </a:prstGeom>
         </p:spPr>
         <p:txBody>
-          <a:bodyPr lIns="91425" tIns="91425" rIns="91425" bIns="91425" anchor="t" anchorCtr="0">
+          <a:bodyPr anchorCtr="0" anchor="t" bIns="91425" lIns="91425" rIns="91425" tIns="91425">
             <a:noAutofit/>
           </a:bodyPr>
           <a:lstStyle/>
@@ -1002,7 +883,34 @@
               </a:spcBef>
               <a:buNone/>
             </a:pPr>
+            <a:r>
+              <a:rPr lang="en"/>
+              <a:t>Answer: chocolate syrup</a:t>
+            </a:r>
+          </a:p>
+          <a:p>
+            <a:pPr lvl="0">
+              <a:spcBef>
+                <a:spcPts val="0"/>
+              </a:spcBef>
+              <a:buNone/>
+            </a:pPr>
+            <a:r>
+              <a:t/>
+            </a:r>
             <a:endParaRPr/>
+          </a:p>
+          <a:p>
+            <a:pPr lvl="0">
+              <a:spcBef>
+                <a:spcPts val="0"/>
+              </a:spcBef>
+              <a:buNone/>
+            </a:pPr>
+            <a:r>
+              <a:rPr lang="en"/>
+              <a:t>Indentation doesn’t matter, but it makes it easier to read</a:t>
+            </a:r>
           </a:p>
         </p:txBody>
       </p:sp>
@@ -1015,11 +923,11 @@
 </file>
 
 <file path=ppt/notesSlides/notesSlide14.xml><?xml version="1.0" encoding="utf-8"?>
-<p:notes xmlns:a="http://schemas.openxmlformats.org/drawingml/2006/main" xmlns:r="http://schemas.openxmlformats.org/officeDocument/2006/relationships" xmlns:p="http://schemas.openxmlformats.org/presentationml/2006/main" showMasterSp="0" showMasterPhAnim="0">
+<p:notes xmlns:a="http://schemas.openxmlformats.org/drawingml/2006/main" xmlns:r="http://schemas.openxmlformats.org/officeDocument/2006/relationships" xmlns:mc="http://schemas.openxmlformats.org/markup-compatibility/2006" xmlns:mv="urn:schemas-microsoft-com:mac:vml" xmlns:p="http://schemas.openxmlformats.org/presentationml/2006/main" xmlns:c="http://schemas.openxmlformats.org/drawingml/2006/chart" xmlns:dgm="http://schemas.openxmlformats.org/drawingml/2006/diagram" xmlns:o="urn:schemas-microsoft-com:office:office" xmlns:v="urn:schemas-microsoft-com:vml" xmlns:pvml="urn:schemas-microsoft-com:office:powerpoint" xmlns:com="http://schemas.openxmlformats.org/drawingml/2006/compatibility" xmlns:p14="http://schemas.microsoft.com/office/powerpoint/2010/main" showMasterPhAnim="0" showMasterSp="0">
   <p:cSld>
     <p:spTree>
       <p:nvGrpSpPr>
-        <p:cNvPr id="1" name="Shape 149"/>
+        <p:cNvPr id="149" name="Shape 149"/>
         <p:cNvGrpSpPr/>
         <p:nvPr/>
       </p:nvGrpSpPr>
@@ -1034,26 +942,19 @@
       <p:sp>
         <p:nvSpPr>
           <p:cNvPr id="150" name="Shape 150"/>
-          <p:cNvSpPr>
-            <a:spLocks noGrp="1" noRot="1" noChangeAspect="1"/>
-          </p:cNvSpPr>
+          <p:cNvSpPr/>
           <p:nvPr>
-            <p:ph type="sldImg" idx="2"/>
+            <p:ph idx="2" type="sldImg"/>
           </p:nvPr>
         </p:nvSpPr>
         <p:spPr>
           <a:xfrm>
-            <a:off x="381000" y="685800"/>
+            <a:off x="381300" y="685800"/>
             <a:ext cx="6096000" cy="3429000"/>
           </a:xfrm>
           <a:custGeom>
-            <a:avLst/>
-            <a:gdLst/>
-            <a:ahLst/>
-            <a:cxnLst/>
-            <a:rect l="0" t="0" r="0" b="0"/>
             <a:pathLst>
-              <a:path w="120000" h="120000" extrusionOk="0">
+              <a:path extrusionOk="0" h="120000" w="120000">
                 <a:moveTo>
                   <a:pt x="0" y="0"/>
                 </a:moveTo>
@@ -1075,11 +976,9 @@
       <p:sp>
         <p:nvSpPr>
           <p:cNvPr id="151" name="Shape 151"/>
-          <p:cNvSpPr txBox="1">
-            <a:spLocks noGrp="1"/>
-          </p:cNvSpPr>
+          <p:cNvSpPr txBox="1"/>
           <p:nvPr>
-            <p:ph type="body" idx="1"/>
+            <p:ph idx="1" type="body"/>
           </p:nvPr>
         </p:nvSpPr>
         <p:spPr>
@@ -1092,42 +991,21 @@
           </a:prstGeom>
         </p:spPr>
         <p:txBody>
-          <a:bodyPr lIns="91425" tIns="91425" rIns="91425" bIns="91425" anchor="t" anchorCtr="0">
+          <a:bodyPr anchorCtr="0" anchor="t" bIns="91425" lIns="91425" rIns="91425" tIns="91425">
             <a:noAutofit/>
           </a:bodyPr>
           <a:lstStyle/>
           <a:p>
-            <a:pPr lvl="0">
-              <a:spcBef>
-                <a:spcPts val="0"/>
-              </a:spcBef>
-              <a:buNone/>
-            </a:pPr>
-            <a:r>
-              <a:rPr lang="en"/>
-              <a:t>Answer: chocolate syrup</a:t>
-            </a:r>
-          </a:p>
-          <a:p>
-            <a:pPr lvl="0">
-              <a:spcBef>
-                <a:spcPts val="0"/>
-              </a:spcBef>
-              <a:buNone/>
-            </a:pPr>
+            <a:pPr lvl="0" rtl="0">
+              <a:spcBef>
+                <a:spcPts val="0"/>
+              </a:spcBef>
+              <a:buNone/>
+            </a:pPr>
+            <a:r>
+              <a:t/>
+            </a:r>
             <a:endParaRPr/>
-          </a:p>
-          <a:p>
-            <a:pPr lvl="0">
-              <a:spcBef>
-                <a:spcPts val="0"/>
-              </a:spcBef>
-              <a:buNone/>
-            </a:pPr>
-            <a:r>
-              <a:rPr lang="en"/>
-              <a:t>Indentation doesn’t matter, but it makes it easier to read</a:t>
-            </a:r>
           </a:p>
         </p:txBody>
       </p:sp>
@@ -1140,11 +1018,11 @@
 </file>
 
 <file path=ppt/notesSlides/notesSlide15.xml><?xml version="1.0" encoding="utf-8"?>
-<p:notes xmlns:a="http://schemas.openxmlformats.org/drawingml/2006/main" xmlns:r="http://schemas.openxmlformats.org/officeDocument/2006/relationships" xmlns:p="http://schemas.openxmlformats.org/presentationml/2006/main" showMasterSp="0" showMasterPhAnim="0">
+<p:notes xmlns:a="http://schemas.openxmlformats.org/drawingml/2006/main" xmlns:r="http://schemas.openxmlformats.org/officeDocument/2006/relationships" xmlns:mc="http://schemas.openxmlformats.org/markup-compatibility/2006" xmlns:mv="urn:schemas-microsoft-com:mac:vml" xmlns:p="http://schemas.openxmlformats.org/presentationml/2006/main" xmlns:c="http://schemas.openxmlformats.org/drawingml/2006/chart" xmlns:dgm="http://schemas.openxmlformats.org/drawingml/2006/diagram" xmlns:o="urn:schemas-microsoft-com:office:office" xmlns:v="urn:schemas-microsoft-com:vml" xmlns:pvml="urn:schemas-microsoft-com:office:powerpoint" xmlns:com="http://schemas.openxmlformats.org/drawingml/2006/compatibility" xmlns:p14="http://schemas.microsoft.com/office/powerpoint/2010/main" showMasterPhAnim="0" showMasterSp="0">
   <p:cSld>
     <p:spTree>
       <p:nvGrpSpPr>
-        <p:cNvPr id="1" name="Shape 155"/>
+        <p:cNvPr id="155" name="Shape 155"/>
         <p:cNvGrpSpPr/>
         <p:nvPr/>
       </p:nvGrpSpPr>
@@ -1159,11 +1037,9 @@
       <p:sp>
         <p:nvSpPr>
           <p:cNvPr id="156" name="Shape 156"/>
-          <p:cNvSpPr>
-            <a:spLocks noGrp="1" noRot="1" noChangeAspect="1"/>
-          </p:cNvSpPr>
+          <p:cNvSpPr/>
           <p:nvPr>
-            <p:ph type="sldImg" idx="2"/>
+            <p:ph idx="2" type="sldImg"/>
           </p:nvPr>
         </p:nvSpPr>
         <p:spPr>
@@ -1172,13 +1048,8 @@
             <a:ext cx="6096000" cy="3429000"/>
           </a:xfrm>
           <a:custGeom>
-            <a:avLst/>
-            <a:gdLst/>
-            <a:ahLst/>
-            <a:cxnLst/>
-            <a:rect l="0" t="0" r="0" b="0"/>
             <a:pathLst>
-              <a:path w="120000" h="120000" extrusionOk="0">
+              <a:path extrusionOk="0" h="120000" w="120000">
                 <a:moveTo>
                   <a:pt x="0" y="0"/>
                 </a:moveTo>
@@ -1200,11 +1071,9 @@
       <p:sp>
         <p:nvSpPr>
           <p:cNvPr id="157" name="Shape 157"/>
-          <p:cNvSpPr txBox="1">
-            <a:spLocks noGrp="1"/>
-          </p:cNvSpPr>
+          <p:cNvSpPr txBox="1"/>
           <p:nvPr>
-            <p:ph type="body" idx="1"/>
+            <p:ph idx="1" type="body"/>
           </p:nvPr>
         </p:nvSpPr>
         <p:spPr>
@@ -1217,7 +1086,7 @@
           </a:prstGeom>
         </p:spPr>
         <p:txBody>
-          <a:bodyPr lIns="91425" tIns="91425" rIns="91425" bIns="91425" anchor="t" anchorCtr="0">
+          <a:bodyPr anchorCtr="0" anchor="t" bIns="91425" lIns="91425" rIns="91425" tIns="91425">
             <a:noAutofit/>
           </a:bodyPr>
           <a:lstStyle/>
@@ -1228,6 +1097,9 @@
               </a:spcBef>
               <a:buNone/>
             </a:pPr>
+            <a:r>
+              <a:t/>
+            </a:r>
             <a:endParaRPr/>
           </a:p>
         </p:txBody>
@@ -1240,12 +1112,12 @@
 </p:notes>
 </file>
 
-<file path=ppt/notesSlides/notesSlide16.xml><?xml version="1.0" encoding="utf-8"?>
-<p:notes xmlns:a="http://schemas.openxmlformats.org/drawingml/2006/main" xmlns:r="http://schemas.openxmlformats.org/officeDocument/2006/relationships" xmlns:p="http://schemas.openxmlformats.org/presentationml/2006/main" showMasterSp="0" showMasterPhAnim="0">
+<file path=ppt/notesSlides/notesSlide2.xml><?xml version="1.0" encoding="utf-8"?>
+<p:notes xmlns:a="http://schemas.openxmlformats.org/drawingml/2006/main" xmlns:r="http://schemas.openxmlformats.org/officeDocument/2006/relationships" xmlns:mc="http://schemas.openxmlformats.org/markup-compatibility/2006" xmlns:mv="urn:schemas-microsoft-com:mac:vml" xmlns:p="http://schemas.openxmlformats.org/presentationml/2006/main" xmlns:c="http://schemas.openxmlformats.org/drawingml/2006/chart" xmlns:dgm="http://schemas.openxmlformats.org/drawingml/2006/diagram" xmlns:o="urn:schemas-microsoft-com:office:office" xmlns:v="urn:schemas-microsoft-com:vml" xmlns:pvml="urn:schemas-microsoft-com:office:powerpoint" xmlns:com="http://schemas.openxmlformats.org/drawingml/2006/compatibility" xmlns:p14="http://schemas.microsoft.com/office/powerpoint/2010/main" showMasterPhAnim="0" showMasterSp="0">
   <p:cSld>
     <p:spTree>
       <p:nvGrpSpPr>
-        <p:cNvPr id="1" name="Shape 161"/>
+        <p:cNvPr id="68" name="Shape 68"/>
         <p:cNvGrpSpPr/>
         <p:nvPr/>
       </p:nvGrpSpPr>
@@ -1259,12 +1131,10 @@
       </p:grpSpPr>
       <p:sp>
         <p:nvSpPr>
-          <p:cNvPr id="162" name="Shape 162"/>
-          <p:cNvSpPr>
-            <a:spLocks noGrp="1" noRot="1" noChangeAspect="1"/>
-          </p:cNvSpPr>
+          <p:cNvPr id="69" name="Shape 69"/>
+          <p:cNvSpPr/>
           <p:nvPr>
-            <p:ph type="sldImg" idx="2"/>
+            <p:ph idx="2" type="sldImg"/>
           </p:nvPr>
         </p:nvSpPr>
         <p:spPr>
@@ -1273,13 +1143,8 @@
             <a:ext cx="6096000" cy="3429000"/>
           </a:xfrm>
           <a:custGeom>
-            <a:avLst/>
-            <a:gdLst/>
-            <a:ahLst/>
-            <a:cxnLst/>
-            <a:rect l="0" t="0" r="0" b="0"/>
             <a:pathLst>
-              <a:path w="120000" h="120000" extrusionOk="0">
+              <a:path extrusionOk="0" h="120000" w="120000">
                 <a:moveTo>
                   <a:pt x="0" y="0"/>
                 </a:moveTo>
@@ -1300,12 +1165,10 @@
       </p:sp>
       <p:sp>
         <p:nvSpPr>
-          <p:cNvPr id="163" name="Shape 163"/>
-          <p:cNvSpPr txBox="1">
-            <a:spLocks noGrp="1"/>
-          </p:cNvSpPr>
+          <p:cNvPr id="70" name="Shape 70"/>
+          <p:cNvSpPr txBox="1"/>
           <p:nvPr>
-            <p:ph type="body" idx="1"/>
+            <p:ph idx="1" type="body"/>
           </p:nvPr>
         </p:nvSpPr>
         <p:spPr>
@@ -1318,7 +1181,7 @@
           </a:prstGeom>
         </p:spPr>
         <p:txBody>
-          <a:bodyPr lIns="91425" tIns="91425" rIns="91425" bIns="91425" anchor="t" anchorCtr="0">
+          <a:bodyPr anchorCtr="0" anchor="t" bIns="91425" lIns="91425" rIns="91425" tIns="91425">
             <a:noAutofit/>
           </a:bodyPr>
           <a:lstStyle/>
@@ -1329,6 +1192,9 @@
               </a:spcBef>
               <a:buNone/>
             </a:pPr>
+            <a:r>
+              <a:t/>
+            </a:r>
             <a:endParaRPr/>
           </a:p>
         </p:txBody>
@@ -1341,12 +1207,12 @@
 </p:notes>
 </file>
 
-<file path=ppt/notesSlides/notesSlide2.xml><?xml version="1.0" encoding="utf-8"?>
-<p:notes xmlns:a="http://schemas.openxmlformats.org/drawingml/2006/main" xmlns:r="http://schemas.openxmlformats.org/officeDocument/2006/relationships" xmlns:p="http://schemas.openxmlformats.org/presentationml/2006/main" showMasterSp="0" showMasterPhAnim="0">
+<file path=ppt/notesSlides/notesSlide3.xml><?xml version="1.0" encoding="utf-8"?>
+<p:notes xmlns:a="http://schemas.openxmlformats.org/drawingml/2006/main" xmlns:r="http://schemas.openxmlformats.org/officeDocument/2006/relationships" xmlns:mc="http://schemas.openxmlformats.org/markup-compatibility/2006" xmlns:mv="urn:schemas-microsoft-com:mac:vml" xmlns:p="http://schemas.openxmlformats.org/presentationml/2006/main" xmlns:c="http://schemas.openxmlformats.org/drawingml/2006/chart" xmlns:dgm="http://schemas.openxmlformats.org/drawingml/2006/diagram" xmlns:o="urn:schemas-microsoft-com:office:office" xmlns:v="urn:schemas-microsoft-com:vml" xmlns:pvml="urn:schemas-microsoft-com:office:powerpoint" xmlns:com="http://schemas.openxmlformats.org/drawingml/2006/compatibility" xmlns:p14="http://schemas.microsoft.com/office/powerpoint/2010/main" showMasterPhAnim="0" showMasterSp="0">
   <p:cSld>
     <p:spTree>
       <p:nvGrpSpPr>
-        <p:cNvPr id="1" name="Shape 68"/>
+        <p:cNvPr id="74" name="Shape 74"/>
         <p:cNvGrpSpPr/>
         <p:nvPr/>
       </p:nvGrpSpPr>
@@ -1360,12 +1226,10 @@
       </p:grpSpPr>
       <p:sp>
         <p:nvSpPr>
-          <p:cNvPr id="69" name="Shape 69"/>
-          <p:cNvSpPr>
-            <a:spLocks noGrp="1" noRot="1" noChangeAspect="1"/>
-          </p:cNvSpPr>
+          <p:cNvPr id="75" name="Shape 75"/>
+          <p:cNvSpPr/>
           <p:nvPr>
-            <p:ph type="sldImg" idx="2"/>
+            <p:ph idx="2" type="sldImg"/>
           </p:nvPr>
         </p:nvSpPr>
         <p:spPr>
@@ -1374,13 +1238,8 @@
             <a:ext cx="6096000" cy="3429000"/>
           </a:xfrm>
           <a:custGeom>
-            <a:avLst/>
-            <a:gdLst/>
-            <a:ahLst/>
-            <a:cxnLst/>
-            <a:rect l="0" t="0" r="0" b="0"/>
             <a:pathLst>
-              <a:path w="120000" h="120000" extrusionOk="0">
+              <a:path extrusionOk="0" h="120000" w="120000">
                 <a:moveTo>
                   <a:pt x="0" y="0"/>
                 </a:moveTo>
@@ -1401,12 +1260,10 @@
       </p:sp>
       <p:sp>
         <p:nvSpPr>
-          <p:cNvPr id="70" name="Shape 70"/>
-          <p:cNvSpPr txBox="1">
-            <a:spLocks noGrp="1"/>
-          </p:cNvSpPr>
+          <p:cNvPr id="76" name="Shape 76"/>
+          <p:cNvSpPr txBox="1"/>
           <p:nvPr>
-            <p:ph type="body" idx="1"/>
+            <p:ph idx="1" type="body"/>
           </p:nvPr>
         </p:nvSpPr>
         <p:spPr>
@@ -1419,17 +1276,20 @@
           </a:prstGeom>
         </p:spPr>
         <p:txBody>
-          <a:bodyPr lIns="91425" tIns="91425" rIns="91425" bIns="91425" anchor="t" anchorCtr="0">
+          <a:bodyPr anchorCtr="0" anchor="t" bIns="91425" lIns="91425" rIns="91425" tIns="91425">
             <a:noAutofit/>
           </a:bodyPr>
           <a:lstStyle/>
           <a:p>
-            <a:pPr lvl="0">
-              <a:spcBef>
-                <a:spcPts val="0"/>
-              </a:spcBef>
-              <a:buNone/>
-            </a:pPr>
+            <a:pPr lvl="0" rtl="0">
+              <a:spcBef>
+                <a:spcPts val="0"/>
+              </a:spcBef>
+              <a:buNone/>
+            </a:pPr>
+            <a:r>
+              <a:t/>
+            </a:r>
             <a:endParaRPr/>
           </a:p>
         </p:txBody>
@@ -1442,12 +1302,12 @@
 </p:notes>
 </file>
 
-<file path=ppt/notesSlides/notesSlide3.xml><?xml version="1.0" encoding="utf-8"?>
-<p:notes xmlns:a="http://schemas.openxmlformats.org/drawingml/2006/main" xmlns:r="http://schemas.openxmlformats.org/officeDocument/2006/relationships" xmlns:p="http://schemas.openxmlformats.org/presentationml/2006/main" showMasterSp="0" showMasterPhAnim="0">
+<file path=ppt/notesSlides/notesSlide4.xml><?xml version="1.0" encoding="utf-8"?>
+<p:notes xmlns:a="http://schemas.openxmlformats.org/drawingml/2006/main" xmlns:r="http://schemas.openxmlformats.org/officeDocument/2006/relationships" xmlns:mc="http://schemas.openxmlformats.org/markup-compatibility/2006" xmlns:mv="urn:schemas-microsoft-com:mac:vml" xmlns:p="http://schemas.openxmlformats.org/presentationml/2006/main" xmlns:c="http://schemas.openxmlformats.org/drawingml/2006/chart" xmlns:dgm="http://schemas.openxmlformats.org/drawingml/2006/diagram" xmlns:o="urn:schemas-microsoft-com:office:office" xmlns:v="urn:schemas-microsoft-com:vml" xmlns:pvml="urn:schemas-microsoft-com:office:powerpoint" xmlns:com="http://schemas.openxmlformats.org/drawingml/2006/compatibility" xmlns:p14="http://schemas.microsoft.com/office/powerpoint/2010/main" showMasterPhAnim="0" showMasterSp="0">
   <p:cSld>
     <p:spTree>
       <p:nvGrpSpPr>
-        <p:cNvPr id="1" name="Shape 74"/>
+        <p:cNvPr id="82" name="Shape 82"/>
         <p:cNvGrpSpPr/>
         <p:nvPr/>
       </p:nvGrpSpPr>
@@ -1461,12 +1321,10 @@
       </p:grpSpPr>
       <p:sp>
         <p:nvSpPr>
-          <p:cNvPr id="75" name="Shape 75"/>
-          <p:cNvSpPr>
-            <a:spLocks noGrp="1" noRot="1" noChangeAspect="1"/>
-          </p:cNvSpPr>
+          <p:cNvPr id="83" name="Shape 83"/>
+          <p:cNvSpPr/>
           <p:nvPr>
-            <p:ph type="sldImg" idx="2"/>
+            <p:ph idx="2" type="sldImg"/>
           </p:nvPr>
         </p:nvSpPr>
         <p:spPr>
@@ -1475,13 +1333,8 @@
             <a:ext cx="6096000" cy="3429000"/>
           </a:xfrm>
           <a:custGeom>
-            <a:avLst/>
-            <a:gdLst/>
-            <a:ahLst/>
-            <a:cxnLst/>
-            <a:rect l="0" t="0" r="0" b="0"/>
             <a:pathLst>
-              <a:path w="120000" h="120000" extrusionOk="0">
+              <a:path extrusionOk="0" h="120000" w="120000">
                 <a:moveTo>
                   <a:pt x="0" y="0"/>
                 </a:moveTo>
@@ -1502,12 +1355,10 @@
       </p:sp>
       <p:sp>
         <p:nvSpPr>
-          <p:cNvPr id="76" name="Shape 76"/>
-          <p:cNvSpPr txBox="1">
-            <a:spLocks noGrp="1"/>
-          </p:cNvSpPr>
+          <p:cNvPr id="84" name="Shape 84"/>
+          <p:cNvSpPr txBox="1"/>
           <p:nvPr>
-            <p:ph type="body" idx="1"/>
+            <p:ph idx="1" type="body"/>
           </p:nvPr>
         </p:nvSpPr>
         <p:spPr>
@@ -1520,17 +1371,20 @@
           </a:prstGeom>
         </p:spPr>
         <p:txBody>
-          <a:bodyPr lIns="91425" tIns="91425" rIns="91425" bIns="91425" anchor="t" anchorCtr="0">
+          <a:bodyPr anchorCtr="0" anchor="t" bIns="91425" lIns="91425" rIns="91425" tIns="91425">
             <a:noAutofit/>
           </a:bodyPr>
           <a:lstStyle/>
           <a:p>
-            <a:pPr lvl="0" rtl="0">
-              <a:spcBef>
-                <a:spcPts val="0"/>
-              </a:spcBef>
-              <a:buNone/>
-            </a:pPr>
+            <a:pPr lvl="0">
+              <a:spcBef>
+                <a:spcPts val="0"/>
+              </a:spcBef>
+              <a:buNone/>
+            </a:pPr>
+            <a:r>
+              <a:t/>
+            </a:r>
             <a:endParaRPr/>
           </a:p>
         </p:txBody>
@@ -1543,12 +1397,12 @@
 </p:notes>
 </file>
 
-<file path=ppt/notesSlides/notesSlide4.xml><?xml version="1.0" encoding="utf-8"?>
-<p:notes xmlns:a="http://schemas.openxmlformats.org/drawingml/2006/main" xmlns:r="http://schemas.openxmlformats.org/officeDocument/2006/relationships" xmlns:p="http://schemas.openxmlformats.org/presentationml/2006/main" showMasterSp="0" showMasterPhAnim="0">
+<file path=ppt/notesSlides/notesSlide5.xml><?xml version="1.0" encoding="utf-8"?>
+<p:notes xmlns:a="http://schemas.openxmlformats.org/drawingml/2006/main" xmlns:r="http://schemas.openxmlformats.org/officeDocument/2006/relationships" xmlns:mc="http://schemas.openxmlformats.org/markup-compatibility/2006" xmlns:mv="urn:schemas-microsoft-com:mac:vml" xmlns:p="http://schemas.openxmlformats.org/presentationml/2006/main" xmlns:c="http://schemas.openxmlformats.org/drawingml/2006/chart" xmlns:dgm="http://schemas.openxmlformats.org/drawingml/2006/diagram" xmlns:o="urn:schemas-microsoft-com:office:office" xmlns:v="urn:schemas-microsoft-com:vml" xmlns:pvml="urn:schemas-microsoft-com:office:powerpoint" xmlns:com="http://schemas.openxmlformats.org/drawingml/2006/compatibility" xmlns:p14="http://schemas.microsoft.com/office/powerpoint/2010/main" showMasterPhAnim="0" showMasterSp="0">
   <p:cSld>
     <p:spTree>
       <p:nvGrpSpPr>
-        <p:cNvPr id="1" name="Shape 82"/>
+        <p:cNvPr id="93" name="Shape 93"/>
         <p:cNvGrpSpPr/>
         <p:nvPr/>
       </p:nvGrpSpPr>
@@ -1562,27 +1416,20 @@
       </p:grpSpPr>
       <p:sp>
         <p:nvSpPr>
-          <p:cNvPr id="83" name="Shape 83"/>
-          <p:cNvSpPr>
-            <a:spLocks noGrp="1" noRot="1" noChangeAspect="1"/>
-          </p:cNvSpPr>
+          <p:cNvPr id="94" name="Shape 94"/>
+          <p:cNvSpPr/>
           <p:nvPr>
-            <p:ph type="sldImg" idx="2"/>
+            <p:ph idx="2" type="sldImg"/>
           </p:nvPr>
         </p:nvSpPr>
         <p:spPr>
           <a:xfrm>
-            <a:off x="381000" y="685800"/>
+            <a:off x="381300" y="685800"/>
             <a:ext cx="6096000" cy="3429000"/>
           </a:xfrm>
           <a:custGeom>
-            <a:avLst/>
-            <a:gdLst/>
-            <a:ahLst/>
-            <a:cxnLst/>
-            <a:rect l="0" t="0" r="0" b="0"/>
             <a:pathLst>
-              <a:path w="120000" h="120000" extrusionOk="0">
+              <a:path extrusionOk="0" h="120000" w="120000">
                 <a:moveTo>
                   <a:pt x="0" y="0"/>
                 </a:moveTo>
@@ -1603,12 +1450,10 @@
       </p:sp>
       <p:sp>
         <p:nvSpPr>
-          <p:cNvPr id="84" name="Shape 84"/>
-          <p:cNvSpPr txBox="1">
-            <a:spLocks noGrp="1"/>
-          </p:cNvSpPr>
+          <p:cNvPr id="95" name="Shape 95"/>
+          <p:cNvSpPr txBox="1"/>
           <p:nvPr>
-            <p:ph type="body" idx="1"/>
+            <p:ph idx="1" type="body"/>
           </p:nvPr>
         </p:nvSpPr>
         <p:spPr>
@@ -1621,7 +1466,7 @@
           </a:prstGeom>
         </p:spPr>
         <p:txBody>
-          <a:bodyPr lIns="91425" tIns="91425" rIns="91425" bIns="91425" anchor="t" anchorCtr="0">
+          <a:bodyPr anchorCtr="0" anchor="t" bIns="91425" lIns="91425" rIns="91425" tIns="91425">
             <a:noAutofit/>
           </a:bodyPr>
           <a:lstStyle/>
@@ -1632,7 +1477,43 @@
               </a:spcBef>
               <a:buNone/>
             </a:pPr>
+            <a:r>
+              <a:rPr lang="en"/>
+              <a:t>Image from </a:t>
+            </a:r>
+            <a:r>
+              <a:rPr lang="en" u="sng">
+                <a:solidFill>
+                  <a:schemeClr val="hlink"/>
+                </a:solidFill>
+                <a:hlinkClick r:id="rId2"/>
+              </a:rPr>
+              <a:t>https://www.w3schools.com/html/html_form_input_types.asp</a:t>
+            </a:r>
+          </a:p>
+          <a:p>
+            <a:pPr lvl="0">
+              <a:spcBef>
+                <a:spcPts val="0"/>
+              </a:spcBef>
+              <a:buNone/>
+            </a:pPr>
+            <a:r>
+              <a:t/>
+            </a:r>
             <a:endParaRPr/>
+          </a:p>
+          <a:p>
+            <a:pPr lvl="0">
+              <a:spcBef>
+                <a:spcPts val="0"/>
+              </a:spcBef>
+              <a:buNone/>
+            </a:pPr>
+            <a:r>
+              <a:rPr lang="en"/>
+              <a:t>Note that you shouldn’t rely on only this for input validation! There are ways to circumvent these checks, but it’s a good way to catch non-malicious bad input. Also note that not all of these attributes apply to every type of input.</a:t>
+            </a:r>
           </a:p>
         </p:txBody>
       </p:sp>
@@ -1644,12 +1525,12 @@
 </p:notes>
 </file>
 
-<file path=ppt/notesSlides/notesSlide5.xml><?xml version="1.0" encoding="utf-8"?>
-<p:notes xmlns:a="http://schemas.openxmlformats.org/drawingml/2006/main" xmlns:r="http://schemas.openxmlformats.org/officeDocument/2006/relationships" xmlns:p="http://schemas.openxmlformats.org/presentationml/2006/main" showMasterSp="0" showMasterPhAnim="0">
+<file path=ppt/notesSlides/notesSlide6.xml><?xml version="1.0" encoding="utf-8"?>
+<p:notes xmlns:a="http://schemas.openxmlformats.org/drawingml/2006/main" xmlns:r="http://schemas.openxmlformats.org/officeDocument/2006/relationships" xmlns:mc="http://schemas.openxmlformats.org/markup-compatibility/2006" xmlns:mv="urn:schemas-microsoft-com:mac:vml" xmlns:p="http://schemas.openxmlformats.org/presentationml/2006/main" xmlns:c="http://schemas.openxmlformats.org/drawingml/2006/chart" xmlns:dgm="http://schemas.openxmlformats.org/drawingml/2006/diagram" xmlns:o="urn:schemas-microsoft-com:office:office" xmlns:v="urn:schemas-microsoft-com:vml" xmlns:pvml="urn:schemas-microsoft-com:office:powerpoint" xmlns:com="http://schemas.openxmlformats.org/drawingml/2006/compatibility" xmlns:p14="http://schemas.microsoft.com/office/powerpoint/2010/main" showMasterPhAnim="0" showMasterSp="0">
   <p:cSld>
     <p:spTree>
       <p:nvGrpSpPr>
-        <p:cNvPr id="1" name="Shape 93"/>
+        <p:cNvPr id="99" name="Shape 99"/>
         <p:cNvGrpSpPr/>
         <p:nvPr/>
       </p:nvGrpSpPr>
@@ -1663,12 +1544,10 @@
       </p:grpSpPr>
       <p:sp>
         <p:nvSpPr>
-          <p:cNvPr id="94" name="Shape 94"/>
-          <p:cNvSpPr>
-            <a:spLocks noGrp="1" noRot="1" noChangeAspect="1"/>
-          </p:cNvSpPr>
+          <p:cNvPr id="100" name="Shape 100"/>
+          <p:cNvSpPr/>
           <p:nvPr>
-            <p:ph type="sldImg" idx="2"/>
+            <p:ph idx="2" type="sldImg"/>
           </p:nvPr>
         </p:nvSpPr>
         <p:spPr>
@@ -1677,13 +1556,8 @@
             <a:ext cx="6096000" cy="3429000"/>
           </a:xfrm>
           <a:custGeom>
-            <a:avLst/>
-            <a:gdLst/>
-            <a:ahLst/>
-            <a:cxnLst/>
-            <a:rect l="0" t="0" r="0" b="0"/>
             <a:pathLst>
-              <a:path w="120000" h="120000" extrusionOk="0">
+              <a:path extrusionOk="0" h="120000" w="120000">
                 <a:moveTo>
                   <a:pt x="0" y="0"/>
                 </a:moveTo>
@@ -1704,12 +1578,10 @@
       </p:sp>
       <p:sp>
         <p:nvSpPr>
-          <p:cNvPr id="95" name="Shape 95"/>
-          <p:cNvSpPr txBox="1">
-            <a:spLocks noGrp="1"/>
-          </p:cNvSpPr>
+          <p:cNvPr id="101" name="Shape 101"/>
+          <p:cNvSpPr txBox="1"/>
           <p:nvPr>
-            <p:ph type="body" idx="1"/>
+            <p:ph idx="1" type="body"/>
           </p:nvPr>
         </p:nvSpPr>
         <p:spPr>
@@ -1722,7 +1594,7 @@
           </a:prstGeom>
         </p:spPr>
         <p:txBody>
-          <a:bodyPr lIns="91425" tIns="91425" rIns="91425" bIns="91425" anchor="t" anchorCtr="0">
+          <a:bodyPr anchorCtr="0" anchor="t" bIns="91425" lIns="91425" rIns="91425" tIns="91425">
             <a:noAutofit/>
           </a:bodyPr>
           <a:lstStyle/>
@@ -1735,16 +1607,14 @@
             </a:pPr>
             <a:r>
               <a:rPr lang="en"/>
-              <a:t>Image from </a:t>
-            </a:r>
-            <a:r>
-              <a:rPr lang="en" u="sng">
-                <a:solidFill>
-                  <a:schemeClr val="hlink"/>
-                </a:solidFill>
-                <a:hlinkClick r:id="rId3"/>
-              </a:rPr>
-              <a:t>https://www.w3schools.com/html/html_form_input_types.asp</a:t>
+              <a:t>The action attribute defines the action to be performed when the form is submitted.</a:t>
+            </a:r>
+            <a:br>
+              <a:rPr lang="en"/>
+            </a:br>
+            <a:r>
+              <a:rPr lang="en"/>
+              <a:t>Here, since it’s an endpoint (i.e., a URL), the form data is sent to that endpoint on the server when the user clicks on the submit button.</a:t>
             </a:r>
           </a:p>
           <a:p>
@@ -1754,6 +1624,9 @@
               </a:spcBef>
               <a:buNone/>
             </a:pPr>
+            <a:r>
+              <a:t/>
+            </a:r>
             <a:endParaRPr/>
           </a:p>
           <a:p>
@@ -1765,7 +1638,7 @@
             </a:pPr>
             <a:r>
               <a:rPr lang="en"/>
-              <a:t>Note that you shouldn’t rely on only this for input validation! There are ways to circumvent these checks, but it’s a good way to catch non-malicious bad input.</a:t>
+              <a:t>The method attribute defines which HTTP method to use.</a:t>
             </a:r>
           </a:p>
         </p:txBody>
@@ -1778,12 +1651,12 @@
 </p:notes>
 </file>
 
-<file path=ppt/notesSlides/notesSlide6.xml><?xml version="1.0" encoding="utf-8"?>
-<p:notes xmlns:a="http://schemas.openxmlformats.org/drawingml/2006/main" xmlns:r="http://schemas.openxmlformats.org/officeDocument/2006/relationships" xmlns:p="http://schemas.openxmlformats.org/presentationml/2006/main" showMasterSp="0" showMasterPhAnim="0">
+<file path=ppt/notesSlides/notesSlide7.xml><?xml version="1.0" encoding="utf-8"?>
+<p:notes xmlns:a="http://schemas.openxmlformats.org/drawingml/2006/main" xmlns:r="http://schemas.openxmlformats.org/officeDocument/2006/relationships" xmlns:mc="http://schemas.openxmlformats.org/markup-compatibility/2006" xmlns:mv="urn:schemas-microsoft-com:mac:vml" xmlns:p="http://schemas.openxmlformats.org/presentationml/2006/main" xmlns:c="http://schemas.openxmlformats.org/drawingml/2006/chart" xmlns:dgm="http://schemas.openxmlformats.org/drawingml/2006/diagram" xmlns:o="urn:schemas-microsoft-com:office:office" xmlns:v="urn:schemas-microsoft-com:vml" xmlns:pvml="urn:schemas-microsoft-com:office:powerpoint" xmlns:com="http://schemas.openxmlformats.org/drawingml/2006/compatibility" xmlns:p14="http://schemas.microsoft.com/office/powerpoint/2010/main" showMasterPhAnim="0" showMasterSp="0">
   <p:cSld>
     <p:spTree>
       <p:nvGrpSpPr>
-        <p:cNvPr id="1" name="Shape 99"/>
+        <p:cNvPr id="106" name="Shape 106"/>
         <p:cNvGrpSpPr/>
         <p:nvPr/>
       </p:nvGrpSpPr>
@@ -1797,12 +1670,10 @@
       </p:grpSpPr>
       <p:sp>
         <p:nvSpPr>
-          <p:cNvPr id="100" name="Shape 100"/>
-          <p:cNvSpPr>
-            <a:spLocks noGrp="1" noRot="1" noChangeAspect="1"/>
-          </p:cNvSpPr>
+          <p:cNvPr id="107" name="Shape 107"/>
+          <p:cNvSpPr/>
           <p:nvPr>
-            <p:ph type="sldImg" idx="2"/>
+            <p:ph idx="2" type="sldImg"/>
           </p:nvPr>
         </p:nvSpPr>
         <p:spPr>
@@ -1811,13 +1682,8 @@
             <a:ext cx="6096000" cy="3429000"/>
           </a:xfrm>
           <a:custGeom>
-            <a:avLst/>
-            <a:gdLst/>
-            <a:ahLst/>
-            <a:cxnLst/>
-            <a:rect l="0" t="0" r="0" b="0"/>
             <a:pathLst>
-              <a:path w="120000" h="120000" extrusionOk="0">
+              <a:path extrusionOk="0" h="120000" w="120000">
                 <a:moveTo>
                   <a:pt x="0" y="0"/>
                 </a:moveTo>
@@ -1838,12 +1704,10 @@
       </p:sp>
       <p:sp>
         <p:nvSpPr>
-          <p:cNvPr id="101" name="Shape 101"/>
-          <p:cNvSpPr txBox="1">
-            <a:spLocks noGrp="1"/>
-          </p:cNvSpPr>
+          <p:cNvPr id="108" name="Shape 108"/>
+          <p:cNvSpPr txBox="1"/>
           <p:nvPr>
-            <p:ph type="body" idx="1"/>
+            <p:ph idx="1" type="body"/>
           </p:nvPr>
         </p:nvSpPr>
         <p:spPr>
@@ -1856,7 +1720,7 @@
           </a:prstGeom>
         </p:spPr>
         <p:txBody>
-          <a:bodyPr lIns="91425" tIns="91425" rIns="91425" bIns="91425" anchor="t" anchorCtr="0">
+          <a:bodyPr anchorCtr="0" anchor="t" bIns="91425" lIns="91425" rIns="91425" tIns="91425">
             <a:noAutofit/>
           </a:bodyPr>
           <a:lstStyle/>
@@ -1868,37 +1732,9 @@
               <a:buNone/>
             </a:pPr>
             <a:r>
-              <a:rPr lang="en"/>
-              <a:t>The action attribute defines the action to be performed when the form is submitted.</a:t>
-            </a:r>
-            <a:br>
-              <a:rPr lang="en"/>
-            </a:br>
-            <a:r>
-              <a:rPr lang="en"/>
-              <a:t>Here, since it’s an endpoint (i.e., a URL), the form data is sent to that endpoint on the server when the user clicks on the submit button.</a:t>
-            </a:r>
-          </a:p>
-          <a:p>
-            <a:pPr lvl="0">
-              <a:spcBef>
-                <a:spcPts val="0"/>
-              </a:spcBef>
-              <a:buNone/>
-            </a:pPr>
+              <a:t/>
+            </a:r>
             <a:endParaRPr/>
-          </a:p>
-          <a:p>
-            <a:pPr lvl="0">
-              <a:spcBef>
-                <a:spcPts val="0"/>
-              </a:spcBef>
-              <a:buNone/>
-            </a:pPr>
-            <a:r>
-              <a:rPr lang="en"/>
-              <a:t>The method attribute defines which HTTP method to use.</a:t>
-            </a:r>
           </a:p>
         </p:txBody>
       </p:sp>
@@ -1910,12 +1746,12 @@
 </p:notes>
 </file>
 
-<file path=ppt/notesSlides/notesSlide7.xml><?xml version="1.0" encoding="utf-8"?>
-<p:notes xmlns:a="http://schemas.openxmlformats.org/drawingml/2006/main" xmlns:r="http://schemas.openxmlformats.org/officeDocument/2006/relationships" xmlns:p="http://schemas.openxmlformats.org/presentationml/2006/main" showMasterSp="0" showMasterPhAnim="0">
+<file path=ppt/notesSlides/notesSlide8.xml><?xml version="1.0" encoding="utf-8"?>
+<p:notes xmlns:a="http://schemas.openxmlformats.org/drawingml/2006/main" xmlns:r="http://schemas.openxmlformats.org/officeDocument/2006/relationships" xmlns:mc="http://schemas.openxmlformats.org/markup-compatibility/2006" xmlns:mv="urn:schemas-microsoft-com:mac:vml" xmlns:p="http://schemas.openxmlformats.org/presentationml/2006/main" xmlns:c="http://schemas.openxmlformats.org/drawingml/2006/chart" xmlns:dgm="http://schemas.openxmlformats.org/drawingml/2006/diagram" xmlns:o="urn:schemas-microsoft-com:office:office" xmlns:v="urn:schemas-microsoft-com:vml" xmlns:pvml="urn:schemas-microsoft-com:office:powerpoint" xmlns:com="http://schemas.openxmlformats.org/drawingml/2006/compatibility" xmlns:p14="http://schemas.microsoft.com/office/powerpoint/2010/main" showMasterPhAnim="0" showMasterSp="0">
   <p:cSld>
     <p:spTree>
       <p:nvGrpSpPr>
-        <p:cNvPr id="1" name="Shape 106"/>
+        <p:cNvPr id="112" name="Shape 112"/>
         <p:cNvGrpSpPr/>
         <p:nvPr/>
       </p:nvGrpSpPr>
@@ -1929,27 +1765,20 @@
       </p:grpSpPr>
       <p:sp>
         <p:nvSpPr>
-          <p:cNvPr id="107" name="Shape 107"/>
-          <p:cNvSpPr>
-            <a:spLocks noGrp="1" noRot="1" noChangeAspect="1"/>
-          </p:cNvSpPr>
+          <p:cNvPr id="113" name="Shape 113"/>
+          <p:cNvSpPr/>
           <p:nvPr>
-            <p:ph type="sldImg" idx="2"/>
+            <p:ph idx="2" type="sldImg"/>
           </p:nvPr>
         </p:nvSpPr>
         <p:spPr>
           <a:xfrm>
-            <a:off x="381000" y="685800"/>
+            <a:off x="381300" y="685800"/>
             <a:ext cx="6096000" cy="3429000"/>
           </a:xfrm>
           <a:custGeom>
-            <a:avLst/>
-            <a:gdLst/>
-            <a:ahLst/>
-            <a:cxnLst/>
-            <a:rect l="0" t="0" r="0" b="0"/>
             <a:pathLst>
-              <a:path w="120000" h="120000" extrusionOk="0">
+              <a:path extrusionOk="0" h="120000" w="120000">
                 <a:moveTo>
                   <a:pt x="0" y="0"/>
                 </a:moveTo>
@@ -1970,12 +1799,10 @@
       </p:sp>
       <p:sp>
         <p:nvSpPr>
-          <p:cNvPr id="108" name="Shape 108"/>
-          <p:cNvSpPr txBox="1">
-            <a:spLocks noGrp="1"/>
-          </p:cNvSpPr>
+          <p:cNvPr id="114" name="Shape 114"/>
+          <p:cNvSpPr txBox="1"/>
           <p:nvPr>
-            <p:ph type="body" idx="1"/>
+            <p:ph idx="1" type="body"/>
           </p:nvPr>
         </p:nvSpPr>
         <p:spPr>
@@ -1988,7 +1815,7 @@
           </a:prstGeom>
         </p:spPr>
         <p:txBody>
-          <a:bodyPr lIns="91425" tIns="91425" rIns="91425" bIns="91425" anchor="t" anchorCtr="0">
+          <a:bodyPr anchorCtr="0" anchor="t" bIns="91425" lIns="91425" rIns="91425" tIns="91425">
             <a:noAutofit/>
           </a:bodyPr>
           <a:lstStyle/>
@@ -1999,7 +1826,70 @@
               </a:spcBef>
               <a:buNone/>
             </a:pPr>
+            <a:r>
+              <a:rPr lang="en"/>
+              <a:t>Example from here: http://stackoverflow.com/questions/5384712/capture-a-form-submit-in-javascript</a:t>
+            </a:r>
+          </a:p>
+          <a:p>
+            <a:pPr lvl="0">
+              <a:spcBef>
+                <a:spcPts val="0"/>
+              </a:spcBef>
+              <a:buNone/>
+            </a:pPr>
+            <a:r>
+              <a:t/>
+            </a:r>
             <a:endParaRPr/>
+          </a:p>
+          <a:p>
+            <a:pPr lvl="0">
+              <a:spcBef>
+                <a:spcPts val="0"/>
+              </a:spcBef>
+              <a:buNone/>
+            </a:pPr>
+            <a:r>
+              <a:rPr lang="en"/>
+              <a:t>We’ve attached an event listener on the submit button. </a:t>
+            </a:r>
+          </a:p>
+          <a:p>
+            <a:pPr lvl="0">
+              <a:spcBef>
+                <a:spcPts val="0"/>
+              </a:spcBef>
+              <a:buNone/>
+            </a:pPr>
+            <a:r>
+              <a:rPr lang="en"/>
+              <a:t>Now, when the user clicks on the submit button, it calls the processForm function that we’ve defined. </a:t>
+            </a:r>
+          </a:p>
+          <a:p>
+            <a:pPr lvl="0">
+              <a:spcBef>
+                <a:spcPts val="0"/>
+              </a:spcBef>
+              <a:buNone/>
+            </a:pPr>
+            <a:r>
+              <a:rPr lang="en"/>
+              <a:t>Inside that function, we can do whatever we want -- of course, it would be a good idea to make sure the form data still gets submitted. How? We’ll cover that in tomorrow’s lecture.</a:t>
+            </a:r>
+          </a:p>
+          <a:p>
+            <a:pPr lvl="0">
+              <a:spcBef>
+                <a:spcPts val="0"/>
+              </a:spcBef>
+              <a:buNone/>
+            </a:pPr>
+            <a:r>
+              <a:rPr lang="en"/>
+              <a:t>Note that we end the processForm function with “return false” to prevent it from doing the default behavior, which in this case because it’s a form submission, it would refresh the page. The default behavior will be different for different events.</a:t>
+            </a:r>
           </a:p>
         </p:txBody>
       </p:sp>
@@ -2011,12 +1901,12 @@
 </p:notes>
 </file>
 
-<file path=ppt/notesSlides/notesSlide8.xml><?xml version="1.0" encoding="utf-8"?>
-<p:notes xmlns:a="http://schemas.openxmlformats.org/drawingml/2006/main" xmlns:r="http://schemas.openxmlformats.org/officeDocument/2006/relationships" xmlns:p="http://schemas.openxmlformats.org/presentationml/2006/main" showMasterSp="0" showMasterPhAnim="0">
+<file path=ppt/notesSlides/notesSlide9.xml><?xml version="1.0" encoding="utf-8"?>
+<p:notes xmlns:a="http://schemas.openxmlformats.org/drawingml/2006/main" xmlns:r="http://schemas.openxmlformats.org/officeDocument/2006/relationships" xmlns:mc="http://schemas.openxmlformats.org/markup-compatibility/2006" xmlns:mv="urn:schemas-microsoft-com:mac:vml" xmlns:p="http://schemas.openxmlformats.org/presentationml/2006/main" xmlns:c="http://schemas.openxmlformats.org/drawingml/2006/chart" xmlns:dgm="http://schemas.openxmlformats.org/drawingml/2006/diagram" xmlns:o="urn:schemas-microsoft-com:office:office" xmlns:v="urn:schemas-microsoft-com:vml" xmlns:pvml="urn:schemas-microsoft-com:office:powerpoint" xmlns:com="http://schemas.openxmlformats.org/drawingml/2006/compatibility" xmlns:p14="http://schemas.microsoft.com/office/powerpoint/2010/main" showMasterPhAnim="0" showMasterSp="0">
   <p:cSld>
     <p:spTree>
       <p:nvGrpSpPr>
-        <p:cNvPr id="1" name="Shape 112"/>
+        <p:cNvPr id="119" name="Shape 119"/>
         <p:cNvGrpSpPr/>
         <p:nvPr/>
       </p:nvGrpSpPr>
@@ -2030,12 +1920,10 @@
       </p:grpSpPr>
       <p:sp>
         <p:nvSpPr>
-          <p:cNvPr id="113" name="Shape 113"/>
-          <p:cNvSpPr>
-            <a:spLocks noGrp="1" noRot="1" noChangeAspect="1"/>
-          </p:cNvSpPr>
+          <p:cNvPr id="120" name="Shape 120"/>
+          <p:cNvSpPr/>
           <p:nvPr>
-            <p:ph type="sldImg" idx="2"/>
+            <p:ph idx="2" type="sldImg"/>
           </p:nvPr>
         </p:nvSpPr>
         <p:spPr>
@@ -2044,13 +1932,8 @@
             <a:ext cx="6096000" cy="3429000"/>
           </a:xfrm>
           <a:custGeom>
-            <a:avLst/>
-            <a:gdLst/>
-            <a:ahLst/>
-            <a:cxnLst/>
-            <a:rect l="0" t="0" r="0" b="0"/>
             <a:pathLst>
-              <a:path w="120000" h="120000" extrusionOk="0">
+              <a:path extrusionOk="0" h="120000" w="120000">
                 <a:moveTo>
                   <a:pt x="0" y="0"/>
                 </a:moveTo>
@@ -2071,12 +1954,10 @@
       </p:sp>
       <p:sp>
         <p:nvSpPr>
-          <p:cNvPr id="114" name="Shape 114"/>
-          <p:cNvSpPr txBox="1">
-            <a:spLocks noGrp="1"/>
-          </p:cNvSpPr>
+          <p:cNvPr id="121" name="Shape 121"/>
+          <p:cNvSpPr txBox="1"/>
           <p:nvPr>
-            <p:ph type="body" idx="1"/>
+            <p:ph idx="1" type="body"/>
           </p:nvPr>
         </p:nvSpPr>
         <p:spPr>
@@ -2089,7 +1970,7 @@
           </a:prstGeom>
         </p:spPr>
         <p:txBody>
-          <a:bodyPr lIns="91425" tIns="91425" rIns="91425" bIns="91425" anchor="t" anchorCtr="0">
+          <a:bodyPr anchorCtr="0" anchor="t" bIns="91425" lIns="91425" rIns="91425" tIns="91425">
             <a:noAutofit/>
           </a:bodyPr>
           <a:lstStyle/>
@@ -2101,166 +1982,8 @@
               <a:buNone/>
             </a:pPr>
             <a:r>
-              <a:rPr lang="en"/>
-              <a:t>Example from here: http://stackoverflow.com/questions/5384712/capture-a-form-submit-in-javascript</a:t>
-            </a:r>
-          </a:p>
-          <a:p>
-            <a:pPr lvl="0">
-              <a:spcBef>
-                <a:spcPts val="0"/>
-              </a:spcBef>
-              <a:buNone/>
-            </a:pPr>
-            <a:endParaRPr/>
-          </a:p>
-          <a:p>
-            <a:pPr lvl="0">
-              <a:spcBef>
-                <a:spcPts val="0"/>
-              </a:spcBef>
-              <a:buNone/>
-            </a:pPr>
-            <a:r>
-              <a:rPr lang="en"/>
-              <a:t>We’ve attached an event listener on the submit button. </a:t>
-            </a:r>
-          </a:p>
-          <a:p>
-            <a:pPr lvl="0">
-              <a:spcBef>
-                <a:spcPts val="0"/>
-              </a:spcBef>
-              <a:buNone/>
-            </a:pPr>
-            <a:r>
-              <a:rPr lang="en"/>
-              <a:t>Now, when the user clicks on the submit button, it calls the processForm function that we’ve defined. </a:t>
-            </a:r>
-          </a:p>
-          <a:p>
-            <a:pPr lvl="0">
-              <a:spcBef>
-                <a:spcPts val="0"/>
-              </a:spcBef>
-              <a:buNone/>
-            </a:pPr>
-            <a:r>
-              <a:rPr lang="en"/>
-              <a:t>Inside that function, we can do whatever we want -- of course, it would be a good idea to make sure the form data still gets submitted. How? We’ll cover that in tomorrow’s lecture.</a:t>
-            </a:r>
-          </a:p>
-          <a:p>
-            <a:pPr lvl="0">
-              <a:spcBef>
-                <a:spcPts val="0"/>
-              </a:spcBef>
-              <a:buNone/>
-            </a:pPr>
-            <a:r>
-              <a:rPr lang="en"/>
-              <a:t>Note that we end the processForm function with “return false” to prevent it from doing the form submit action.</a:t>
-            </a:r>
-          </a:p>
-        </p:txBody>
-      </p:sp>
-    </p:spTree>
-  </p:cSld>
-  <p:clrMapOvr>
-    <a:masterClrMapping/>
-  </p:clrMapOvr>
-</p:notes>
-</file>
-
-<file path=ppt/notesSlides/notesSlide9.xml><?xml version="1.0" encoding="utf-8"?>
-<p:notes xmlns:a="http://schemas.openxmlformats.org/drawingml/2006/main" xmlns:r="http://schemas.openxmlformats.org/officeDocument/2006/relationships" xmlns:p="http://schemas.openxmlformats.org/presentationml/2006/main" showMasterSp="0" showMasterPhAnim="0">
-  <p:cSld>
-    <p:spTree>
-      <p:nvGrpSpPr>
-        <p:cNvPr id="1" name="Shape 119"/>
-        <p:cNvGrpSpPr/>
-        <p:nvPr/>
-      </p:nvGrpSpPr>
-      <p:grpSpPr>
-        <a:xfrm>
-          <a:off x="0" y="0"/>
-          <a:ext cx="0" cy="0"/>
-          <a:chOff x="0" y="0"/>
-          <a:chExt cx="0" cy="0"/>
-        </a:xfrm>
-      </p:grpSpPr>
-      <p:sp>
-        <p:nvSpPr>
-          <p:cNvPr id="120" name="Shape 120"/>
-          <p:cNvSpPr>
-            <a:spLocks noGrp="1" noRot="1" noChangeAspect="1"/>
-          </p:cNvSpPr>
-          <p:nvPr>
-            <p:ph type="sldImg" idx="2"/>
-          </p:nvPr>
-        </p:nvSpPr>
-        <p:spPr>
-          <a:xfrm>
-            <a:off x="381300" y="685800"/>
-            <a:ext cx="6096000" cy="3429000"/>
-          </a:xfrm>
-          <a:custGeom>
-            <a:avLst/>
-            <a:gdLst/>
-            <a:ahLst/>
-            <a:cxnLst/>
-            <a:rect l="0" t="0" r="0" b="0"/>
-            <a:pathLst>
-              <a:path w="120000" h="120000" extrusionOk="0">
-                <a:moveTo>
-                  <a:pt x="0" y="0"/>
-                </a:moveTo>
-                <a:lnTo>
-                  <a:pt x="120000" y="0"/>
-                </a:lnTo>
-                <a:lnTo>
-                  <a:pt x="120000" y="120000"/>
-                </a:lnTo>
-                <a:lnTo>
-                  <a:pt x="0" y="120000"/>
-                </a:lnTo>
-                <a:close/>
-              </a:path>
-            </a:pathLst>
-          </a:custGeom>
-        </p:spPr>
-      </p:sp>
-      <p:sp>
-        <p:nvSpPr>
-          <p:cNvPr id="121" name="Shape 121"/>
-          <p:cNvSpPr txBox="1">
-            <a:spLocks noGrp="1"/>
-          </p:cNvSpPr>
-          <p:nvPr>
-            <p:ph type="body" idx="1"/>
-          </p:nvPr>
-        </p:nvSpPr>
-        <p:spPr>
-          <a:xfrm>
-            <a:off x="685800" y="4343400"/>
-            <a:ext cx="5486400" cy="4114800"/>
-          </a:xfrm>
-          <a:prstGeom prst="rect">
-            <a:avLst/>
-          </a:prstGeom>
-        </p:spPr>
-        <p:txBody>
-          <a:bodyPr lIns="91425" tIns="91425" rIns="91425" bIns="91425" anchor="t" anchorCtr="0">
-            <a:noAutofit/>
-          </a:bodyPr>
-          <a:lstStyle/>
-          <a:p>
-            <a:pPr lvl="0">
-              <a:spcBef>
-                <a:spcPts val="0"/>
-              </a:spcBef>
-              <a:buNone/>
-            </a:pPr>
+              <a:t/>
+            </a:r>
             <a:endParaRPr/>
           </a:p>
         </p:txBody>
@@ -2274,11 +1997,11 @@
 </file>
 
 <file path=ppt/slideLayouts/slideLayout1.xml><?xml version="1.0" encoding="utf-8"?>
-<p:sldLayout xmlns:a="http://schemas.openxmlformats.org/drawingml/2006/main" xmlns:r="http://schemas.openxmlformats.org/officeDocument/2006/relationships" xmlns:p="http://schemas.openxmlformats.org/presentationml/2006/main" type="title">
+<p:sldLayout xmlns:a="http://schemas.openxmlformats.org/drawingml/2006/main" xmlns:r="http://schemas.openxmlformats.org/officeDocument/2006/relationships" xmlns:mc="http://schemas.openxmlformats.org/markup-compatibility/2006" xmlns:mv="urn:schemas-microsoft-com:mac:vml" xmlns:p="http://schemas.openxmlformats.org/presentationml/2006/main" xmlns:c="http://schemas.openxmlformats.org/drawingml/2006/chart" xmlns:dgm="http://schemas.openxmlformats.org/drawingml/2006/diagram" xmlns:o="urn:schemas-microsoft-com:office:office" xmlns:v="urn:schemas-microsoft-com:vml" xmlns:pvml="urn:schemas-microsoft-com:office:powerpoint" xmlns:com="http://schemas.openxmlformats.org/drawingml/2006/compatibility" xmlns:p14="http://schemas.microsoft.com/office/powerpoint/2010/main" type="title">
   <p:cSld name="Title slide">
     <p:spTree>
       <p:nvGrpSpPr>
-        <p:cNvPr id="1" name="Shape 9"/>
+        <p:cNvPr id="9" name="Shape 9"/>
         <p:cNvGrpSpPr/>
         <p:nvPr/>
       </p:nvGrpSpPr>
@@ -2305,14 +2028,14 @@
             <a:avLst/>
           </a:prstGeom>
           <a:noFill/>
-          <a:ln w="76200" cap="flat" cmpd="sng">
+          <a:ln cap="flat" cmpd="sng" w="76200">
             <a:solidFill>
               <a:schemeClr val="lt2"/>
             </a:solidFill>
             <a:prstDash val="solid"/>
             <a:round/>
-            <a:headEnd type="none" w="med" len="med"/>
-            <a:tailEnd type="none" w="med" len="med"/>
+            <a:headEnd len="med" w="med" type="none"/>
+            <a:tailEnd len="med" w="med" type="none"/>
           </a:ln>
         </p:spPr>
       </p:cxnSp>
@@ -2331,14 +2054,14 @@
             <a:avLst/>
           </a:prstGeom>
           <a:noFill/>
-          <a:ln w="76200" cap="flat" cmpd="sng">
+          <a:ln cap="flat" cmpd="sng" w="76200">
             <a:solidFill>
               <a:schemeClr val="lt2"/>
             </a:solidFill>
             <a:prstDash val="solid"/>
             <a:round/>
-            <a:headEnd type="none" w="med" len="med"/>
-            <a:tailEnd type="none" w="med" len="med"/>
+            <a:headEnd len="med" w="med" type="none"/>
+            <a:tailEnd len="med" w="med" type="none"/>
           </a:ln>
         </p:spPr>
       </p:cxnSp>
@@ -2371,14 +2094,14 @@
               <a:avLst/>
             </a:prstGeom>
             <a:noFill/>
-            <a:ln w="76200" cap="flat" cmpd="sng">
+            <a:ln cap="flat" cmpd="sng" w="76200">
               <a:solidFill>
                 <a:schemeClr val="accent3"/>
               </a:solidFill>
               <a:prstDash val="solid"/>
               <a:round/>
-              <a:headEnd type="none" w="med" len="med"/>
-              <a:tailEnd type="none" w="med" len="med"/>
+              <a:headEnd len="med" w="med" type="none"/>
+              <a:tailEnd len="med" w="med" type="none"/>
             </a:ln>
           </p:spPr>
         </p:cxnSp>
@@ -2397,14 +2120,14 @@
               <a:avLst/>
             </a:prstGeom>
             <a:noFill/>
-            <a:ln w="9525" cap="flat" cmpd="sng">
+            <a:ln cap="flat" cmpd="sng" w="9525">
               <a:solidFill>
                 <a:schemeClr val="accent3"/>
               </a:solidFill>
               <a:prstDash val="solid"/>
               <a:round/>
-              <a:headEnd type="none" w="med" len="med"/>
-              <a:tailEnd type="none" w="med" len="med"/>
+              <a:headEnd len="med" w="med" type="none"/>
+              <a:tailEnd len="med" w="med" type="none"/>
             </a:ln>
           </p:spPr>
         </p:cxnSp>
@@ -2438,14 +2161,14 @@
               <a:avLst/>
             </a:prstGeom>
             <a:noFill/>
-            <a:ln w="76200" cap="flat" cmpd="sng">
+            <a:ln cap="flat" cmpd="sng" w="76200">
               <a:solidFill>
                 <a:schemeClr val="accent3"/>
               </a:solidFill>
               <a:prstDash val="solid"/>
               <a:round/>
-              <a:headEnd type="none" w="med" len="med"/>
-              <a:tailEnd type="none" w="med" len="med"/>
+              <a:headEnd len="med" w="med" type="none"/>
+              <a:tailEnd len="med" w="med" type="none"/>
             </a:ln>
           </p:spPr>
         </p:cxnSp>
@@ -2464,14 +2187,14 @@
               <a:avLst/>
             </a:prstGeom>
             <a:noFill/>
-            <a:ln w="9525" cap="flat" cmpd="sng">
+            <a:ln cap="flat" cmpd="sng" w="9525">
               <a:solidFill>
                 <a:schemeClr val="accent3"/>
               </a:solidFill>
               <a:prstDash val="solid"/>
               <a:round/>
-              <a:headEnd type="none" w="med" len="med"/>
-              <a:tailEnd type="none" w="med" len="med"/>
+              <a:headEnd len="med" w="med" type="none"/>
+              <a:tailEnd len="med" w="med" type="none"/>
             </a:ln>
           </p:spPr>
         </p:cxnSp>
@@ -2479,9 +2202,7 @@
       <p:sp>
         <p:nvSpPr>
           <p:cNvPr id="18" name="Shape 18"/>
-          <p:cNvSpPr txBox="1">
-            <a:spLocks noGrp="1"/>
-          </p:cNvSpPr>
+          <p:cNvSpPr txBox="1"/>
           <p:nvPr>
             <p:ph type="ctrTitle"/>
           </p:nvPr>
@@ -2496,7 +2217,7 @@
           </a:prstGeom>
         </p:spPr>
         <p:txBody>
-          <a:bodyPr lIns="91425" tIns="91425" rIns="91425" bIns="91425" anchor="b" anchorCtr="0"/>
+          <a:bodyPr anchorCtr="0" anchor="b" bIns="91425" lIns="91425" rIns="91425" tIns="91425"/>
           <a:lstStyle>
             <a:lvl1pPr lvl="0" algn="ctr">
               <a:spcBef>
@@ -2562,19 +2283,15 @@
               <a:defRPr sz="5400"/>
             </a:lvl9pPr>
           </a:lstStyle>
-          <a:p>
-            <a:endParaRPr/>
-          </a:p>
+          <a:p/>
         </p:txBody>
       </p:sp>
       <p:sp>
         <p:nvSpPr>
           <p:cNvPr id="19" name="Shape 19"/>
-          <p:cNvSpPr txBox="1">
-            <a:spLocks noGrp="1"/>
-          </p:cNvSpPr>
+          <p:cNvSpPr txBox="1"/>
           <p:nvPr>
-            <p:ph type="subTitle" idx="1"/>
+            <p:ph idx="1" type="subTitle"/>
           </p:nvPr>
         </p:nvSpPr>
         <p:spPr>
@@ -2587,7 +2304,7 @@
           </a:prstGeom>
         </p:spPr>
         <p:txBody>
-          <a:bodyPr lIns="91425" tIns="91425" rIns="91425" bIns="91425" anchor="t" anchorCtr="0"/>
+          <a:bodyPr anchorCtr="0" anchor="t" bIns="91425" lIns="91425" rIns="91425" tIns="91425"/>
           <a:lstStyle>
             <a:lvl1pPr lvl="0" algn="ctr">
               <a:lnSpc>
@@ -2716,19 +2433,15 @@
               <a:defRPr sz="2400"/>
             </a:lvl9pPr>
           </a:lstStyle>
-          <a:p>
-            <a:endParaRPr/>
-          </a:p>
+          <a:p/>
         </p:txBody>
       </p:sp>
       <p:sp>
         <p:nvSpPr>
           <p:cNvPr id="20" name="Shape 20"/>
-          <p:cNvSpPr txBox="1">
-            <a:spLocks noGrp="1"/>
-          </p:cNvSpPr>
+          <p:cNvSpPr txBox="1"/>
           <p:nvPr>
-            <p:ph type="sldNum" idx="12"/>
+            <p:ph idx="12" type="sldNum"/>
           </p:nvPr>
         </p:nvSpPr>
         <p:spPr>
@@ -2741,7 +2454,7 @@
           </a:prstGeom>
         </p:spPr>
         <p:txBody>
-          <a:bodyPr lIns="91425" tIns="91425" rIns="91425" bIns="91425" anchor="ctr" anchorCtr="0">
+          <a:bodyPr anchorCtr="0" anchor="ctr" bIns="91425" lIns="91425" rIns="91425" tIns="91425">
             <a:noAutofit/>
           </a:bodyPr>
           <a:lstStyle/>
@@ -2756,7 +2469,6 @@
               <a:rPr lang="en"/>
               <a:t>‹#›</a:t>
             </a:fld>
-            <a:endParaRPr lang="en"/>
           </a:p>
         </p:txBody>
       </p:sp>
@@ -2769,11 +2481,11 @@
 </file>
 
 <file path=ppt/slideLayouts/slideLayout10.xml><?xml version="1.0" encoding="utf-8"?>
-<p:sldLayout xmlns:a="http://schemas.openxmlformats.org/drawingml/2006/main" xmlns:r="http://schemas.openxmlformats.org/officeDocument/2006/relationships" xmlns:p="http://schemas.openxmlformats.org/presentationml/2006/main">
+<p:sldLayout xmlns:a="http://schemas.openxmlformats.org/drawingml/2006/main" xmlns:r="http://schemas.openxmlformats.org/officeDocument/2006/relationships" xmlns:mc="http://schemas.openxmlformats.org/markup-compatibility/2006" xmlns:mv="urn:schemas-microsoft-com:mac:vml" xmlns:p="http://schemas.openxmlformats.org/presentationml/2006/main" xmlns:c="http://schemas.openxmlformats.org/drawingml/2006/chart" xmlns:dgm="http://schemas.openxmlformats.org/drawingml/2006/diagram" xmlns:o="urn:schemas-microsoft-com:office:office" xmlns:v="urn:schemas-microsoft-com:vml" xmlns:pvml="urn:schemas-microsoft-com:office:powerpoint" xmlns:com="http://schemas.openxmlformats.org/drawingml/2006/compatibility" xmlns:p14="http://schemas.microsoft.com/office/powerpoint/2010/main">
   <p:cSld name="Big number">
     <p:spTree>
       <p:nvGrpSpPr>
-        <p:cNvPr id="1" name="Shape 55"/>
+        <p:cNvPr id="55" name="Shape 55"/>
         <p:cNvGrpSpPr/>
         <p:nvPr/>
       </p:nvGrpSpPr>
@@ -2807,7 +2519,7 @@
           </a:ln>
         </p:spPr>
         <p:txBody>
-          <a:bodyPr lIns="91425" tIns="91425" rIns="91425" bIns="91425" anchor="ctr" anchorCtr="0">
+          <a:bodyPr anchorCtr="0" anchor="ctr" bIns="91425" lIns="91425" rIns="91425" tIns="91425">
             <a:noAutofit/>
           </a:bodyPr>
           <a:lstStyle/>
@@ -2818,6 +2530,9 @@
               </a:spcBef>
               <a:buNone/>
             </a:pPr>
+            <a:r>
+              <a:t/>
+            </a:r>
             <a:endParaRPr/>
           </a:p>
         </p:txBody>
@@ -2825,9 +2540,7 @@
       <p:sp>
         <p:nvSpPr>
           <p:cNvPr id="57" name="Shape 57"/>
-          <p:cNvSpPr txBox="1">
-            <a:spLocks noGrp="1"/>
-          </p:cNvSpPr>
+          <p:cNvSpPr txBox="1"/>
           <p:nvPr>
             <p:ph type="title"/>
           </p:nvPr>
@@ -2842,7 +2555,7 @@
           </a:prstGeom>
         </p:spPr>
         <p:txBody>
-          <a:bodyPr lIns="91425" tIns="91425" rIns="91425" bIns="91425" anchor="ctr" anchorCtr="0"/>
+          <a:bodyPr anchorCtr="0" anchor="ctr" bIns="91425" lIns="91425" rIns="91425" tIns="91425"/>
           <a:lstStyle>
             <a:lvl1pPr lvl="0" algn="ctr">
               <a:spcBef>
@@ -2971,19 +2684,15 @@
               </a:defRPr>
             </a:lvl9pPr>
           </a:lstStyle>
-          <a:p>
-            <a:endParaRPr/>
-          </a:p>
+          <a:p/>
         </p:txBody>
       </p:sp>
       <p:sp>
         <p:nvSpPr>
           <p:cNvPr id="58" name="Shape 58"/>
-          <p:cNvSpPr txBox="1">
-            <a:spLocks noGrp="1"/>
-          </p:cNvSpPr>
+          <p:cNvSpPr txBox="1"/>
           <p:nvPr>
-            <p:ph type="body" idx="1"/>
+            <p:ph idx="1" type="body"/>
           </p:nvPr>
         </p:nvSpPr>
         <p:spPr>
@@ -2996,7 +2705,7 @@
           </a:prstGeom>
         </p:spPr>
         <p:txBody>
-          <a:bodyPr lIns="91425" tIns="91425" rIns="91425" bIns="91425" anchor="t" anchorCtr="0"/>
+          <a:bodyPr anchorCtr="0" anchor="t" bIns="91425" lIns="91425" rIns="91425" tIns="91425"/>
           <a:lstStyle>
             <a:lvl1pPr lvl="0" algn="ctr">
               <a:spcBef>
@@ -3053,19 +2762,15 @@
               <a:defRPr/>
             </a:lvl9pPr>
           </a:lstStyle>
-          <a:p>
-            <a:endParaRPr/>
-          </a:p>
+          <a:p/>
         </p:txBody>
       </p:sp>
       <p:sp>
         <p:nvSpPr>
           <p:cNvPr id="59" name="Shape 59"/>
-          <p:cNvSpPr txBox="1">
-            <a:spLocks noGrp="1"/>
-          </p:cNvSpPr>
+          <p:cNvSpPr txBox="1"/>
           <p:nvPr>
-            <p:ph type="sldNum" idx="12"/>
+            <p:ph idx="12" type="sldNum"/>
           </p:nvPr>
         </p:nvSpPr>
         <p:spPr>
@@ -3078,7 +2783,7 @@
           </a:prstGeom>
         </p:spPr>
         <p:txBody>
-          <a:bodyPr lIns="91425" tIns="91425" rIns="91425" bIns="91425" anchor="ctr" anchorCtr="0">
+          <a:bodyPr anchorCtr="0" anchor="ctr" bIns="91425" lIns="91425" rIns="91425" tIns="91425">
             <a:noAutofit/>
           </a:bodyPr>
           <a:lstStyle/>
@@ -3093,7 +2798,6 @@
               <a:rPr lang="en"/>
               <a:t>‹#›</a:t>
             </a:fld>
-            <a:endParaRPr lang="en"/>
           </a:p>
         </p:txBody>
       </p:sp>
@@ -3106,11 +2810,11 @@
 </file>
 
 <file path=ppt/slideLayouts/slideLayout11.xml><?xml version="1.0" encoding="utf-8"?>
-<p:sldLayout xmlns:a="http://schemas.openxmlformats.org/drawingml/2006/main" xmlns:r="http://schemas.openxmlformats.org/officeDocument/2006/relationships" xmlns:p="http://schemas.openxmlformats.org/presentationml/2006/main" type="blank">
+<p:sldLayout xmlns:a="http://schemas.openxmlformats.org/drawingml/2006/main" xmlns:r="http://schemas.openxmlformats.org/officeDocument/2006/relationships" xmlns:mc="http://schemas.openxmlformats.org/markup-compatibility/2006" xmlns:mv="urn:schemas-microsoft-com:mac:vml" xmlns:p="http://schemas.openxmlformats.org/presentationml/2006/main" xmlns:c="http://schemas.openxmlformats.org/drawingml/2006/chart" xmlns:dgm="http://schemas.openxmlformats.org/drawingml/2006/diagram" xmlns:o="urn:schemas-microsoft-com:office:office" xmlns:v="urn:schemas-microsoft-com:vml" xmlns:pvml="urn:schemas-microsoft-com:office:powerpoint" xmlns:com="http://schemas.openxmlformats.org/drawingml/2006/compatibility" xmlns:p14="http://schemas.microsoft.com/office/powerpoint/2010/main" type="blank">
   <p:cSld name="Blank">
     <p:spTree>
       <p:nvGrpSpPr>
-        <p:cNvPr id="1" name="Shape 60"/>
+        <p:cNvPr id="60" name="Shape 60"/>
         <p:cNvGrpSpPr/>
         <p:nvPr/>
       </p:nvGrpSpPr>
@@ -3125,11 +2829,9 @@
       <p:sp>
         <p:nvSpPr>
           <p:cNvPr id="61" name="Shape 61"/>
-          <p:cNvSpPr txBox="1">
-            <a:spLocks noGrp="1"/>
-          </p:cNvSpPr>
+          <p:cNvSpPr txBox="1"/>
           <p:nvPr>
-            <p:ph type="sldNum" idx="12"/>
+            <p:ph idx="12" type="sldNum"/>
           </p:nvPr>
         </p:nvSpPr>
         <p:spPr>
@@ -3142,7 +2844,7 @@
           </a:prstGeom>
         </p:spPr>
         <p:txBody>
-          <a:bodyPr lIns="91425" tIns="91425" rIns="91425" bIns="91425" anchor="ctr" anchorCtr="0">
+          <a:bodyPr anchorCtr="0" anchor="ctr" bIns="91425" lIns="91425" rIns="91425" tIns="91425">
             <a:noAutofit/>
           </a:bodyPr>
           <a:lstStyle/>
@@ -3157,7 +2859,6 @@
               <a:rPr lang="en"/>
               <a:t>‹#›</a:t>
             </a:fld>
-            <a:endParaRPr lang="en"/>
           </a:p>
         </p:txBody>
       </p:sp>
@@ -3170,11 +2871,11 @@
 </file>
 
 <file path=ppt/slideLayouts/slideLayout2.xml><?xml version="1.0" encoding="utf-8"?>
-<p:sldLayout xmlns:a="http://schemas.openxmlformats.org/drawingml/2006/main" xmlns:r="http://schemas.openxmlformats.org/officeDocument/2006/relationships" xmlns:p="http://schemas.openxmlformats.org/presentationml/2006/main" type="secHead">
+<p:sldLayout xmlns:a="http://schemas.openxmlformats.org/drawingml/2006/main" xmlns:r="http://schemas.openxmlformats.org/officeDocument/2006/relationships" xmlns:mc="http://schemas.openxmlformats.org/markup-compatibility/2006" xmlns:mv="urn:schemas-microsoft-com:mac:vml" xmlns:p="http://schemas.openxmlformats.org/presentationml/2006/main" xmlns:c="http://schemas.openxmlformats.org/drawingml/2006/chart" xmlns:dgm="http://schemas.openxmlformats.org/drawingml/2006/diagram" xmlns:o="urn:schemas-microsoft-com:office:office" xmlns:v="urn:schemas-microsoft-com:vml" xmlns:pvml="urn:schemas-microsoft-com:office:powerpoint" xmlns:com="http://schemas.openxmlformats.org/drawingml/2006/compatibility" xmlns:p14="http://schemas.microsoft.com/office/powerpoint/2010/main" type="secHead">
   <p:cSld name="Section header">
     <p:spTree>
       <p:nvGrpSpPr>
-        <p:cNvPr id="1" name="Shape 21"/>
+        <p:cNvPr id="21" name="Shape 21"/>
         <p:cNvGrpSpPr/>
         <p:nvPr/>
       </p:nvGrpSpPr>
@@ -3208,7 +2909,7 @@
           </a:ln>
         </p:spPr>
         <p:txBody>
-          <a:bodyPr lIns="91425" tIns="91425" rIns="91425" bIns="91425" anchor="ctr" anchorCtr="0">
+          <a:bodyPr anchorCtr="0" anchor="ctr" bIns="91425" lIns="91425" rIns="91425" tIns="91425">
             <a:noAutofit/>
           </a:bodyPr>
           <a:lstStyle/>
@@ -3219,6 +2920,9 @@
               </a:spcBef>
               <a:buNone/>
             </a:pPr>
+            <a:r>
+              <a:t/>
+            </a:r>
             <a:endParaRPr/>
           </a:p>
         </p:txBody>
@@ -3226,9 +2930,7 @@
       <p:sp>
         <p:nvSpPr>
           <p:cNvPr id="23" name="Shape 23"/>
-          <p:cNvSpPr txBox="1">
-            <a:spLocks noGrp="1"/>
-          </p:cNvSpPr>
+          <p:cNvSpPr txBox="1"/>
           <p:nvPr>
             <p:ph type="title"/>
           </p:nvPr>
@@ -3243,7 +2945,7 @@
           </a:prstGeom>
         </p:spPr>
         <p:txBody>
-          <a:bodyPr lIns="91425" tIns="91425" rIns="91425" bIns="91425" anchor="ctr" anchorCtr="0"/>
+          <a:bodyPr anchorCtr="0" anchor="ctr" bIns="91425" lIns="91425" rIns="91425" tIns="91425"/>
           <a:lstStyle>
             <a:lvl1pPr lvl="0" algn="ctr">
               <a:spcBef>
@@ -3300,19 +3002,15 @@
               <a:defRPr/>
             </a:lvl9pPr>
           </a:lstStyle>
-          <a:p>
-            <a:endParaRPr/>
-          </a:p>
+          <a:p/>
         </p:txBody>
       </p:sp>
       <p:sp>
         <p:nvSpPr>
           <p:cNvPr id="24" name="Shape 24"/>
-          <p:cNvSpPr txBox="1">
-            <a:spLocks noGrp="1"/>
-          </p:cNvSpPr>
+          <p:cNvSpPr txBox="1"/>
           <p:nvPr>
-            <p:ph type="sldNum" idx="12"/>
+            <p:ph idx="12" type="sldNum"/>
           </p:nvPr>
         </p:nvSpPr>
         <p:spPr>
@@ -3325,7 +3023,7 @@
           </a:prstGeom>
         </p:spPr>
         <p:txBody>
-          <a:bodyPr lIns="91425" tIns="91425" rIns="91425" bIns="91425" anchor="ctr" anchorCtr="0">
+          <a:bodyPr anchorCtr="0" anchor="ctr" bIns="91425" lIns="91425" rIns="91425" tIns="91425">
             <a:noAutofit/>
           </a:bodyPr>
           <a:lstStyle/>
@@ -3344,11 +3042,6 @@
               </a:rPr>
               <a:t>‹#›</a:t>
             </a:fld>
-            <a:endParaRPr lang="en">
-              <a:solidFill>
-                <a:schemeClr val="lt1"/>
-              </a:solidFill>
-            </a:endParaRPr>
           </a:p>
         </p:txBody>
       </p:sp>
@@ -3361,11 +3054,11 @@
 </file>
 
 <file path=ppt/slideLayouts/slideLayout3.xml><?xml version="1.0" encoding="utf-8"?>
-<p:sldLayout xmlns:a="http://schemas.openxmlformats.org/drawingml/2006/main" xmlns:r="http://schemas.openxmlformats.org/officeDocument/2006/relationships" xmlns:p="http://schemas.openxmlformats.org/presentationml/2006/main" type="tx">
+<p:sldLayout xmlns:a="http://schemas.openxmlformats.org/drawingml/2006/main" xmlns:r="http://schemas.openxmlformats.org/officeDocument/2006/relationships" xmlns:mc="http://schemas.openxmlformats.org/markup-compatibility/2006" xmlns:mv="urn:schemas-microsoft-com:mac:vml" xmlns:p="http://schemas.openxmlformats.org/presentationml/2006/main" xmlns:c="http://schemas.openxmlformats.org/drawingml/2006/chart" xmlns:dgm="http://schemas.openxmlformats.org/drawingml/2006/diagram" xmlns:o="urn:schemas-microsoft-com:office:office" xmlns:v="urn:schemas-microsoft-com:vml" xmlns:pvml="urn:schemas-microsoft-com:office:powerpoint" xmlns:com="http://schemas.openxmlformats.org/drawingml/2006/compatibility" xmlns:p14="http://schemas.microsoft.com/office/powerpoint/2010/main" type="tx">
   <p:cSld name="Title and body">
     <p:spTree>
       <p:nvGrpSpPr>
-        <p:cNvPr id="1" name="Shape 25"/>
+        <p:cNvPr id="25" name="Shape 25"/>
         <p:cNvGrpSpPr/>
         <p:nvPr/>
       </p:nvGrpSpPr>
@@ -3399,7 +3092,7 @@
           </a:ln>
         </p:spPr>
         <p:txBody>
-          <a:bodyPr lIns="91425" tIns="91425" rIns="91425" bIns="91425" anchor="ctr" anchorCtr="0">
+          <a:bodyPr anchorCtr="0" anchor="ctr" bIns="91425" lIns="91425" rIns="91425" tIns="91425">
             <a:noAutofit/>
           </a:bodyPr>
           <a:lstStyle/>
@@ -3410,6 +3103,9 @@
               </a:spcBef>
               <a:buNone/>
             </a:pPr>
+            <a:r>
+              <a:t/>
+            </a:r>
             <a:endParaRPr/>
           </a:p>
         </p:txBody>
@@ -3417,9 +3113,7 @@
       <p:sp>
         <p:nvSpPr>
           <p:cNvPr id="27" name="Shape 27"/>
-          <p:cNvSpPr txBox="1">
-            <a:spLocks noGrp="1"/>
-          </p:cNvSpPr>
+          <p:cNvSpPr txBox="1"/>
           <p:nvPr>
             <p:ph type="title"/>
           </p:nvPr>
@@ -3434,7 +3128,7 @@
           </a:prstGeom>
         </p:spPr>
         <p:txBody>
-          <a:bodyPr lIns="91425" tIns="91425" rIns="91425" bIns="91425" anchor="t" anchorCtr="0"/>
+          <a:bodyPr anchorCtr="0" anchor="t" bIns="91425" lIns="91425" rIns="91425" tIns="91425"/>
           <a:lstStyle>
             <a:lvl1pPr lvl="0">
               <a:spcBef>
@@ -3491,19 +3185,15 @@
               <a:defRPr/>
             </a:lvl9pPr>
           </a:lstStyle>
-          <a:p>
-            <a:endParaRPr/>
-          </a:p>
+          <a:p/>
         </p:txBody>
       </p:sp>
       <p:sp>
         <p:nvSpPr>
           <p:cNvPr id="28" name="Shape 28"/>
-          <p:cNvSpPr txBox="1">
-            <a:spLocks noGrp="1"/>
-          </p:cNvSpPr>
+          <p:cNvSpPr txBox="1"/>
           <p:nvPr>
-            <p:ph type="body" idx="1"/>
+            <p:ph idx="1" type="body"/>
           </p:nvPr>
         </p:nvSpPr>
         <p:spPr>
@@ -3516,7 +3206,7 @@
           </a:prstGeom>
         </p:spPr>
         <p:txBody>
-          <a:bodyPr lIns="91425" tIns="91425" rIns="91425" bIns="91425" anchor="t" anchorCtr="0"/>
+          <a:bodyPr anchorCtr="0" anchor="t" bIns="91425" lIns="91425" rIns="91425" tIns="91425"/>
           <a:lstStyle>
             <a:lvl1pPr lvl="0">
               <a:spcBef>
@@ -3573,19 +3263,15 @@
               <a:defRPr/>
             </a:lvl9pPr>
           </a:lstStyle>
-          <a:p>
-            <a:endParaRPr/>
-          </a:p>
+          <a:p/>
         </p:txBody>
       </p:sp>
       <p:sp>
         <p:nvSpPr>
           <p:cNvPr id="29" name="Shape 29"/>
-          <p:cNvSpPr txBox="1">
-            <a:spLocks noGrp="1"/>
-          </p:cNvSpPr>
+          <p:cNvSpPr txBox="1"/>
           <p:nvPr>
-            <p:ph type="sldNum" idx="12"/>
+            <p:ph idx="12" type="sldNum"/>
           </p:nvPr>
         </p:nvSpPr>
         <p:spPr>
@@ -3598,7 +3284,7 @@
           </a:prstGeom>
         </p:spPr>
         <p:txBody>
-          <a:bodyPr lIns="91425" tIns="91425" rIns="91425" bIns="91425" anchor="ctr" anchorCtr="0">
+          <a:bodyPr anchorCtr="0" anchor="ctr" bIns="91425" lIns="91425" rIns="91425" tIns="91425">
             <a:noAutofit/>
           </a:bodyPr>
           <a:lstStyle/>
@@ -3613,7 +3299,6 @@
               <a:rPr lang="en"/>
               <a:t>‹#›</a:t>
             </a:fld>
-            <a:endParaRPr lang="en"/>
           </a:p>
         </p:txBody>
       </p:sp>
@@ -3626,11 +3311,11 @@
 </file>
 
 <file path=ppt/slideLayouts/slideLayout4.xml><?xml version="1.0" encoding="utf-8"?>
-<p:sldLayout xmlns:a="http://schemas.openxmlformats.org/drawingml/2006/main" xmlns:r="http://schemas.openxmlformats.org/officeDocument/2006/relationships" xmlns:p="http://schemas.openxmlformats.org/presentationml/2006/main" type="twoColTx">
+<p:sldLayout xmlns:a="http://schemas.openxmlformats.org/drawingml/2006/main" xmlns:r="http://schemas.openxmlformats.org/officeDocument/2006/relationships" xmlns:mc="http://schemas.openxmlformats.org/markup-compatibility/2006" xmlns:mv="urn:schemas-microsoft-com:mac:vml" xmlns:p="http://schemas.openxmlformats.org/presentationml/2006/main" xmlns:c="http://schemas.openxmlformats.org/drawingml/2006/chart" xmlns:dgm="http://schemas.openxmlformats.org/drawingml/2006/diagram" xmlns:o="urn:schemas-microsoft-com:office:office" xmlns:v="urn:schemas-microsoft-com:vml" xmlns:pvml="urn:schemas-microsoft-com:office:powerpoint" xmlns:com="http://schemas.openxmlformats.org/drawingml/2006/compatibility" xmlns:p14="http://schemas.microsoft.com/office/powerpoint/2010/main" type="twoColTx">
   <p:cSld name="Title and two columns">
     <p:spTree>
       <p:nvGrpSpPr>
-        <p:cNvPr id="1" name="Shape 30"/>
+        <p:cNvPr id="30" name="Shape 30"/>
         <p:cNvGrpSpPr/>
         <p:nvPr/>
       </p:nvGrpSpPr>
@@ -3645,9 +3330,7 @@
       <p:sp>
         <p:nvSpPr>
           <p:cNvPr id="31" name="Shape 31"/>
-          <p:cNvSpPr txBox="1">
-            <a:spLocks noGrp="1"/>
-          </p:cNvSpPr>
+          <p:cNvSpPr txBox="1"/>
           <p:nvPr>
             <p:ph type="title"/>
           </p:nvPr>
@@ -3662,7 +3345,7 @@
           </a:prstGeom>
         </p:spPr>
         <p:txBody>
-          <a:bodyPr lIns="91425" tIns="91425" rIns="91425" bIns="91425" anchor="t" anchorCtr="0"/>
+          <a:bodyPr anchorCtr="0" anchor="t" bIns="91425" lIns="91425" rIns="91425" tIns="91425"/>
           <a:lstStyle>
             <a:lvl1pPr lvl="0">
               <a:spcBef>
@@ -3719,19 +3402,15 @@
               <a:defRPr/>
             </a:lvl9pPr>
           </a:lstStyle>
-          <a:p>
-            <a:endParaRPr/>
-          </a:p>
+          <a:p/>
         </p:txBody>
       </p:sp>
       <p:sp>
         <p:nvSpPr>
           <p:cNvPr id="32" name="Shape 32"/>
-          <p:cNvSpPr txBox="1">
-            <a:spLocks noGrp="1"/>
-          </p:cNvSpPr>
+          <p:cNvSpPr txBox="1"/>
           <p:nvPr>
-            <p:ph type="body" idx="1"/>
+            <p:ph idx="1" type="body"/>
           </p:nvPr>
         </p:nvSpPr>
         <p:spPr>
@@ -3744,7 +3423,7 @@
           </a:prstGeom>
         </p:spPr>
         <p:txBody>
-          <a:bodyPr lIns="91425" tIns="91425" rIns="91425" bIns="91425" anchor="t" anchorCtr="0"/>
+          <a:bodyPr anchorCtr="0" anchor="t" bIns="91425" lIns="91425" rIns="91425" tIns="91425"/>
           <a:lstStyle>
             <a:lvl1pPr lvl="0">
               <a:spcBef>
@@ -3810,19 +3489,15 @@
               <a:defRPr sz="1200"/>
             </a:lvl9pPr>
           </a:lstStyle>
-          <a:p>
-            <a:endParaRPr/>
-          </a:p>
+          <a:p/>
         </p:txBody>
       </p:sp>
       <p:sp>
         <p:nvSpPr>
           <p:cNvPr id="33" name="Shape 33"/>
-          <p:cNvSpPr txBox="1">
-            <a:spLocks noGrp="1"/>
-          </p:cNvSpPr>
+          <p:cNvSpPr txBox="1"/>
           <p:nvPr>
-            <p:ph type="body" idx="2"/>
+            <p:ph idx="2" type="body"/>
           </p:nvPr>
         </p:nvSpPr>
         <p:spPr>
@@ -3835,7 +3510,7 @@
           </a:prstGeom>
         </p:spPr>
         <p:txBody>
-          <a:bodyPr lIns="91425" tIns="91425" rIns="91425" bIns="91425" anchor="t" anchorCtr="0"/>
+          <a:bodyPr anchorCtr="0" anchor="t" bIns="91425" lIns="91425" rIns="91425" tIns="91425"/>
           <a:lstStyle>
             <a:lvl1pPr lvl="0">
               <a:spcBef>
@@ -3901,19 +3576,15 @@
               <a:defRPr sz="1200"/>
             </a:lvl9pPr>
           </a:lstStyle>
-          <a:p>
-            <a:endParaRPr/>
-          </a:p>
+          <a:p/>
         </p:txBody>
       </p:sp>
       <p:sp>
         <p:nvSpPr>
           <p:cNvPr id="34" name="Shape 34"/>
-          <p:cNvSpPr txBox="1">
-            <a:spLocks noGrp="1"/>
-          </p:cNvSpPr>
+          <p:cNvSpPr txBox="1"/>
           <p:nvPr>
-            <p:ph type="sldNum" idx="12"/>
+            <p:ph idx="12" type="sldNum"/>
           </p:nvPr>
         </p:nvSpPr>
         <p:spPr>
@@ -3926,7 +3597,7 @@
           </a:prstGeom>
         </p:spPr>
         <p:txBody>
-          <a:bodyPr lIns="91425" tIns="91425" rIns="91425" bIns="91425" anchor="ctr" anchorCtr="0">
+          <a:bodyPr anchorCtr="0" anchor="ctr" bIns="91425" lIns="91425" rIns="91425" tIns="91425">
             <a:noAutofit/>
           </a:bodyPr>
           <a:lstStyle/>
@@ -3941,7 +3612,6 @@
               <a:rPr lang="en"/>
               <a:t>‹#›</a:t>
             </a:fld>
-            <a:endParaRPr lang="en"/>
           </a:p>
         </p:txBody>
       </p:sp>
@@ -3954,11 +3624,11 @@
 </file>
 
 <file path=ppt/slideLayouts/slideLayout5.xml><?xml version="1.0" encoding="utf-8"?>
-<p:sldLayout xmlns:a="http://schemas.openxmlformats.org/drawingml/2006/main" xmlns:r="http://schemas.openxmlformats.org/officeDocument/2006/relationships" xmlns:p="http://schemas.openxmlformats.org/presentationml/2006/main" type="titleOnly">
+<p:sldLayout xmlns:a="http://schemas.openxmlformats.org/drawingml/2006/main" xmlns:r="http://schemas.openxmlformats.org/officeDocument/2006/relationships" xmlns:mc="http://schemas.openxmlformats.org/markup-compatibility/2006" xmlns:mv="urn:schemas-microsoft-com:mac:vml" xmlns:p="http://schemas.openxmlformats.org/presentationml/2006/main" xmlns:c="http://schemas.openxmlformats.org/drawingml/2006/chart" xmlns:dgm="http://schemas.openxmlformats.org/drawingml/2006/diagram" xmlns:o="urn:schemas-microsoft-com:office:office" xmlns:v="urn:schemas-microsoft-com:vml" xmlns:pvml="urn:schemas-microsoft-com:office:powerpoint" xmlns:com="http://schemas.openxmlformats.org/drawingml/2006/compatibility" xmlns:p14="http://schemas.microsoft.com/office/powerpoint/2010/main" type="titleOnly">
   <p:cSld name="Title only">
     <p:spTree>
       <p:nvGrpSpPr>
-        <p:cNvPr id="1" name="Shape 35"/>
+        <p:cNvPr id="35" name="Shape 35"/>
         <p:cNvGrpSpPr/>
         <p:nvPr/>
       </p:nvGrpSpPr>
@@ -3973,9 +3643,7 @@
       <p:sp>
         <p:nvSpPr>
           <p:cNvPr id="36" name="Shape 36"/>
-          <p:cNvSpPr txBox="1">
-            <a:spLocks noGrp="1"/>
-          </p:cNvSpPr>
+          <p:cNvSpPr txBox="1"/>
           <p:nvPr>
             <p:ph type="title"/>
           </p:nvPr>
@@ -3990,7 +3658,7 @@
           </a:prstGeom>
         </p:spPr>
         <p:txBody>
-          <a:bodyPr lIns="91425" tIns="91425" rIns="91425" bIns="91425" anchor="t" anchorCtr="0"/>
+          <a:bodyPr anchorCtr="0" anchor="t" bIns="91425" lIns="91425" rIns="91425" tIns="91425"/>
           <a:lstStyle>
             <a:lvl1pPr lvl="0">
               <a:spcBef>
@@ -4047,19 +3715,15 @@
               <a:defRPr/>
             </a:lvl9pPr>
           </a:lstStyle>
-          <a:p>
-            <a:endParaRPr/>
-          </a:p>
+          <a:p/>
         </p:txBody>
       </p:sp>
       <p:sp>
         <p:nvSpPr>
           <p:cNvPr id="37" name="Shape 37"/>
-          <p:cNvSpPr txBox="1">
-            <a:spLocks noGrp="1"/>
-          </p:cNvSpPr>
+          <p:cNvSpPr txBox="1"/>
           <p:nvPr>
-            <p:ph type="sldNum" idx="12"/>
+            <p:ph idx="12" type="sldNum"/>
           </p:nvPr>
         </p:nvSpPr>
         <p:spPr>
@@ -4072,7 +3736,7 @@
           </a:prstGeom>
         </p:spPr>
         <p:txBody>
-          <a:bodyPr lIns="91425" tIns="91425" rIns="91425" bIns="91425" anchor="ctr" anchorCtr="0">
+          <a:bodyPr anchorCtr="0" anchor="ctr" bIns="91425" lIns="91425" rIns="91425" tIns="91425">
             <a:noAutofit/>
           </a:bodyPr>
           <a:lstStyle/>
@@ -4087,7 +3751,6 @@
               <a:rPr lang="en"/>
               <a:t>‹#›</a:t>
             </a:fld>
-            <a:endParaRPr lang="en"/>
           </a:p>
         </p:txBody>
       </p:sp>
@@ -4100,11 +3763,11 @@
 </file>
 
 <file path=ppt/slideLayouts/slideLayout6.xml><?xml version="1.0" encoding="utf-8"?>
-<p:sldLayout xmlns:a="http://schemas.openxmlformats.org/drawingml/2006/main" xmlns:r="http://schemas.openxmlformats.org/officeDocument/2006/relationships" xmlns:p="http://schemas.openxmlformats.org/presentationml/2006/main">
+<p:sldLayout xmlns:a="http://schemas.openxmlformats.org/drawingml/2006/main" xmlns:r="http://schemas.openxmlformats.org/officeDocument/2006/relationships" xmlns:mc="http://schemas.openxmlformats.org/markup-compatibility/2006" xmlns:mv="urn:schemas-microsoft-com:mac:vml" xmlns:p="http://schemas.openxmlformats.org/presentationml/2006/main" xmlns:c="http://schemas.openxmlformats.org/drawingml/2006/chart" xmlns:dgm="http://schemas.openxmlformats.org/drawingml/2006/diagram" xmlns:o="urn:schemas-microsoft-com:office:office" xmlns:v="urn:schemas-microsoft-com:vml" xmlns:pvml="urn:schemas-microsoft-com:office:powerpoint" xmlns:com="http://schemas.openxmlformats.org/drawingml/2006/compatibility" xmlns:p14="http://schemas.microsoft.com/office/powerpoint/2010/main">
   <p:cSld name="One column text">
     <p:spTree>
       <p:nvGrpSpPr>
-        <p:cNvPr id="1" name="Shape 38"/>
+        <p:cNvPr id="38" name="Shape 38"/>
         <p:cNvGrpSpPr/>
         <p:nvPr/>
       </p:nvGrpSpPr>
@@ -4119,9 +3782,7 @@
       <p:sp>
         <p:nvSpPr>
           <p:cNvPr id="39" name="Shape 39"/>
-          <p:cNvSpPr txBox="1">
-            <a:spLocks noGrp="1"/>
-          </p:cNvSpPr>
+          <p:cNvSpPr txBox="1"/>
           <p:nvPr>
             <p:ph type="title"/>
           </p:nvPr>
@@ -4136,7 +3797,7 @@
           </a:prstGeom>
         </p:spPr>
         <p:txBody>
-          <a:bodyPr lIns="91425" tIns="91425" rIns="91425" bIns="91425" anchor="b" anchorCtr="0"/>
+          <a:bodyPr anchorCtr="0" anchor="b" bIns="91425" lIns="91425" rIns="91425" tIns="91425"/>
           <a:lstStyle>
             <a:lvl1pPr lvl="0">
               <a:spcBef>
@@ -4202,19 +3863,15 @@
               <a:defRPr sz="2400"/>
             </a:lvl9pPr>
           </a:lstStyle>
-          <a:p>
-            <a:endParaRPr/>
-          </a:p>
+          <a:p/>
         </p:txBody>
       </p:sp>
       <p:sp>
         <p:nvSpPr>
           <p:cNvPr id="40" name="Shape 40"/>
-          <p:cNvSpPr txBox="1">
-            <a:spLocks noGrp="1"/>
-          </p:cNvSpPr>
+          <p:cNvSpPr txBox="1"/>
           <p:nvPr>
-            <p:ph type="body" idx="1"/>
+            <p:ph idx="1" type="body"/>
           </p:nvPr>
         </p:nvSpPr>
         <p:spPr>
@@ -4227,7 +3884,7 @@
           </a:prstGeom>
         </p:spPr>
         <p:txBody>
-          <a:bodyPr lIns="91425" tIns="91425" rIns="91425" bIns="91425" anchor="t" anchorCtr="0"/>
+          <a:bodyPr anchorCtr="0" anchor="t" bIns="91425" lIns="91425" rIns="91425" tIns="91425"/>
           <a:lstStyle>
             <a:lvl1pPr lvl="0">
               <a:spcBef>
@@ -4293,19 +3950,15 @@
               <a:defRPr sz="1200"/>
             </a:lvl9pPr>
           </a:lstStyle>
-          <a:p>
-            <a:endParaRPr/>
-          </a:p>
+          <a:p/>
         </p:txBody>
       </p:sp>
       <p:sp>
         <p:nvSpPr>
           <p:cNvPr id="41" name="Shape 41"/>
-          <p:cNvSpPr txBox="1">
-            <a:spLocks noGrp="1"/>
-          </p:cNvSpPr>
+          <p:cNvSpPr txBox="1"/>
           <p:nvPr>
-            <p:ph type="sldNum" idx="12"/>
+            <p:ph idx="12" type="sldNum"/>
           </p:nvPr>
         </p:nvSpPr>
         <p:spPr>
@@ -4318,7 +3971,7 @@
           </a:prstGeom>
         </p:spPr>
         <p:txBody>
-          <a:bodyPr lIns="91425" tIns="91425" rIns="91425" bIns="91425" anchor="ctr" anchorCtr="0">
+          <a:bodyPr anchorCtr="0" anchor="ctr" bIns="91425" lIns="91425" rIns="91425" tIns="91425">
             <a:noAutofit/>
           </a:bodyPr>
           <a:lstStyle/>
@@ -4333,7 +3986,6 @@
               <a:rPr lang="en"/>
               <a:t>‹#›</a:t>
             </a:fld>
-            <a:endParaRPr lang="en"/>
           </a:p>
         </p:txBody>
       </p:sp>
@@ -4346,19 +3998,18 @@
 </file>
 
 <file path=ppt/slideLayouts/slideLayout7.xml><?xml version="1.0" encoding="utf-8"?>
-<p:sldLayout xmlns:a="http://schemas.openxmlformats.org/drawingml/2006/main" xmlns:r="http://schemas.openxmlformats.org/officeDocument/2006/relationships" xmlns:p="http://schemas.openxmlformats.org/presentationml/2006/main">
+<p:sldLayout xmlns:a="http://schemas.openxmlformats.org/drawingml/2006/main" xmlns:r="http://schemas.openxmlformats.org/officeDocument/2006/relationships" xmlns:mc="http://schemas.openxmlformats.org/markup-compatibility/2006" xmlns:mv="urn:schemas-microsoft-com:mac:vml" xmlns:p="http://schemas.openxmlformats.org/presentationml/2006/main" xmlns:c="http://schemas.openxmlformats.org/drawingml/2006/chart" xmlns:dgm="http://schemas.openxmlformats.org/drawingml/2006/diagram" xmlns:o="urn:schemas-microsoft-com:office:office" xmlns:v="urn:schemas-microsoft-com:vml" xmlns:pvml="urn:schemas-microsoft-com:office:powerpoint" xmlns:com="http://schemas.openxmlformats.org/drawingml/2006/compatibility" xmlns:p14="http://schemas.microsoft.com/office/powerpoint/2010/main">
   <p:cSld name="Main point">
     <p:bg>
       <p:bgPr>
         <a:solidFill>
           <a:schemeClr val="accent6"/>
         </a:solidFill>
-        <a:effectLst/>
       </p:bgPr>
     </p:bg>
     <p:spTree>
       <p:nvGrpSpPr>
-        <p:cNvPr id="1" name="Shape 42"/>
+        <p:cNvPr id="42" name="Shape 42"/>
         <p:cNvGrpSpPr/>
         <p:nvPr/>
       </p:nvGrpSpPr>
@@ -4373,9 +4024,7 @@
       <p:sp>
         <p:nvSpPr>
           <p:cNvPr id="43" name="Shape 43"/>
-          <p:cNvSpPr txBox="1">
-            <a:spLocks noGrp="1"/>
-          </p:cNvSpPr>
+          <p:cNvSpPr txBox="1"/>
           <p:nvPr>
             <p:ph type="title"/>
           </p:nvPr>
@@ -4390,7 +4039,7 @@
           </a:prstGeom>
         </p:spPr>
         <p:txBody>
-          <a:bodyPr lIns="91425" tIns="91425" rIns="91425" bIns="91425" anchor="ctr" anchorCtr="0"/>
+          <a:bodyPr anchorCtr="0" anchor="ctr" bIns="91425" lIns="91425" rIns="91425" tIns="91425"/>
           <a:lstStyle>
             <a:lvl1pPr lvl="0">
               <a:spcBef>
@@ -4400,7 +4049,7 @@
                 <a:schemeClr val="dk2"/>
               </a:buClr>
               <a:buSzPct val="100000"/>
-              <a:defRPr sz="5400" b="0">
+              <a:defRPr b="0" sz="5400">
                 <a:solidFill>
                   <a:schemeClr val="dk2"/>
                 </a:solidFill>
@@ -4414,7 +4063,7 @@
                 <a:schemeClr val="dk2"/>
               </a:buClr>
               <a:buSzPct val="100000"/>
-              <a:defRPr sz="5400" b="0">
+              <a:defRPr b="0" sz="5400">
                 <a:solidFill>
                   <a:schemeClr val="dk2"/>
                 </a:solidFill>
@@ -4428,7 +4077,7 @@
                 <a:schemeClr val="dk2"/>
               </a:buClr>
               <a:buSzPct val="100000"/>
-              <a:defRPr sz="5400" b="0">
+              <a:defRPr b="0" sz="5400">
                 <a:solidFill>
                   <a:schemeClr val="dk2"/>
                 </a:solidFill>
@@ -4442,7 +4091,7 @@
                 <a:schemeClr val="dk2"/>
               </a:buClr>
               <a:buSzPct val="100000"/>
-              <a:defRPr sz="5400" b="0">
+              <a:defRPr b="0" sz="5400">
                 <a:solidFill>
                   <a:schemeClr val="dk2"/>
                 </a:solidFill>
@@ -4456,7 +4105,7 @@
                 <a:schemeClr val="dk2"/>
               </a:buClr>
               <a:buSzPct val="100000"/>
-              <a:defRPr sz="5400" b="0">
+              <a:defRPr b="0" sz="5400">
                 <a:solidFill>
                   <a:schemeClr val="dk2"/>
                 </a:solidFill>
@@ -4470,7 +4119,7 @@
                 <a:schemeClr val="dk2"/>
               </a:buClr>
               <a:buSzPct val="100000"/>
-              <a:defRPr sz="5400" b="0">
+              <a:defRPr b="0" sz="5400">
                 <a:solidFill>
                   <a:schemeClr val="dk2"/>
                 </a:solidFill>
@@ -4484,7 +4133,7 @@
                 <a:schemeClr val="dk2"/>
               </a:buClr>
               <a:buSzPct val="100000"/>
-              <a:defRPr sz="5400" b="0">
+              <a:defRPr b="0" sz="5400">
                 <a:solidFill>
                   <a:schemeClr val="dk2"/>
                 </a:solidFill>
@@ -4498,7 +4147,7 @@
                 <a:schemeClr val="dk2"/>
               </a:buClr>
               <a:buSzPct val="100000"/>
-              <a:defRPr sz="5400" b="0">
+              <a:defRPr b="0" sz="5400">
                 <a:solidFill>
                   <a:schemeClr val="dk2"/>
                 </a:solidFill>
@@ -4512,26 +4161,22 @@
                 <a:schemeClr val="dk2"/>
               </a:buClr>
               <a:buSzPct val="100000"/>
-              <a:defRPr sz="5400" b="0">
+              <a:defRPr b="0" sz="5400">
                 <a:solidFill>
                   <a:schemeClr val="dk2"/>
                 </a:solidFill>
               </a:defRPr>
             </a:lvl9pPr>
           </a:lstStyle>
-          <a:p>
-            <a:endParaRPr/>
-          </a:p>
+          <a:p/>
         </p:txBody>
       </p:sp>
       <p:sp>
         <p:nvSpPr>
           <p:cNvPr id="44" name="Shape 44"/>
-          <p:cNvSpPr txBox="1">
-            <a:spLocks noGrp="1"/>
-          </p:cNvSpPr>
+          <p:cNvSpPr txBox="1"/>
           <p:nvPr>
-            <p:ph type="sldNum" idx="12"/>
+            <p:ph idx="12" type="sldNum"/>
           </p:nvPr>
         </p:nvSpPr>
         <p:spPr>
@@ -4544,7 +4189,7 @@
           </a:prstGeom>
         </p:spPr>
         <p:txBody>
-          <a:bodyPr lIns="91425" tIns="91425" rIns="91425" bIns="91425" anchor="ctr" anchorCtr="0">
+          <a:bodyPr anchorCtr="0" anchor="ctr" bIns="91425" lIns="91425" rIns="91425" tIns="91425">
             <a:noAutofit/>
           </a:bodyPr>
           <a:lstStyle/>
@@ -4559,7 +4204,6 @@
               <a:rPr lang="en"/>
               <a:t>‹#›</a:t>
             </a:fld>
-            <a:endParaRPr lang="en"/>
           </a:p>
         </p:txBody>
       </p:sp>
@@ -4572,11 +4216,11 @@
 </file>
 
 <file path=ppt/slideLayouts/slideLayout8.xml><?xml version="1.0" encoding="utf-8"?>
-<p:sldLayout xmlns:a="http://schemas.openxmlformats.org/drawingml/2006/main" xmlns:r="http://schemas.openxmlformats.org/officeDocument/2006/relationships" xmlns:p="http://schemas.openxmlformats.org/presentationml/2006/main">
+<p:sldLayout xmlns:a="http://schemas.openxmlformats.org/drawingml/2006/main" xmlns:r="http://schemas.openxmlformats.org/officeDocument/2006/relationships" xmlns:mc="http://schemas.openxmlformats.org/markup-compatibility/2006" xmlns:mv="urn:schemas-microsoft-com:mac:vml" xmlns:p="http://schemas.openxmlformats.org/presentationml/2006/main" xmlns:c="http://schemas.openxmlformats.org/drawingml/2006/chart" xmlns:dgm="http://schemas.openxmlformats.org/drawingml/2006/diagram" xmlns:o="urn:schemas-microsoft-com:office:office" xmlns:v="urn:schemas-microsoft-com:vml" xmlns:pvml="urn:schemas-microsoft-com:office:powerpoint" xmlns:com="http://schemas.openxmlformats.org/drawingml/2006/compatibility" xmlns:p14="http://schemas.microsoft.com/office/powerpoint/2010/main">
   <p:cSld name="Section title and description">
     <p:spTree>
       <p:nvGrpSpPr>
-        <p:cNvPr id="1" name="Shape 45"/>
+        <p:cNvPr id="45" name="Shape 45"/>
         <p:cNvGrpSpPr/>
         <p:nvPr/>
       </p:nvGrpSpPr>
@@ -4610,7 +4254,7 @@
           </a:ln>
         </p:spPr>
         <p:txBody>
-          <a:bodyPr lIns="91425" tIns="91425" rIns="91425" bIns="91425" anchor="ctr" anchorCtr="0">
+          <a:bodyPr anchorCtr="0" anchor="ctr" bIns="91425" lIns="91425" rIns="91425" tIns="91425">
             <a:noAutofit/>
           </a:bodyPr>
           <a:lstStyle/>
@@ -4621,6 +4265,9 @@
               </a:spcBef>
               <a:buNone/>
             </a:pPr>
+            <a:r>
+              <a:t/>
+            </a:r>
             <a:endParaRPr/>
           </a:p>
         </p:txBody>
@@ -4640,23 +4287,21 @@
             <a:avLst/>
           </a:prstGeom>
           <a:noFill/>
-          <a:ln w="19050" cap="flat" cmpd="sng">
+          <a:ln cap="flat" cmpd="sng" w="19050">
             <a:solidFill>
               <a:schemeClr val="lt1"/>
             </a:solidFill>
             <a:prstDash val="solid"/>
             <a:round/>
-            <a:headEnd type="none" w="med" len="med"/>
-            <a:tailEnd type="none" w="med" len="med"/>
+            <a:headEnd len="med" w="med" type="none"/>
+            <a:tailEnd len="med" w="med" type="none"/>
           </a:ln>
         </p:spPr>
       </p:cxnSp>
       <p:sp>
         <p:nvSpPr>
           <p:cNvPr id="48" name="Shape 48"/>
-          <p:cNvSpPr txBox="1">
-            <a:spLocks noGrp="1"/>
-          </p:cNvSpPr>
+          <p:cNvSpPr txBox="1"/>
           <p:nvPr>
             <p:ph type="title"/>
           </p:nvPr>
@@ -4671,7 +4316,7 @@
           </a:prstGeom>
         </p:spPr>
         <p:txBody>
-          <a:bodyPr lIns="91425" tIns="91425" rIns="91425" bIns="91425" anchor="b" anchorCtr="0"/>
+          <a:bodyPr anchorCtr="0" anchor="b" bIns="91425" lIns="91425" rIns="91425" tIns="91425"/>
           <a:lstStyle>
             <a:lvl1pPr lvl="0" algn="ctr">
               <a:spcBef>
@@ -4737,19 +4382,15 @@
               <a:defRPr sz="4200"/>
             </a:lvl9pPr>
           </a:lstStyle>
-          <a:p>
-            <a:endParaRPr/>
-          </a:p>
+          <a:p/>
         </p:txBody>
       </p:sp>
       <p:sp>
         <p:nvSpPr>
           <p:cNvPr id="49" name="Shape 49"/>
-          <p:cNvSpPr txBox="1">
-            <a:spLocks noGrp="1"/>
-          </p:cNvSpPr>
+          <p:cNvSpPr txBox="1"/>
           <p:nvPr>
-            <p:ph type="subTitle" idx="1"/>
+            <p:ph idx="1" type="subTitle"/>
           </p:nvPr>
         </p:nvSpPr>
         <p:spPr>
@@ -4762,7 +4403,7 @@
           </a:prstGeom>
         </p:spPr>
         <p:txBody>
-          <a:bodyPr lIns="91425" tIns="91425" rIns="91425" bIns="91425" anchor="t" anchorCtr="0"/>
+          <a:bodyPr anchorCtr="0" anchor="t" bIns="91425" lIns="91425" rIns="91425" tIns="91425"/>
           <a:lstStyle>
             <a:lvl1pPr lvl="0" algn="ctr">
               <a:lnSpc>
@@ -4891,19 +4532,15 @@
               <a:defRPr sz="2100"/>
             </a:lvl9pPr>
           </a:lstStyle>
-          <a:p>
-            <a:endParaRPr/>
-          </a:p>
+          <a:p/>
         </p:txBody>
       </p:sp>
       <p:sp>
         <p:nvSpPr>
           <p:cNvPr id="50" name="Shape 50"/>
-          <p:cNvSpPr txBox="1">
-            <a:spLocks noGrp="1"/>
-          </p:cNvSpPr>
+          <p:cNvSpPr txBox="1"/>
           <p:nvPr>
-            <p:ph type="body" idx="2"/>
+            <p:ph idx="2" type="body"/>
           </p:nvPr>
         </p:nvSpPr>
         <p:spPr>
@@ -4916,7 +4553,7 @@
           </a:prstGeom>
         </p:spPr>
         <p:txBody>
-          <a:bodyPr lIns="91425" tIns="91425" rIns="91425" bIns="91425" anchor="ctr" anchorCtr="0"/>
+          <a:bodyPr anchorCtr="0" anchor="ctr" bIns="91425" lIns="91425" rIns="91425" tIns="91425"/>
           <a:lstStyle>
             <a:lvl1pPr lvl="0">
               <a:spcBef>
@@ -5036,19 +4673,15 @@
               </a:defRPr>
             </a:lvl9pPr>
           </a:lstStyle>
-          <a:p>
-            <a:endParaRPr/>
-          </a:p>
+          <a:p/>
         </p:txBody>
       </p:sp>
       <p:sp>
         <p:nvSpPr>
           <p:cNvPr id="51" name="Shape 51"/>
-          <p:cNvSpPr txBox="1">
-            <a:spLocks noGrp="1"/>
-          </p:cNvSpPr>
+          <p:cNvSpPr txBox="1"/>
           <p:nvPr>
-            <p:ph type="sldNum" idx="12"/>
+            <p:ph idx="12" type="sldNum"/>
           </p:nvPr>
         </p:nvSpPr>
         <p:spPr>
@@ -5061,7 +4694,7 @@
           </a:prstGeom>
         </p:spPr>
         <p:txBody>
-          <a:bodyPr lIns="91425" tIns="91425" rIns="91425" bIns="91425" anchor="ctr" anchorCtr="0">
+          <a:bodyPr anchorCtr="0" anchor="ctr" bIns="91425" lIns="91425" rIns="91425" tIns="91425">
             <a:noAutofit/>
           </a:bodyPr>
           <a:lstStyle/>
@@ -5080,11 +4713,6 @@
               </a:rPr>
               <a:t>‹#›</a:t>
             </a:fld>
-            <a:endParaRPr lang="en">
-              <a:solidFill>
-                <a:schemeClr val="lt1"/>
-              </a:solidFill>
-            </a:endParaRPr>
           </a:p>
         </p:txBody>
       </p:sp>
@@ -5097,11 +4725,11 @@
 </file>
 
 <file path=ppt/slideLayouts/slideLayout9.xml><?xml version="1.0" encoding="utf-8"?>
-<p:sldLayout xmlns:a="http://schemas.openxmlformats.org/drawingml/2006/main" xmlns:r="http://schemas.openxmlformats.org/officeDocument/2006/relationships" xmlns:p="http://schemas.openxmlformats.org/presentationml/2006/main">
+<p:sldLayout xmlns:a="http://schemas.openxmlformats.org/drawingml/2006/main" xmlns:r="http://schemas.openxmlformats.org/officeDocument/2006/relationships" xmlns:mc="http://schemas.openxmlformats.org/markup-compatibility/2006" xmlns:mv="urn:schemas-microsoft-com:mac:vml" xmlns:p="http://schemas.openxmlformats.org/presentationml/2006/main" xmlns:c="http://schemas.openxmlformats.org/drawingml/2006/chart" xmlns:dgm="http://schemas.openxmlformats.org/drawingml/2006/diagram" xmlns:o="urn:schemas-microsoft-com:office:office" xmlns:v="urn:schemas-microsoft-com:vml" xmlns:pvml="urn:schemas-microsoft-com:office:powerpoint" xmlns:com="http://schemas.openxmlformats.org/drawingml/2006/compatibility" xmlns:p14="http://schemas.microsoft.com/office/powerpoint/2010/main">
   <p:cSld name="Caption">
     <p:spTree>
       <p:nvGrpSpPr>
-        <p:cNvPr id="1" name="Shape 52"/>
+        <p:cNvPr id="52" name="Shape 52"/>
         <p:cNvGrpSpPr/>
         <p:nvPr/>
       </p:nvGrpSpPr>
@@ -5116,11 +4744,9 @@
       <p:sp>
         <p:nvSpPr>
           <p:cNvPr id="53" name="Shape 53"/>
-          <p:cNvSpPr txBox="1">
-            <a:spLocks noGrp="1"/>
-          </p:cNvSpPr>
+          <p:cNvSpPr txBox="1"/>
           <p:nvPr>
-            <p:ph type="body" idx="1"/>
+            <p:ph idx="1" type="body"/>
           </p:nvPr>
         </p:nvSpPr>
         <p:spPr>
@@ -5133,7 +4759,7 @@
           </a:prstGeom>
         </p:spPr>
         <p:txBody>
-          <a:bodyPr lIns="91425" tIns="91425" rIns="91425" bIns="91425" anchor="ctr" anchorCtr="0"/>
+          <a:bodyPr anchorCtr="0" anchor="ctr" bIns="91425" lIns="91425" rIns="91425" tIns="91425"/>
           <a:lstStyle>
             <a:lvl1pPr lvl="0">
               <a:lnSpc>
@@ -5156,19 +4782,15 @@
               </a:defRPr>
             </a:lvl1pPr>
           </a:lstStyle>
-          <a:p>
-            <a:endParaRPr/>
-          </a:p>
+          <a:p/>
         </p:txBody>
       </p:sp>
       <p:sp>
         <p:nvSpPr>
           <p:cNvPr id="54" name="Shape 54"/>
-          <p:cNvSpPr txBox="1">
-            <a:spLocks noGrp="1"/>
-          </p:cNvSpPr>
+          <p:cNvSpPr txBox="1"/>
           <p:nvPr>
-            <p:ph type="sldNum" idx="12"/>
+            <p:ph idx="12" type="sldNum"/>
           </p:nvPr>
         </p:nvSpPr>
         <p:spPr>
@@ -5181,7 +4803,7 @@
           </a:prstGeom>
         </p:spPr>
         <p:txBody>
-          <a:bodyPr lIns="91425" tIns="91425" rIns="91425" bIns="91425" anchor="ctr" anchorCtr="0">
+          <a:bodyPr anchorCtr="0" anchor="ctr" bIns="91425" lIns="91425" rIns="91425" tIns="91425">
             <a:noAutofit/>
           </a:bodyPr>
           <a:lstStyle/>
@@ -5196,7 +4818,6 @@
               <a:rPr lang="en"/>
               <a:t>‹#›</a:t>
             </a:fld>
-            <a:endParaRPr lang="en"/>
           </a:p>
         </p:txBody>
       </p:sp>
@@ -5209,19 +4830,18 @@
 </file>
 
 <file path=ppt/slideMasters/slideMaster1.xml><?xml version="1.0" encoding="utf-8"?>
-<p:sldMaster xmlns:a="http://schemas.openxmlformats.org/drawingml/2006/main" xmlns:r="http://schemas.openxmlformats.org/officeDocument/2006/relationships" xmlns:p="http://schemas.openxmlformats.org/presentationml/2006/main">
+<p:sldMaster xmlns:a="http://schemas.openxmlformats.org/drawingml/2006/main" xmlns:r="http://schemas.openxmlformats.org/officeDocument/2006/relationships" xmlns:mc="http://schemas.openxmlformats.org/markup-compatibility/2006" xmlns:mv="urn:schemas-microsoft-com:mac:vml" xmlns:p="http://schemas.openxmlformats.org/presentationml/2006/main" xmlns:c="http://schemas.openxmlformats.org/drawingml/2006/chart" xmlns:dgm="http://schemas.openxmlformats.org/drawingml/2006/diagram" xmlns:o="urn:schemas-microsoft-com:office:office" xmlns:v="urn:schemas-microsoft-com:vml" xmlns:pvml="urn:schemas-microsoft-com:office:powerpoint" xmlns:com="http://schemas.openxmlformats.org/drawingml/2006/compatibility" xmlns:p14="http://schemas.microsoft.com/office/powerpoint/2010/main">
   <p:cSld>
     <p:bg>
       <p:bgPr>
         <a:solidFill>
           <a:schemeClr val="lt1"/>
         </a:solidFill>
-        <a:effectLst/>
       </p:bgPr>
     </p:bg>
     <p:spTree>
       <p:nvGrpSpPr>
-        <p:cNvPr id="1" name="Shape 5"/>
+        <p:cNvPr id="5" name="Shape 5"/>
         <p:cNvGrpSpPr/>
         <p:nvPr/>
       </p:nvGrpSpPr>
@@ -5236,9 +4856,7 @@
       <p:sp>
         <p:nvSpPr>
           <p:cNvPr id="6" name="Shape 6"/>
-          <p:cNvSpPr txBox="1">
-            <a:spLocks noGrp="1"/>
-          </p:cNvSpPr>
+          <p:cNvSpPr txBox="1"/>
           <p:nvPr>
             <p:ph type="title"/>
           </p:nvPr>
@@ -5257,7 +4875,7 @@
           </a:ln>
         </p:spPr>
         <p:txBody>
-          <a:bodyPr lIns="91425" tIns="91425" rIns="91425" bIns="91425" anchor="t" anchorCtr="0"/>
+          <a:bodyPr anchorCtr="0" anchor="t" bIns="91425" lIns="91425" rIns="91425" tIns="91425"/>
           <a:lstStyle>
             <a:lvl1pPr lvl="0">
               <a:spcBef>
@@ -5269,7 +4887,7 @@
               <a:buSzPct val="100000"/>
               <a:buFont typeface="PT Sans Narrow"/>
               <a:buNone/>
-              <a:defRPr sz="3600" b="1">
+              <a:defRPr b="1" sz="3600">
                 <a:solidFill>
                   <a:schemeClr val="accent1"/>
                 </a:solidFill>
@@ -5289,7 +4907,7 @@
               <a:buSzPct val="100000"/>
               <a:buFont typeface="PT Sans Narrow"/>
               <a:buNone/>
-              <a:defRPr sz="3600" b="1">
+              <a:defRPr b="1" sz="3600">
                 <a:solidFill>
                   <a:schemeClr val="accent1"/>
                 </a:solidFill>
@@ -5309,7 +4927,7 @@
               <a:buSzPct val="100000"/>
               <a:buFont typeface="PT Sans Narrow"/>
               <a:buNone/>
-              <a:defRPr sz="3600" b="1">
+              <a:defRPr b="1" sz="3600">
                 <a:solidFill>
                   <a:schemeClr val="accent1"/>
                 </a:solidFill>
@@ -5329,7 +4947,7 @@
               <a:buSzPct val="100000"/>
               <a:buFont typeface="PT Sans Narrow"/>
               <a:buNone/>
-              <a:defRPr sz="3600" b="1">
+              <a:defRPr b="1" sz="3600">
                 <a:solidFill>
                   <a:schemeClr val="accent1"/>
                 </a:solidFill>
@@ -5349,7 +4967,7 @@
               <a:buSzPct val="100000"/>
               <a:buFont typeface="PT Sans Narrow"/>
               <a:buNone/>
-              <a:defRPr sz="3600" b="1">
+              <a:defRPr b="1" sz="3600">
                 <a:solidFill>
                   <a:schemeClr val="accent1"/>
                 </a:solidFill>
@@ -5369,7 +4987,7 @@
               <a:buSzPct val="100000"/>
               <a:buFont typeface="PT Sans Narrow"/>
               <a:buNone/>
-              <a:defRPr sz="3600" b="1">
+              <a:defRPr b="1" sz="3600">
                 <a:solidFill>
                   <a:schemeClr val="accent1"/>
                 </a:solidFill>
@@ -5389,7 +5007,7 @@
               <a:buSzPct val="100000"/>
               <a:buFont typeface="PT Sans Narrow"/>
               <a:buNone/>
-              <a:defRPr sz="3600" b="1">
+              <a:defRPr b="1" sz="3600">
                 <a:solidFill>
                   <a:schemeClr val="accent1"/>
                 </a:solidFill>
@@ -5409,7 +5027,7 @@
               <a:buSzPct val="100000"/>
               <a:buFont typeface="PT Sans Narrow"/>
               <a:buNone/>
-              <a:defRPr sz="3600" b="1">
+              <a:defRPr b="1" sz="3600">
                 <a:solidFill>
                   <a:schemeClr val="accent1"/>
                 </a:solidFill>
@@ -5429,7 +5047,7 @@
               <a:buSzPct val="100000"/>
               <a:buFont typeface="PT Sans Narrow"/>
               <a:buNone/>
-              <a:defRPr sz="3600" b="1">
+              <a:defRPr b="1" sz="3600">
                 <a:solidFill>
                   <a:schemeClr val="accent1"/>
                 </a:solidFill>
@@ -5440,19 +5058,15 @@
               </a:defRPr>
             </a:lvl9pPr>
           </a:lstStyle>
-          <a:p>
-            <a:endParaRPr/>
-          </a:p>
+          <a:p/>
         </p:txBody>
       </p:sp>
       <p:sp>
         <p:nvSpPr>
           <p:cNvPr id="7" name="Shape 7"/>
-          <p:cNvSpPr txBox="1">
-            <a:spLocks noGrp="1"/>
-          </p:cNvSpPr>
+          <p:cNvSpPr txBox="1"/>
           <p:nvPr>
-            <p:ph type="body" idx="1"/>
+            <p:ph idx="1" type="body"/>
           </p:nvPr>
         </p:nvSpPr>
         <p:spPr>
@@ -5469,7 +5083,7 @@
           </a:ln>
         </p:spPr>
         <p:txBody>
-          <a:bodyPr lIns="91425" tIns="91425" rIns="91425" bIns="91425" anchor="t" anchorCtr="0"/>
+          <a:bodyPr anchorCtr="0" anchor="t" bIns="91425" lIns="91425" rIns="91425" tIns="91425"/>
           <a:lstStyle>
             <a:lvl1pPr lvl="0">
               <a:lnSpc>
@@ -5689,19 +5303,15 @@
               </a:defRPr>
             </a:lvl9pPr>
           </a:lstStyle>
-          <a:p>
-            <a:endParaRPr/>
-          </a:p>
+          <a:p/>
         </p:txBody>
       </p:sp>
       <p:sp>
         <p:nvSpPr>
           <p:cNvPr id="8" name="Shape 8"/>
-          <p:cNvSpPr txBox="1">
-            <a:spLocks noGrp="1"/>
-          </p:cNvSpPr>
+          <p:cNvSpPr txBox="1"/>
           <p:nvPr>
-            <p:ph type="sldNum" idx="12"/>
+            <p:ph idx="12" type="sldNum"/>
           </p:nvPr>
         </p:nvSpPr>
         <p:spPr>
@@ -5718,7 +5328,7 @@
           </a:ln>
         </p:spPr>
         <p:txBody>
-          <a:bodyPr lIns="91425" tIns="91425" rIns="91425" bIns="91425" anchor="ctr" anchorCtr="0">
+          <a:bodyPr anchorCtr="0" anchor="ctr" bIns="91425" lIns="91425" rIns="91425" tIns="91425">
             <a:noAutofit/>
           </a:bodyPr>
           <a:lstStyle/>
@@ -5741,21 +5351,12 @@
               </a:rPr>
               <a:t>‹#›</a:t>
             </a:fld>
-            <a:endParaRPr lang="en" sz="1000">
-              <a:solidFill>
-                <a:schemeClr val="dk2"/>
-              </a:solidFill>
-              <a:latin typeface="Open Sans"/>
-              <a:ea typeface="Open Sans"/>
-              <a:cs typeface="Open Sans"/>
-              <a:sym typeface="Open Sans"/>
-            </a:endParaRPr>
           </a:p>
         </p:txBody>
       </p:sp>
     </p:spTree>
   </p:cSld>
-  <p:clrMap bg1="lt1" tx1="dk1" bg2="dk2" tx2="lt2" accent1="accent1" accent2="accent2" accent3="accent3" accent4="accent4" accent5="accent5" accent6="accent6" hlink="hlink" folHlink="folHlink"/>
+  <p:clrMap accent1="accent1" accent2="accent2" accent3="accent3" accent4="accent4" accent5="accent5" accent6="accent6" bg1="lt1" bg2="dk2" tx1="dk1" tx2="lt2" folHlink="folHlink" hlink="hlink"/>
   <p:sldLayoutIdLst>
     <p:sldLayoutId id="2147483648" r:id="rId1"/>
     <p:sldLayoutId id="2147483649" r:id="rId2"/>
@@ -5769,10 +5370,10 @@
     <p:sldLayoutId id="2147483657" r:id="rId10"/>
     <p:sldLayoutId id="2147483658" r:id="rId11"/>
   </p:sldLayoutIdLst>
-  <p:hf sldNum="0" hdr="0" ftr="0" dt="0"/>
+  <p:hf dt="0" ftr="0" hdr="0" sldNum="0"/>
   <p:txStyles>
     <p:titleStyle>
-      <a:defPPr marR="0" lvl="0" algn="l" rtl="0">
+      <a:defPPr lvl="0" marR="0" rtl="0" algn="l">
         <a:lnSpc>
           <a:spcPct val="100000"/>
         </a:lnSpc>
@@ -5783,7 +5384,7 @@
           <a:spcPts val="0"/>
         </a:spcAft>
       </a:defPPr>
-      <a:lvl1pPr marR="0" lvl="0" algn="l" rtl="0">
+      <a:lvl1pPr lvl="0" marR="0" rtl="0" algn="l">
         <a:lnSpc>
           <a:spcPct val="100000"/>
         </a:lnSpc>
@@ -5794,7 +5395,7 @@
           <a:spcPts val="0"/>
         </a:spcAft>
         <a:buNone/>
-        <a:defRPr sz="1400" b="0" i="0" u="none" strike="noStrike" cap="none">
+        <a:defRPr b="0" i="0" sz="1400" u="none" cap="none" strike="noStrike">
           <a:solidFill>
             <a:srgbClr val="000000"/>
           </a:solidFill>
@@ -5806,7 +5407,7 @@
       </a:lvl1pPr>
     </p:titleStyle>
     <p:bodyStyle>
-      <a:defPPr marR="0" lvl="0" algn="l" rtl="0">
+      <a:defPPr lvl="0" marR="0" rtl="0" algn="l">
         <a:lnSpc>
           <a:spcPct val="100000"/>
         </a:lnSpc>
@@ -5817,7 +5418,7 @@
           <a:spcPts val="0"/>
         </a:spcAft>
       </a:defPPr>
-      <a:lvl1pPr marR="0" lvl="0" algn="l" rtl="0">
+      <a:lvl1pPr lvl="0" marR="0" rtl="0" algn="l">
         <a:lnSpc>
           <a:spcPct val="100000"/>
         </a:lnSpc>
@@ -5828,7 +5429,7 @@
           <a:spcPts val="0"/>
         </a:spcAft>
         <a:buNone/>
-        <a:defRPr sz="1400" b="0" i="0" u="none" strike="noStrike" cap="none">
+        <a:defRPr b="0" i="0" sz="1400" u="none" cap="none" strike="noStrike">
           <a:solidFill>
             <a:srgbClr val="000000"/>
           </a:solidFill>
@@ -5838,7 +5439,7 @@
           <a:sym typeface="Arial"/>
         </a:defRPr>
       </a:lvl1pPr>
-      <a:lvl2pPr marR="0" lvl="1" algn="l" rtl="0">
+      <a:lvl2pPr lvl="1" marR="0" rtl="0" algn="l">
         <a:lnSpc>
           <a:spcPct val="100000"/>
         </a:lnSpc>
@@ -5849,7 +5450,7 @@
           <a:spcPts val="0"/>
         </a:spcAft>
         <a:buNone/>
-        <a:defRPr sz="1400" b="0" i="0" u="none" strike="noStrike" cap="none">
+        <a:defRPr b="0" i="0" sz="1400" u="none" cap="none" strike="noStrike">
           <a:solidFill>
             <a:srgbClr val="000000"/>
           </a:solidFill>
@@ -5859,7 +5460,7 @@
           <a:sym typeface="Arial"/>
         </a:defRPr>
       </a:lvl2pPr>
-      <a:lvl3pPr marR="0" lvl="2" algn="l" rtl="0">
+      <a:lvl3pPr lvl="2" marR="0" rtl="0" algn="l">
         <a:lnSpc>
           <a:spcPct val="100000"/>
         </a:lnSpc>
@@ -5870,7 +5471,7 @@
           <a:spcPts val="0"/>
         </a:spcAft>
         <a:buNone/>
-        <a:defRPr sz="1400" b="0" i="0" u="none" strike="noStrike" cap="none">
+        <a:defRPr b="0" i="0" sz="1400" u="none" cap="none" strike="noStrike">
           <a:solidFill>
             <a:srgbClr val="000000"/>
           </a:solidFill>
@@ -5880,7 +5481,7 @@
           <a:sym typeface="Arial"/>
         </a:defRPr>
       </a:lvl3pPr>
-      <a:lvl4pPr marR="0" lvl="3" algn="l" rtl="0">
+      <a:lvl4pPr lvl="3" marR="0" rtl="0" algn="l">
         <a:lnSpc>
           <a:spcPct val="100000"/>
         </a:lnSpc>
@@ -5891,7 +5492,7 @@
           <a:spcPts val="0"/>
         </a:spcAft>
         <a:buNone/>
-        <a:defRPr sz="1400" b="0" i="0" u="none" strike="noStrike" cap="none">
+        <a:defRPr b="0" i="0" sz="1400" u="none" cap="none" strike="noStrike">
           <a:solidFill>
             <a:srgbClr val="000000"/>
           </a:solidFill>
@@ -5901,7 +5502,7 @@
           <a:sym typeface="Arial"/>
         </a:defRPr>
       </a:lvl4pPr>
-      <a:lvl5pPr marR="0" lvl="4" algn="l" rtl="0">
+      <a:lvl5pPr lvl="4" marR="0" rtl="0" algn="l">
         <a:lnSpc>
           <a:spcPct val="100000"/>
         </a:lnSpc>
@@ -5912,7 +5513,7 @@
           <a:spcPts val="0"/>
         </a:spcAft>
         <a:buNone/>
-        <a:defRPr sz="1400" b="0" i="0" u="none" strike="noStrike" cap="none">
+        <a:defRPr b="0" i="0" sz="1400" u="none" cap="none" strike="noStrike">
           <a:solidFill>
             <a:srgbClr val="000000"/>
           </a:solidFill>
@@ -5922,7 +5523,7 @@
           <a:sym typeface="Arial"/>
         </a:defRPr>
       </a:lvl5pPr>
-      <a:lvl6pPr marR="0" lvl="5" algn="l" rtl="0">
+      <a:lvl6pPr lvl="5" marR="0" rtl="0" algn="l">
         <a:lnSpc>
           <a:spcPct val="100000"/>
         </a:lnSpc>
@@ -5933,7 +5534,7 @@
           <a:spcPts val="0"/>
         </a:spcAft>
         <a:buNone/>
-        <a:defRPr sz="1400" b="0" i="0" u="none" strike="noStrike" cap="none">
+        <a:defRPr b="0" i="0" sz="1400" u="none" cap="none" strike="noStrike">
           <a:solidFill>
             <a:srgbClr val="000000"/>
           </a:solidFill>
@@ -5943,7 +5544,7 @@
           <a:sym typeface="Arial"/>
         </a:defRPr>
       </a:lvl6pPr>
-      <a:lvl7pPr marR="0" lvl="6" algn="l" rtl="0">
+      <a:lvl7pPr lvl="6" marR="0" rtl="0" algn="l">
         <a:lnSpc>
           <a:spcPct val="100000"/>
         </a:lnSpc>
@@ -5954,7 +5555,7 @@
           <a:spcPts val="0"/>
         </a:spcAft>
         <a:buNone/>
-        <a:defRPr sz="1400" b="0" i="0" u="none" strike="noStrike" cap="none">
+        <a:defRPr b="0" i="0" sz="1400" u="none" cap="none" strike="noStrike">
           <a:solidFill>
             <a:srgbClr val="000000"/>
           </a:solidFill>
@@ -5964,7 +5565,7 @@
           <a:sym typeface="Arial"/>
         </a:defRPr>
       </a:lvl7pPr>
-      <a:lvl8pPr marR="0" lvl="7" algn="l" rtl="0">
+      <a:lvl8pPr lvl="7" marR="0" rtl="0" algn="l">
         <a:lnSpc>
           <a:spcPct val="100000"/>
         </a:lnSpc>
@@ -5975,7 +5576,7 @@
           <a:spcPts val="0"/>
         </a:spcAft>
         <a:buNone/>
-        <a:defRPr sz="1400" b="0" i="0" u="none" strike="noStrike" cap="none">
+        <a:defRPr b="0" i="0" sz="1400" u="none" cap="none" strike="noStrike">
           <a:solidFill>
             <a:srgbClr val="000000"/>
           </a:solidFill>
@@ -5985,7 +5586,7 @@
           <a:sym typeface="Arial"/>
         </a:defRPr>
       </a:lvl8pPr>
-      <a:lvl9pPr marR="0" lvl="8" algn="l" rtl="0">
+      <a:lvl9pPr lvl="8" marR="0" rtl="0" algn="l">
         <a:lnSpc>
           <a:spcPct val="100000"/>
         </a:lnSpc>
@@ -5996,7 +5597,7 @@
           <a:spcPts val="0"/>
         </a:spcAft>
         <a:buNone/>
-        <a:defRPr sz="1400" b="0" i="0" u="none" strike="noStrike" cap="none">
+        <a:defRPr b="0" i="0" sz="1400" u="none" cap="none" strike="noStrike">
           <a:solidFill>
             <a:srgbClr val="000000"/>
           </a:solidFill>
@@ -6008,7 +5609,7 @@
       </a:lvl9pPr>
     </p:bodyStyle>
     <p:otherStyle>
-      <a:defPPr marR="0" lvl="0" algn="l" rtl="0">
+      <a:defPPr lvl="0" marR="0" rtl="0" algn="l">
         <a:lnSpc>
           <a:spcPct val="100000"/>
         </a:lnSpc>
@@ -6019,7 +5620,7 @@
           <a:spcPts val="0"/>
         </a:spcAft>
       </a:defPPr>
-      <a:lvl1pPr marR="0" lvl="0" algn="l" rtl="0">
+      <a:lvl1pPr lvl="0" marR="0" rtl="0" algn="l">
         <a:lnSpc>
           <a:spcPct val="100000"/>
         </a:lnSpc>
@@ -6030,7 +5631,7 @@
           <a:spcPts val="0"/>
         </a:spcAft>
         <a:buNone/>
-        <a:defRPr sz="1400" b="0" i="0" u="none" strike="noStrike" cap="none">
+        <a:defRPr b="0" i="0" sz="1400" u="none" cap="none" strike="noStrike">
           <a:solidFill>
             <a:srgbClr val="000000"/>
           </a:solidFill>
@@ -6040,7 +5641,7 @@
           <a:sym typeface="Arial"/>
         </a:defRPr>
       </a:lvl1pPr>
-      <a:lvl2pPr marR="0" lvl="1" algn="l" rtl="0">
+      <a:lvl2pPr lvl="1" marR="0" rtl="0" algn="l">
         <a:lnSpc>
           <a:spcPct val="100000"/>
         </a:lnSpc>
@@ -6051,7 +5652,7 @@
           <a:spcPts val="0"/>
         </a:spcAft>
         <a:buNone/>
-        <a:defRPr sz="1400" b="0" i="0" u="none" strike="noStrike" cap="none">
+        <a:defRPr b="0" i="0" sz="1400" u="none" cap="none" strike="noStrike">
           <a:solidFill>
             <a:srgbClr val="000000"/>
           </a:solidFill>
@@ -6061,7 +5662,7 @@
           <a:sym typeface="Arial"/>
         </a:defRPr>
       </a:lvl2pPr>
-      <a:lvl3pPr marR="0" lvl="2" algn="l" rtl="0">
+      <a:lvl3pPr lvl="2" marR="0" rtl="0" algn="l">
         <a:lnSpc>
           <a:spcPct val="100000"/>
         </a:lnSpc>
@@ -6072,7 +5673,7 @@
           <a:spcPts val="0"/>
         </a:spcAft>
         <a:buNone/>
-        <a:defRPr sz="1400" b="0" i="0" u="none" strike="noStrike" cap="none">
+        <a:defRPr b="0" i="0" sz="1400" u="none" cap="none" strike="noStrike">
           <a:solidFill>
             <a:srgbClr val="000000"/>
           </a:solidFill>
@@ -6082,7 +5683,7 @@
           <a:sym typeface="Arial"/>
         </a:defRPr>
       </a:lvl3pPr>
-      <a:lvl4pPr marR="0" lvl="3" algn="l" rtl="0">
+      <a:lvl4pPr lvl="3" marR="0" rtl="0" algn="l">
         <a:lnSpc>
           <a:spcPct val="100000"/>
         </a:lnSpc>
@@ -6093,7 +5694,7 @@
           <a:spcPts val="0"/>
         </a:spcAft>
         <a:buNone/>
-        <a:defRPr sz="1400" b="0" i="0" u="none" strike="noStrike" cap="none">
+        <a:defRPr b="0" i="0" sz="1400" u="none" cap="none" strike="noStrike">
           <a:solidFill>
             <a:srgbClr val="000000"/>
           </a:solidFill>
@@ -6103,7 +5704,7 @@
           <a:sym typeface="Arial"/>
         </a:defRPr>
       </a:lvl4pPr>
-      <a:lvl5pPr marR="0" lvl="4" algn="l" rtl="0">
+      <a:lvl5pPr lvl="4" marR="0" rtl="0" algn="l">
         <a:lnSpc>
           <a:spcPct val="100000"/>
         </a:lnSpc>
@@ -6114,7 +5715,7 @@
           <a:spcPts val="0"/>
         </a:spcAft>
         <a:buNone/>
-        <a:defRPr sz="1400" b="0" i="0" u="none" strike="noStrike" cap="none">
+        <a:defRPr b="0" i="0" sz="1400" u="none" cap="none" strike="noStrike">
           <a:solidFill>
             <a:srgbClr val="000000"/>
           </a:solidFill>
@@ -6124,7 +5725,7 @@
           <a:sym typeface="Arial"/>
         </a:defRPr>
       </a:lvl5pPr>
-      <a:lvl6pPr marR="0" lvl="5" algn="l" rtl="0">
+      <a:lvl6pPr lvl="5" marR="0" rtl="0" algn="l">
         <a:lnSpc>
           <a:spcPct val="100000"/>
         </a:lnSpc>
@@ -6135,7 +5736,7 @@
           <a:spcPts val="0"/>
         </a:spcAft>
         <a:buNone/>
-        <a:defRPr sz="1400" b="0" i="0" u="none" strike="noStrike" cap="none">
+        <a:defRPr b="0" i="0" sz="1400" u="none" cap="none" strike="noStrike">
           <a:solidFill>
             <a:srgbClr val="000000"/>
           </a:solidFill>
@@ -6145,7 +5746,7 @@
           <a:sym typeface="Arial"/>
         </a:defRPr>
       </a:lvl6pPr>
-      <a:lvl7pPr marR="0" lvl="6" algn="l" rtl="0">
+      <a:lvl7pPr lvl="6" marR="0" rtl="0" algn="l">
         <a:lnSpc>
           <a:spcPct val="100000"/>
         </a:lnSpc>
@@ -6156,7 +5757,7 @@
           <a:spcPts val="0"/>
         </a:spcAft>
         <a:buNone/>
-        <a:defRPr sz="1400" b="0" i="0" u="none" strike="noStrike" cap="none">
+        <a:defRPr b="0" i="0" sz="1400" u="none" cap="none" strike="noStrike">
           <a:solidFill>
             <a:srgbClr val="000000"/>
           </a:solidFill>
@@ -6166,7 +5767,7 @@
           <a:sym typeface="Arial"/>
         </a:defRPr>
       </a:lvl7pPr>
-      <a:lvl8pPr marR="0" lvl="7" algn="l" rtl="0">
+      <a:lvl8pPr lvl="7" marR="0" rtl="0" algn="l">
         <a:lnSpc>
           <a:spcPct val="100000"/>
         </a:lnSpc>
@@ -6177,7 +5778,7 @@
           <a:spcPts val="0"/>
         </a:spcAft>
         <a:buNone/>
-        <a:defRPr sz="1400" b="0" i="0" u="none" strike="noStrike" cap="none">
+        <a:defRPr b="0" i="0" sz="1400" u="none" cap="none" strike="noStrike">
           <a:solidFill>
             <a:srgbClr val="000000"/>
           </a:solidFill>
@@ -6187,7 +5788,7 @@
           <a:sym typeface="Arial"/>
         </a:defRPr>
       </a:lvl8pPr>
-      <a:lvl9pPr marR="0" lvl="8" algn="l" rtl="0">
+      <a:lvl9pPr lvl="8" marR="0" rtl="0" algn="l">
         <a:lnSpc>
           <a:spcPct val="100000"/>
         </a:lnSpc>
@@ -6198,7 +5799,7 @@
           <a:spcPts val="0"/>
         </a:spcAft>
         <a:buNone/>
-        <a:defRPr sz="1400" b="0" i="0" u="none" strike="noStrike" cap="none">
+        <a:defRPr b="0" i="0" sz="1400" u="none" cap="none" strike="noStrike">
           <a:solidFill>
             <a:srgbClr val="000000"/>
           </a:solidFill>
@@ -6214,11 +5815,11 @@
 </file>
 
 <file path=ppt/slides/slide1.xml><?xml version="1.0" encoding="utf-8"?>
-<p:sld xmlns:a="http://schemas.openxmlformats.org/drawingml/2006/main" xmlns:r="http://schemas.openxmlformats.org/officeDocument/2006/relationships" xmlns:p="http://schemas.openxmlformats.org/presentationml/2006/main">
+<p:sld xmlns:a="http://schemas.openxmlformats.org/drawingml/2006/main" xmlns:r="http://schemas.openxmlformats.org/officeDocument/2006/relationships" xmlns:mc="http://schemas.openxmlformats.org/markup-compatibility/2006" xmlns:mv="urn:schemas-microsoft-com:mac:vml" xmlns:p="http://schemas.openxmlformats.org/presentationml/2006/main" xmlns:c="http://schemas.openxmlformats.org/drawingml/2006/chart" xmlns:dgm="http://schemas.openxmlformats.org/drawingml/2006/diagram" xmlns:o="urn:schemas-microsoft-com:office:office" xmlns:v="urn:schemas-microsoft-com:vml" xmlns:pvml="urn:schemas-microsoft-com:office:powerpoint" xmlns:com="http://schemas.openxmlformats.org/drawingml/2006/compatibility" xmlns:p14="http://schemas.microsoft.com/office/powerpoint/2010/main">
   <p:cSld>
     <p:spTree>
       <p:nvGrpSpPr>
-        <p:cNvPr id="1" name="Shape 65"/>
+        <p:cNvPr id="65" name="Shape 65"/>
         <p:cNvGrpSpPr/>
         <p:nvPr/>
       </p:nvGrpSpPr>
@@ -6233,9 +5834,7 @@
       <p:sp>
         <p:nvSpPr>
           <p:cNvPr id="66" name="Shape 66"/>
-          <p:cNvSpPr txBox="1">
-            <a:spLocks noGrp="1"/>
-          </p:cNvSpPr>
+          <p:cNvSpPr txBox="1"/>
           <p:nvPr>
             <p:ph type="ctrTitle"/>
           </p:nvPr>
@@ -6250,7 +5849,7 @@
           </a:prstGeom>
         </p:spPr>
         <p:txBody>
-          <a:bodyPr lIns="91425" tIns="91425" rIns="91425" bIns="91425" anchor="b" anchorCtr="0">
+          <a:bodyPr anchorCtr="0" anchor="b" bIns="91425" lIns="91425" rIns="91425" tIns="91425">
             <a:noAutofit/>
           </a:bodyPr>
           <a:lstStyle/>
@@ -6271,11 +5870,9 @@
       <p:sp>
         <p:nvSpPr>
           <p:cNvPr id="67" name="Shape 67"/>
-          <p:cNvSpPr txBox="1">
-            <a:spLocks noGrp="1"/>
-          </p:cNvSpPr>
+          <p:cNvSpPr txBox="1"/>
           <p:nvPr>
-            <p:ph type="subTitle" idx="1"/>
+            <p:ph idx="1" type="subTitle"/>
           </p:nvPr>
         </p:nvSpPr>
         <p:spPr>
@@ -6288,7 +5885,7 @@
           </a:prstGeom>
         </p:spPr>
         <p:txBody>
-          <a:bodyPr lIns="91425" tIns="91425" rIns="91425" bIns="91425" anchor="t" anchorCtr="0">
+          <a:bodyPr anchorCtr="0" anchor="t" bIns="91425" lIns="91425" rIns="91425" tIns="91425">
             <a:noAutofit/>
           </a:bodyPr>
           <a:lstStyle/>
@@ -6315,11 +5912,11 @@
 </file>
 
 <file path=ppt/slides/slide10.xml><?xml version="1.0" encoding="utf-8"?>
-<p:sld xmlns:a="http://schemas.openxmlformats.org/drawingml/2006/main" xmlns:r="http://schemas.openxmlformats.org/officeDocument/2006/relationships" xmlns:p="http://schemas.openxmlformats.org/presentationml/2006/main">
+<p:sld xmlns:a="http://schemas.openxmlformats.org/drawingml/2006/main" xmlns:r="http://schemas.openxmlformats.org/officeDocument/2006/relationships" xmlns:mc="http://schemas.openxmlformats.org/markup-compatibility/2006" xmlns:mv="urn:schemas-microsoft-com:mac:vml" xmlns:p="http://schemas.openxmlformats.org/presentationml/2006/main" xmlns:c="http://schemas.openxmlformats.org/drawingml/2006/chart" xmlns:dgm="http://schemas.openxmlformats.org/drawingml/2006/diagram" xmlns:o="urn:schemas-microsoft-com:office:office" xmlns:v="urn:schemas-microsoft-com:vml" xmlns:pvml="urn:schemas-microsoft-com:office:powerpoint" xmlns:com="http://schemas.openxmlformats.org/drawingml/2006/compatibility" xmlns:p14="http://schemas.microsoft.com/office/powerpoint/2010/main">
   <p:cSld>
     <p:spTree>
       <p:nvGrpSpPr>
-        <p:cNvPr id="1" name="Shape 128"/>
+        <p:cNvPr id="128" name="Shape 128"/>
         <p:cNvGrpSpPr/>
         <p:nvPr/>
       </p:nvGrpSpPr>
@@ -6334,9 +5931,7 @@
       <p:sp>
         <p:nvSpPr>
           <p:cNvPr id="129" name="Shape 129"/>
-          <p:cNvSpPr txBox="1">
-            <a:spLocks noGrp="1"/>
-          </p:cNvSpPr>
+          <p:cNvSpPr txBox="1"/>
           <p:nvPr>
             <p:ph type="title"/>
           </p:nvPr>
@@ -6351,7 +5946,7 @@
           </a:prstGeom>
         </p:spPr>
         <p:txBody>
-          <a:bodyPr lIns="91425" tIns="91425" rIns="91425" bIns="91425" anchor="ctr" anchorCtr="0">
+          <a:bodyPr anchorCtr="0" anchor="ctr" bIns="91425" lIns="91425" rIns="91425" tIns="91425">
             <a:noAutofit/>
           </a:bodyPr>
           <a:lstStyle/>
@@ -6372,11 +5967,9 @@
       <p:sp>
         <p:nvSpPr>
           <p:cNvPr id="130" name="Shape 130"/>
-          <p:cNvSpPr txBox="1">
-            <a:spLocks noGrp="1"/>
-          </p:cNvSpPr>
+          <p:cNvSpPr txBox="1"/>
           <p:nvPr>
-            <p:ph type="body" idx="4294967295"/>
+            <p:ph idx="4294967295" type="body"/>
           </p:nvPr>
         </p:nvSpPr>
         <p:spPr>
@@ -6389,7 +5982,7 @@
           </a:prstGeom>
         </p:spPr>
         <p:txBody>
-          <a:bodyPr lIns="91425" tIns="91425" rIns="91425" bIns="91425" anchor="ctr" anchorCtr="0">
+          <a:bodyPr anchorCtr="0" anchor="ctr" bIns="91425" lIns="91425" rIns="91425" tIns="91425">
             <a:noAutofit/>
           </a:bodyPr>
           <a:lstStyle/>
@@ -6420,11 +6013,11 @@
 </file>
 
 <file path=ppt/slides/slide11.xml><?xml version="1.0" encoding="utf-8"?>
-<p:sld xmlns:a="http://schemas.openxmlformats.org/drawingml/2006/main" xmlns:r="http://schemas.openxmlformats.org/officeDocument/2006/relationships" xmlns:p="http://schemas.openxmlformats.org/presentationml/2006/main">
+<p:sld xmlns:a="http://schemas.openxmlformats.org/drawingml/2006/main" xmlns:r="http://schemas.openxmlformats.org/officeDocument/2006/relationships" xmlns:mc="http://schemas.openxmlformats.org/markup-compatibility/2006" xmlns:mv="urn:schemas-microsoft-com:mac:vml" xmlns:p="http://schemas.openxmlformats.org/presentationml/2006/main" xmlns:c="http://schemas.openxmlformats.org/drawingml/2006/chart" xmlns:dgm="http://schemas.openxmlformats.org/drawingml/2006/diagram" xmlns:o="urn:schemas-microsoft-com:office:office" xmlns:v="urn:schemas-microsoft-com:vml" xmlns:pvml="urn:schemas-microsoft-com:office:powerpoint" xmlns:com="http://schemas.openxmlformats.org/drawingml/2006/compatibility" xmlns:p14="http://schemas.microsoft.com/office/powerpoint/2010/main">
   <p:cSld>
     <p:spTree>
       <p:nvGrpSpPr>
-        <p:cNvPr id="1" name="Shape 134"/>
+        <p:cNvPr id="134" name="Shape 134"/>
         <p:cNvGrpSpPr/>
         <p:nvPr/>
       </p:nvGrpSpPr>
@@ -6439,9 +6032,7 @@
       <p:sp>
         <p:nvSpPr>
           <p:cNvPr id="135" name="Shape 135"/>
-          <p:cNvSpPr txBox="1">
-            <a:spLocks noGrp="1"/>
-          </p:cNvSpPr>
+          <p:cNvSpPr txBox="1"/>
           <p:nvPr>
             <p:ph type="title"/>
           </p:nvPr>
@@ -6456,7 +6047,7 @@
           </a:prstGeom>
         </p:spPr>
         <p:txBody>
-          <a:bodyPr lIns="91425" tIns="91425" rIns="91425" bIns="91425" anchor="t" anchorCtr="0">
+          <a:bodyPr anchorCtr="0" anchor="t" bIns="91425" lIns="91425" rIns="91425" tIns="91425">
             <a:noAutofit/>
           </a:bodyPr>
           <a:lstStyle/>
@@ -6477,11 +6068,9 @@
       <p:sp>
         <p:nvSpPr>
           <p:cNvPr id="136" name="Shape 136"/>
-          <p:cNvSpPr txBox="1">
-            <a:spLocks noGrp="1"/>
-          </p:cNvSpPr>
+          <p:cNvSpPr txBox="1"/>
           <p:nvPr>
-            <p:ph type="body" idx="1"/>
+            <p:ph idx="1" type="body"/>
           </p:nvPr>
         </p:nvSpPr>
         <p:spPr>
@@ -6494,12 +6083,12 @@
           </a:prstGeom>
         </p:spPr>
         <p:txBody>
-          <a:bodyPr lIns="91425" tIns="91425" rIns="91425" bIns="91425" anchor="t" anchorCtr="0">
+          <a:bodyPr anchorCtr="0" anchor="t" bIns="91425" lIns="91425" rIns="91425" tIns="91425">
             <a:noAutofit/>
           </a:bodyPr>
           <a:lstStyle/>
           <a:p>
-            <a:pPr marL="457200" lvl="0" indent="-228600">
+            <a:pPr indent="-228600" lvl="0" marL="457200">
               <a:spcBef>
                 <a:spcPts val="0"/>
               </a:spcBef>
@@ -6513,7 +6102,7 @@
             </a:r>
           </a:p>
           <a:p>
-            <a:pPr marL="457200" lvl="0" indent="-228600">
+            <a:pPr indent="-228600" lvl="0" marL="457200">
               <a:spcBef>
                 <a:spcPts val="0"/>
               </a:spcBef>
@@ -6523,11 +6112,15 @@
             </a:pPr>
             <a:r>
               <a:rPr lang="en"/>
-              <a:t>Is a syntax for storing and exchanging data</a:t>
-            </a:r>
-          </a:p>
-          <a:p>
-            <a:pPr marL="457200" lvl="0" indent="-228600">
+              <a:t>I</a:t>
+            </a:r>
+            <a:r>
+              <a:rPr lang="en"/>
+              <a:t>s a syntax for storing and exchanging data</a:t>
+            </a:r>
+          </a:p>
+          <a:p>
+            <a:pPr indent="-228600" lvl="0" marL="457200">
               <a:spcBef>
                 <a:spcPts val="0"/>
               </a:spcBef>
@@ -6541,7 +6134,7 @@
             </a:r>
           </a:p>
           <a:p>
-            <a:pPr marL="914400" lvl="1" indent="-317500" rtl="0">
+            <a:pPr indent="-317500" lvl="1" marL="914400" rtl="0">
               <a:spcBef>
                 <a:spcPts val="0"/>
               </a:spcBef>
@@ -6560,7 +6153,7 @@
             </a:r>
           </a:p>
           <a:p>
-            <a:pPr marL="914400" lvl="1" indent="-317500" rtl="0">
+            <a:pPr indent="-317500" lvl="1" marL="914400" rtl="0">
               <a:spcBef>
                 <a:spcPts val="0"/>
               </a:spcBef>
@@ -6579,7 +6172,7 @@
             </a:r>
           </a:p>
           <a:p>
-            <a:pPr marL="914400" lvl="1" indent="-317500" rtl="0">
+            <a:pPr indent="-317500" lvl="1" marL="914400" rtl="0">
               <a:spcBef>
                 <a:spcPts val="0"/>
               </a:spcBef>
@@ -6598,7 +6191,7 @@
             </a:r>
           </a:p>
           <a:p>
-            <a:pPr marL="914400" lvl="1" indent="-317500" rtl="0">
+            <a:pPr indent="-317500" lvl="1" marL="914400" rtl="0">
               <a:spcBef>
                 <a:spcPts val="0"/>
               </a:spcBef>
@@ -6627,11 +6220,11 @@
 </file>
 
 <file path=ppt/slides/slide12.xml><?xml version="1.0" encoding="utf-8"?>
-<p:sld xmlns:a="http://schemas.openxmlformats.org/drawingml/2006/main" xmlns:r="http://schemas.openxmlformats.org/officeDocument/2006/relationships" xmlns:p="http://schemas.openxmlformats.org/presentationml/2006/main">
+<p:sld xmlns:a="http://schemas.openxmlformats.org/drawingml/2006/main" xmlns:r="http://schemas.openxmlformats.org/officeDocument/2006/relationships" xmlns:mc="http://schemas.openxmlformats.org/markup-compatibility/2006" xmlns:mv="urn:schemas-microsoft-com:mac:vml" xmlns:p="http://schemas.openxmlformats.org/presentationml/2006/main" xmlns:c="http://schemas.openxmlformats.org/drawingml/2006/chart" xmlns:dgm="http://schemas.openxmlformats.org/drawingml/2006/diagram" xmlns:o="urn:schemas-microsoft-com:office:office" xmlns:v="urn:schemas-microsoft-com:vml" xmlns:pvml="urn:schemas-microsoft-com:office:powerpoint" xmlns:com="http://schemas.openxmlformats.org/drawingml/2006/compatibility" xmlns:p14="http://schemas.microsoft.com/office/powerpoint/2010/main">
   <p:cSld>
     <p:spTree>
       <p:nvGrpSpPr>
-        <p:cNvPr id="1" name="Shape 140"/>
+        <p:cNvPr id="140" name="Shape 140"/>
         <p:cNvGrpSpPr/>
         <p:nvPr/>
       </p:nvGrpSpPr>
@@ -6646,9 +6239,7 @@
       <p:sp>
         <p:nvSpPr>
           <p:cNvPr id="141" name="Shape 141"/>
-          <p:cNvSpPr txBox="1">
-            <a:spLocks noGrp="1"/>
-          </p:cNvSpPr>
+          <p:cNvSpPr txBox="1"/>
           <p:nvPr>
             <p:ph type="title"/>
           </p:nvPr>
@@ -6663,7 +6254,7 @@
           </a:prstGeom>
         </p:spPr>
         <p:txBody>
-          <a:bodyPr lIns="91425" tIns="91425" rIns="91425" bIns="91425" anchor="t" anchorCtr="0">
+          <a:bodyPr anchorCtr="0" anchor="t" bIns="91425" lIns="91425" rIns="91425" tIns="91425">
             <a:noAutofit/>
           </a:bodyPr>
           <a:lstStyle/>
@@ -6684,11 +6275,9 @@
       <p:sp>
         <p:nvSpPr>
           <p:cNvPr id="142" name="Shape 142"/>
-          <p:cNvSpPr txBox="1">
-            <a:spLocks noGrp="1"/>
-          </p:cNvSpPr>
+          <p:cNvSpPr txBox="1"/>
           <p:nvPr>
-            <p:ph type="body" idx="1"/>
+            <p:ph idx="1" type="body"/>
           </p:nvPr>
         </p:nvSpPr>
         <p:spPr>
@@ -6701,78 +6290,66 @@
           </a:prstGeom>
         </p:spPr>
         <p:txBody>
-          <a:bodyPr lIns="91425" tIns="91425" rIns="91425" bIns="91425" anchor="t" anchorCtr="0">
+          <a:bodyPr anchorCtr="0" anchor="t" bIns="91425" lIns="91425" rIns="91425" tIns="91425">
             <a:noAutofit/>
           </a:bodyPr>
           <a:lstStyle/>
           <a:p>
-            <a:pPr marL="457200" lvl="0" indent="-228600">
-              <a:lnSpc>
-                <a:spcPct val="100000"/>
-              </a:lnSpc>
+            <a:pPr indent="-228600" lvl="0" marL="457200">
               <a:spcBef>
                 <a:spcPts val="0"/>
               </a:spcBef>
               <a:buAutoNum type="arabicPeriod"/>
             </a:pPr>
             <a:r>
-              <a:rPr lang="en" dirty="0"/>
+              <a:rPr lang="en"/>
               <a:t>{“name”: “Jane Doe”}</a:t>
             </a:r>
           </a:p>
           <a:p>
-            <a:pPr marL="457200" lvl="0" indent="-228600">
-              <a:lnSpc>
-                <a:spcPct val="100000"/>
-              </a:lnSpc>
+            <a:pPr indent="-228600" lvl="0" marL="457200">
               <a:spcBef>
                 <a:spcPts val="0"/>
               </a:spcBef>
               <a:buAutoNum type="arabicPeriod"/>
             </a:pPr>
             <a:r>
-              <a:rPr lang="en" dirty="0"/>
+              <a:rPr lang="en"/>
               <a:t>{“name”: “Jane Doe”, “skills”: [“archery”, “ballet”]}</a:t>
             </a:r>
           </a:p>
           <a:p>
-            <a:pPr marL="457200" lvl="0" indent="-228600">
-              <a:lnSpc>
-                <a:spcPct val="100000"/>
-              </a:lnSpc>
+            <a:pPr indent="-228600" lvl="0" marL="457200">
               <a:spcBef>
                 <a:spcPts val="0"/>
               </a:spcBef>
               <a:buAutoNum type="arabicPeriod"/>
             </a:pPr>
             <a:r>
-              <a:rPr lang="en" dirty="0"/>
+              <a:rPr lang="en"/>
               <a:t>{“name”: “Jane Doe”, “skills”: [{“name”: “archery”}, {“name”: “ballet”}]}</a:t>
             </a:r>
           </a:p>
           <a:p>
             <a:pPr lvl="0">
-              <a:lnSpc>
-                <a:spcPct val="100000"/>
-              </a:lnSpc>
-              <a:spcBef>
-                <a:spcPts val="0"/>
-              </a:spcBef>
-              <a:buNone/>
-            </a:pPr>
-            <a:r>
-              <a:rPr lang="en" dirty="0"/>
+              <a:spcBef>
+                <a:spcPts val="0"/>
+              </a:spcBef>
+              <a:buNone/>
+            </a:pPr>
+            <a:r>
+              <a:rPr lang="en"/>
               <a:t>To construct, you can just write it as is:</a:t>
             </a:r>
             <a:br>
-              <a:rPr lang="en" dirty="0"/>
+              <a:rPr lang="en"/>
             </a:br>
             <a:r>
-              <a:rPr lang="en" sz="1400" dirty="0"/>
+              <a:rPr lang="en" sz="1400"/>
               <a:t>	</a:t>
             </a:r>
             <a:r>
-              <a:rPr lang="en" sz="1400" dirty="0">
+              <a:rPr lang="en" sz="1400">
                 <a:solidFill>
                   <a:srgbClr val="000000"/>
                 </a:solidFill>
@@ -6784,7 +6361,7 @@
               <a:t>var temp = {“name”: myName};</a:t>
             </a:r>
             <a:r>
-              <a:rPr lang="en" sz="1400" dirty="0">
+              <a:rPr lang="en" sz="1400">
                 <a:latin typeface="Source Code Pro"/>
                 <a:ea typeface="Source Code Pro"/>
                 <a:cs typeface="Source Code Pro"/>
@@ -6793,7 +6370,7 @@
               <a:t>	</a:t>
             </a:r>
             <a:r>
-              <a:rPr lang="en" sz="1400" dirty="0">
+              <a:rPr lang="en" sz="1400">
                 <a:solidFill>
                   <a:srgbClr val="999999"/>
                 </a:solidFill>
@@ -6804,8 +6381,8 @@
               </a:rPr>
               <a:t>// where myName is a variable</a:t>
             </a:r>
-            <a:r>
-              <a:rPr lang="en" dirty="0">
+            <a:br>
+              <a:rPr lang="en">
                 <a:solidFill>
                   <a:schemeClr val="lt2"/>
                 </a:solidFill>
@@ -6814,32 +6391,32 @@
                 <a:cs typeface="Source Code Pro"/>
                 <a:sym typeface="Source Code Pro"/>
               </a:rPr>
-              <a:t/>
+            </a:br>
+            <a:r>
+              <a:rPr lang="en"/>
+              <a:t>Or you can construct it by setting key/values:</a:t>
             </a:r>
             <a:br>
-              <a:rPr lang="en" dirty="0">
-                <a:solidFill>
-                  <a:schemeClr val="lt2"/>
+              <a:rPr lang="en"/>
+            </a:br>
+            <a:r>
+              <a:rPr lang="en" sz="1400"/>
+              <a:t>	</a:t>
+            </a:r>
+            <a:r>
+              <a:rPr lang="en" sz="1400">
+                <a:solidFill>
+                  <a:srgbClr val="000000"/>
                 </a:solidFill>
                 <a:latin typeface="Source Code Pro"/>
                 <a:ea typeface="Source Code Pro"/>
                 <a:cs typeface="Source Code Pro"/>
                 <a:sym typeface="Source Code Pro"/>
               </a:rPr>
-            </a:br>
-            <a:r>
-              <a:rPr lang="en" dirty="0"/>
-              <a:t>Or you can construct it by setting key/values:</a:t>
+              <a:t>var temp = {};</a:t>
             </a:r>
             <a:br>
-              <a:rPr lang="en" dirty="0"/>
-            </a:br>
-            <a:r>
-              <a:rPr lang="en" sz="1400" dirty="0"/>
-              <a:t>	</a:t>
-            </a:r>
-            <a:r>
-              <a:rPr lang="en" sz="1400" dirty="0">
+              <a:rPr lang="en" sz="1400">
                 <a:solidFill>
                   <a:srgbClr val="000000"/>
                 </a:solidFill>
@@ -6848,10 +6425,9 @@
                 <a:cs typeface="Source Code Pro"/>
                 <a:sym typeface="Source Code Pro"/>
               </a:rPr>
-              <a:t>var temp = {};</a:t>
-            </a:r>
-            <a:br>
-              <a:rPr lang="en" sz="1400" dirty="0">
+            </a:br>
+            <a:r>
+              <a:rPr lang="en" sz="1400">
                 <a:solidFill>
                   <a:srgbClr val="000000"/>
                 </a:solidFill>
@@ -6860,53 +6436,39 @@
                 <a:cs typeface="Source Code Pro"/>
                 <a:sym typeface="Source Code Pro"/>
               </a:rPr>
-            </a:br>
-            <a:r>
-              <a:rPr lang="en" sz="1400" dirty="0">
-                <a:solidFill>
-                  <a:srgbClr val="000000"/>
-                </a:solidFill>
+              <a:t>	temp[“name”] = myName;</a:t>
+            </a:r>
+            <a:r>
+              <a:rPr lang="en" sz="1400">
                 <a:latin typeface="Source Code Pro"/>
                 <a:ea typeface="Source Code Pro"/>
                 <a:cs typeface="Source Code Pro"/>
                 <a:sym typeface="Source Code Pro"/>
               </a:rPr>
-              <a:t>	temp[“name”] = myName;</a:t>
-            </a:r>
-            <a:r>
-              <a:rPr lang="en" sz="1400" dirty="0">
+              <a:t>		</a:t>
+            </a:r>
+            <a:r>
+              <a:rPr lang="en" sz="1400">
+                <a:solidFill>
+                  <a:srgbClr val="999999"/>
+                </a:solidFill>
                 <a:latin typeface="Source Code Pro"/>
                 <a:ea typeface="Source Code Pro"/>
                 <a:cs typeface="Source Code Pro"/>
                 <a:sym typeface="Source Code Pro"/>
               </a:rPr>
-              <a:t>		</a:t>
-            </a:r>
-            <a:r>
-              <a:rPr lang="en" sz="1400" dirty="0">
-                <a:solidFill>
-                  <a:srgbClr val="999999"/>
-                </a:solidFill>
-                <a:latin typeface="Source Code Pro"/>
-                <a:ea typeface="Source Code Pro"/>
-                <a:cs typeface="Source Code Pro"/>
-                <a:sym typeface="Source Code Pro"/>
-              </a:rPr>
               <a:t>// where myName is a variable</a:t>
             </a:r>
           </a:p>
           <a:p>
             <a:pPr lvl="0">
-              <a:lnSpc>
-                <a:spcPct val="100000"/>
-              </a:lnSpc>
-              <a:spcBef>
-                <a:spcPts val="0"/>
-              </a:spcBef>
-              <a:buNone/>
-            </a:pPr>
-            <a:r>
-              <a:rPr lang="en" dirty="0"/>
+              <a:spcBef>
+                <a:spcPts val="0"/>
+              </a:spcBef>
+              <a:buNone/>
+            </a:pPr>
+            <a:r>
+              <a:rPr lang="en"/>
               <a:t>You can nest { } and [ ] as many times as you like! ...Although it’s not a great idea to do it too many times</a:t>
             </a:r>
           </a:p>
@@ -6921,11 +6483,11 @@
 </file>
 
 <file path=ppt/slides/slide13.xml><?xml version="1.0" encoding="utf-8"?>
-<p:sld xmlns:a="http://schemas.openxmlformats.org/drawingml/2006/main" xmlns:r="http://schemas.openxmlformats.org/officeDocument/2006/relationships" xmlns:p="http://schemas.openxmlformats.org/presentationml/2006/main">
+<p:sld xmlns:a="http://schemas.openxmlformats.org/drawingml/2006/main" xmlns:r="http://schemas.openxmlformats.org/officeDocument/2006/relationships" xmlns:mc="http://schemas.openxmlformats.org/markup-compatibility/2006" xmlns:mv="urn:schemas-microsoft-com:mac:vml" xmlns:p="http://schemas.openxmlformats.org/presentationml/2006/main" xmlns:c="http://schemas.openxmlformats.org/drawingml/2006/chart" xmlns:dgm="http://schemas.openxmlformats.org/drawingml/2006/diagram" xmlns:o="urn:schemas-microsoft-com:office:office" xmlns:v="urn:schemas-microsoft-com:vml" xmlns:pvml="urn:schemas-microsoft-com:office:powerpoint" xmlns:com="http://schemas.openxmlformats.org/drawingml/2006/compatibility" xmlns:p14="http://schemas.microsoft.com/office/powerpoint/2010/main">
   <p:cSld>
     <p:spTree>
       <p:nvGrpSpPr>
-        <p:cNvPr id="1" name="Shape 146"/>
+        <p:cNvPr id="146" name="Shape 146"/>
         <p:cNvGrpSpPr/>
         <p:nvPr/>
       </p:nvGrpSpPr>
@@ -6940,9 +6502,7 @@
       <p:sp>
         <p:nvSpPr>
           <p:cNvPr id="147" name="Shape 147"/>
-          <p:cNvSpPr txBox="1">
-            <a:spLocks noGrp="1"/>
-          </p:cNvSpPr>
+          <p:cNvSpPr txBox="1"/>
           <p:nvPr>
             <p:ph type="title"/>
           </p:nvPr>
@@ -6957,7 +6517,7 @@
           </a:prstGeom>
         </p:spPr>
         <p:txBody>
-          <a:bodyPr lIns="91425" tIns="91425" rIns="91425" bIns="91425" anchor="t" anchorCtr="0">
+          <a:bodyPr anchorCtr="0" anchor="t" bIns="91425" lIns="91425" rIns="91425" tIns="91425">
             <a:noAutofit/>
           </a:bodyPr>
           <a:lstStyle/>
@@ -6970,7 +6530,7 @@
             </a:pPr>
             <a:r>
               <a:rPr lang="en"/>
-              <a:t>Working with JSON</a:t>
+              <a:t>Pop quiz</a:t>
             </a:r>
           </a:p>
         </p:txBody>
@@ -6978,11 +6538,9 @@
       <p:sp>
         <p:nvSpPr>
           <p:cNvPr id="148" name="Shape 148"/>
-          <p:cNvSpPr txBox="1">
-            <a:spLocks noGrp="1"/>
-          </p:cNvSpPr>
+          <p:cNvSpPr txBox="1"/>
           <p:nvPr>
-            <p:ph type="body" idx="1"/>
+            <p:ph idx="1" type="body"/>
           </p:nvPr>
         </p:nvSpPr>
         <p:spPr>
@@ -6995,286 +6553,224 @@
           </a:prstGeom>
         </p:spPr>
         <p:txBody>
-          <a:bodyPr lIns="91425" tIns="91425" rIns="91425" bIns="91425" anchor="t" anchorCtr="0">
+          <a:bodyPr anchorCtr="0" anchor="t" bIns="91425" lIns="91425" rIns="91425" tIns="91425">
             <a:noAutofit/>
           </a:bodyPr>
           <a:lstStyle/>
           <a:p>
             <a:pPr lvl="0">
-              <a:lnSpc>
-                <a:spcPct val="150000"/>
-              </a:lnSpc>
-              <a:spcBef>
-                <a:spcPts val="0"/>
-              </a:spcBef>
-              <a:spcAft>
-                <a:spcPts val="0"/>
-              </a:spcAft>
-              <a:buNone/>
-            </a:pPr>
-            <a:r>
-              <a:rPr lang="en" sz="1400" dirty="0">
+              <a:spcBef>
+                <a:spcPts val="0"/>
+              </a:spcBef>
+              <a:buNone/>
+            </a:pPr>
+            <a:r>
+              <a:rPr lang="en"/>
+              <a:t>Who can tell me what console.log will print out?</a:t>
+            </a:r>
+          </a:p>
+          <a:p>
+            <a:pPr lvl="0" rtl="0">
+              <a:spcBef>
+                <a:spcPts val="0"/>
+              </a:spcBef>
+              <a:buNone/>
+            </a:pPr>
+            <a:r>
+              <a:rPr lang="en" sz="1400">
                 <a:solidFill>
                   <a:srgbClr val="000000"/>
                 </a:solidFill>
-              </a:rPr>
-              <a:t>var data = {“name”: “Jane Doe”, “skills”: [{“name”: “archery”}, {“name”: “ballet”}]}</a:t>
-            </a:r>
-          </a:p>
-          <a:p>
-            <a:pPr lvl="0">
-              <a:lnSpc>
-                <a:spcPct val="150000"/>
-              </a:lnSpc>
-              <a:spcBef>
-                <a:spcPts val="0"/>
-              </a:spcBef>
-              <a:spcAft>
-                <a:spcPts val="0"/>
-              </a:spcAft>
-              <a:buNone/>
-            </a:pPr>
-            <a:r>
-              <a:rPr lang="en" sz="1400" dirty="0">
+                <a:latin typeface="Source Code Pro"/>
+                <a:ea typeface="Source Code Pro"/>
+                <a:cs typeface="Source Code Pro"/>
+                <a:sym typeface="Source Code Pro"/>
+              </a:rPr>
+              <a:t>var data = {</a:t>
+            </a:r>
+            <a:br>
+              <a:rPr lang="en" sz="1400">
                 <a:solidFill>
                   <a:srgbClr val="000000"/>
                 </a:solidFill>
-              </a:rPr>
-              <a:t>console.log(data[“name”]); 		</a:t>
-            </a:r>
-            <a:r>
-              <a:rPr lang="en" sz="1400" dirty="0" smtClean="0">
-                <a:solidFill>
-                  <a:srgbClr val="999999"/>
-                </a:solidFill>
-              </a:rPr>
-              <a:t>// </a:t>
-            </a:r>
-            <a:r>
-              <a:rPr lang="en" sz="1400" dirty="0">
-                <a:solidFill>
-                  <a:srgbClr val="999999"/>
-                </a:solidFill>
-              </a:rPr>
-              <a:t>Jane Doe</a:t>
-            </a:r>
-          </a:p>
-          <a:p>
-            <a:pPr lvl="0">
-              <a:lnSpc>
-                <a:spcPct val="150000"/>
-              </a:lnSpc>
-              <a:spcBef>
-                <a:spcPts val="0"/>
-              </a:spcBef>
-              <a:spcAft>
-                <a:spcPts val="0"/>
-              </a:spcAft>
-              <a:buNone/>
-            </a:pPr>
-            <a:r>
-              <a:rPr lang="en" sz="1400" dirty="0">
+                <a:latin typeface="Source Code Pro"/>
+                <a:ea typeface="Source Code Pro"/>
+                <a:cs typeface="Source Code Pro"/>
+                <a:sym typeface="Source Code Pro"/>
+              </a:rPr>
+            </a:br>
+            <a:r>
+              <a:rPr lang="en" sz="1400">
                 <a:solidFill>
                   <a:srgbClr val="000000"/>
                 </a:solidFill>
-              </a:rPr>
-              <a:t>console.log(data.name);     		</a:t>
-            </a:r>
-            <a:r>
-              <a:rPr lang="en" sz="1400" dirty="0" smtClean="0">
-                <a:solidFill>
-                  <a:srgbClr val="999999"/>
-                </a:solidFill>
-              </a:rPr>
-              <a:t>// </a:t>
-            </a:r>
-            <a:r>
-              <a:rPr lang="en" sz="1400" dirty="0">
-                <a:solidFill>
-                  <a:srgbClr val="999999"/>
-                </a:solidFill>
-              </a:rPr>
-              <a:t>Jane Doe</a:t>
-            </a:r>
-          </a:p>
-          <a:p>
-            <a:pPr lvl="0">
-              <a:lnSpc>
-                <a:spcPct val="150000"/>
-              </a:lnSpc>
-              <a:spcBef>
-                <a:spcPts val="0"/>
-              </a:spcBef>
-              <a:spcAft>
-                <a:spcPts val="0"/>
-              </a:spcAft>
-              <a:buNone/>
-            </a:pPr>
-            <a:r>
-              <a:rPr lang="en" sz="1400" dirty="0">
+                <a:latin typeface="Source Code Pro"/>
+                <a:ea typeface="Source Code Pro"/>
+                <a:cs typeface="Source Code Pro"/>
+                <a:sym typeface="Source Code Pro"/>
+              </a:rPr>
+              <a:t>	“order”: “ice cream”, </a:t>
+            </a:r>
+            <a:br>
+              <a:rPr lang="en" sz="1400">
                 <a:solidFill>
                   <a:srgbClr val="000000"/>
                 </a:solidFill>
-              </a:rPr>
-              <a:t>console.log(data[“skills”]);		</a:t>
-            </a:r>
-            <a:r>
-              <a:rPr lang="en" sz="1400" dirty="0" smtClean="0">
-                <a:solidFill>
-                  <a:srgbClr val="999999"/>
-                </a:solidFill>
-              </a:rPr>
-              <a:t>// </a:t>
-            </a:r>
-            <a:r>
-              <a:rPr lang="en" sz="1400" dirty="0">
-                <a:solidFill>
-                  <a:srgbClr val="999999"/>
-                </a:solidFill>
-              </a:rPr>
-              <a:t>[{“name”: “archery”}, {“name”: “ballet”}]</a:t>
-            </a:r>
-          </a:p>
-          <a:p>
-            <a:pPr lvl="0">
-              <a:lnSpc>
-                <a:spcPct val="150000"/>
-              </a:lnSpc>
-              <a:spcBef>
-                <a:spcPts val="0"/>
-              </a:spcBef>
-              <a:spcAft>
-                <a:spcPts val="0"/>
-              </a:spcAft>
-              <a:buNone/>
-            </a:pPr>
-            <a:r>
-              <a:rPr lang="en" sz="1400" dirty="0">
+                <a:latin typeface="Source Code Pro"/>
+                <a:ea typeface="Source Code Pro"/>
+                <a:cs typeface="Source Code Pro"/>
+                <a:sym typeface="Source Code Pro"/>
+              </a:rPr>
+            </a:br>
+            <a:r>
+              <a:rPr lang="en" sz="1400">
                 <a:solidFill>
                   <a:srgbClr val="000000"/>
                 </a:solidFill>
-              </a:rPr>
-              <a:t>console.log(data[“skills”][0]);  		</a:t>
-            </a:r>
-            <a:r>
-              <a:rPr lang="en" sz="1400" dirty="0">
-                <a:solidFill>
-                  <a:srgbClr val="999999"/>
-                </a:solidFill>
-              </a:rPr>
-              <a:t>// {“name”: “archery”}</a:t>
-            </a:r>
-          </a:p>
-          <a:p>
-            <a:pPr lvl="0">
-              <a:lnSpc>
-                <a:spcPct val="150000"/>
-              </a:lnSpc>
-              <a:spcBef>
-                <a:spcPts val="0"/>
-              </a:spcBef>
-              <a:spcAft>
-                <a:spcPts val="0"/>
-              </a:spcAft>
-              <a:buNone/>
-            </a:pPr>
-            <a:r>
-              <a:rPr lang="en" sz="1400" dirty="0">
+                <a:latin typeface="Source Code Pro"/>
+                <a:ea typeface="Source Code Pro"/>
+                <a:cs typeface="Source Code Pro"/>
+                <a:sym typeface="Source Code Pro"/>
+              </a:rPr>
+              <a:t>    “toppings”: [“sprinkles”, “toffee bits”, “chocolate syrup”],</a:t>
+            </a:r>
+            <a:br>
+              <a:rPr lang="en" sz="1400">
                 <a:solidFill>
                   <a:srgbClr val="000000"/>
                 </a:solidFill>
-              </a:rPr>
-              <a:t>console.log(data[“skills”][0][“name”]);   	</a:t>
-            </a:r>
-            <a:r>
-              <a:rPr lang="en" sz="1400" dirty="0">
-                <a:solidFill>
-                  <a:srgbClr val="999999"/>
-                </a:solidFill>
-              </a:rPr>
-              <a:t>// archery</a:t>
-            </a:r>
-          </a:p>
-          <a:p>
-            <a:pPr lvl="0" rtl="0">
-              <a:lnSpc>
-                <a:spcPct val="150000"/>
-              </a:lnSpc>
-              <a:spcBef>
-                <a:spcPts val="0"/>
-              </a:spcBef>
-              <a:spcAft>
-                <a:spcPts val="0"/>
-              </a:spcAft>
-              <a:buNone/>
-            </a:pPr>
-            <a:r>
-              <a:rPr lang="en" sz="1400" dirty="0">
+                <a:latin typeface="Source Code Pro"/>
+                <a:ea typeface="Source Code Pro"/>
+                <a:cs typeface="Source Code Pro"/>
+                <a:sym typeface="Source Code Pro"/>
+              </a:rPr>
+            </a:br>
+            <a:r>
+              <a:rPr lang="en" sz="1400">
                 <a:solidFill>
                   <a:srgbClr val="000000"/>
                 </a:solidFill>
-              </a:rPr>
-              <a:t>console.log(data[“skills”][0][“name”]);   	</a:t>
-            </a:r>
-            <a:r>
-              <a:rPr lang="en" sz="1400" dirty="0">
-                <a:solidFill>
-                  <a:srgbClr val="999999"/>
-                </a:solidFill>
-              </a:rPr>
-              <a:t>// archery</a:t>
-            </a:r>
-          </a:p>
-          <a:p>
-            <a:pPr lvl="0" rtl="0">
-              <a:lnSpc>
-                <a:spcPct val="150000"/>
-              </a:lnSpc>
-              <a:spcBef>
-                <a:spcPts val="0"/>
-              </a:spcBef>
-              <a:spcAft>
-                <a:spcPts val="0"/>
-              </a:spcAft>
-              <a:buNone/>
-            </a:pPr>
-            <a:r>
-              <a:rPr lang="en" sz="1400" dirty="0">
+                <a:latin typeface="Source Code Pro"/>
+                <a:ea typeface="Source Code Pro"/>
+                <a:cs typeface="Source Code Pro"/>
+                <a:sym typeface="Source Code Pro"/>
+              </a:rPr>
+              <a:t>	“flavor”: {</a:t>
+            </a:r>
+            <a:br>
+              <a:rPr lang="en" sz="1400">
                 <a:solidFill>
                   <a:srgbClr val="000000"/>
                 </a:solidFill>
-              </a:rPr>
-              <a:t>data[“skills”][0][“name”] = “skiing”;</a:t>
-            </a:r>
-          </a:p>
-          <a:p>
-            <a:pPr lvl="0">
-              <a:lnSpc>
-                <a:spcPct val="150000"/>
-              </a:lnSpc>
-              <a:spcBef>
-                <a:spcPts val="0"/>
-              </a:spcBef>
-              <a:spcAft>
-                <a:spcPts val="0"/>
-              </a:spcAft>
-              <a:buNone/>
-            </a:pPr>
-            <a:r>
-              <a:rPr lang="en" sz="1400" dirty="0">
+                <a:latin typeface="Source Code Pro"/>
+                <a:ea typeface="Source Code Pro"/>
+                <a:cs typeface="Source Code Pro"/>
+                <a:sym typeface="Source Code Pro"/>
+              </a:rPr>
+            </a:br>
+            <a:r>
+              <a:rPr lang="en" sz="1400">
                 <a:solidFill>
                   <a:srgbClr val="000000"/>
                 </a:solidFill>
-              </a:rPr>
-              <a:t>console.log(data[“skills”][0][“name”]);	</a:t>
-            </a:r>
-            <a:r>
-              <a:rPr lang="en" sz="1400" dirty="0">
-                <a:solidFill>
-                  <a:srgbClr val="999999"/>
-                </a:solidFill>
-              </a:rPr>
-              <a:t>// skiing</a:t>
+                <a:latin typeface="Source Code Pro"/>
+                <a:ea typeface="Source Code Pro"/>
+                <a:cs typeface="Source Code Pro"/>
+                <a:sym typeface="Source Code Pro"/>
+              </a:rPr>
+              <a:t>		“name”: “matcha green tea”, </a:t>
+            </a:r>
+            <a:br>
+              <a:rPr lang="en" sz="1400">
+                <a:solidFill>
+                  <a:srgbClr val="000000"/>
+                </a:solidFill>
+                <a:latin typeface="Source Code Pro"/>
+                <a:ea typeface="Source Code Pro"/>
+                <a:cs typeface="Source Code Pro"/>
+                <a:sym typeface="Source Code Pro"/>
+              </a:rPr>
+            </a:br>
+            <a:r>
+              <a:rPr lang="en" sz="1400">
+                <a:solidFill>
+                  <a:srgbClr val="000000"/>
+                </a:solidFill>
+                <a:latin typeface="Source Code Pro"/>
+                <a:ea typeface="Source Code Pro"/>
+                <a:cs typeface="Source Code Pro"/>
+                <a:sym typeface="Source Code Pro"/>
+              </a:rPr>
+              <a:t>		“numScoops”: 1</a:t>
+            </a:r>
+            <a:br>
+              <a:rPr lang="en" sz="1400">
+                <a:solidFill>
+                  <a:srgbClr val="000000"/>
+                </a:solidFill>
+                <a:latin typeface="Source Code Pro"/>
+                <a:ea typeface="Source Code Pro"/>
+                <a:cs typeface="Source Code Pro"/>
+                <a:sym typeface="Source Code Pro"/>
+              </a:rPr>
+            </a:br>
+            <a:r>
+              <a:rPr lang="en" sz="1400">
+                <a:solidFill>
+                  <a:srgbClr val="000000"/>
+                </a:solidFill>
+                <a:latin typeface="Source Code Pro"/>
+                <a:ea typeface="Source Code Pro"/>
+                <a:cs typeface="Source Code Pro"/>
+                <a:sym typeface="Source Code Pro"/>
+              </a:rPr>
+              <a:t>	}</a:t>
+            </a:r>
+            <a:br>
+              <a:rPr lang="en" sz="1400">
+                <a:solidFill>
+                  <a:srgbClr val="000000"/>
+                </a:solidFill>
+                <a:latin typeface="Source Code Pro"/>
+                <a:ea typeface="Source Code Pro"/>
+                <a:cs typeface="Source Code Pro"/>
+                <a:sym typeface="Source Code Pro"/>
+              </a:rPr>
+            </a:br>
+            <a:r>
+              <a:rPr lang="en" sz="1400">
+                <a:solidFill>
+                  <a:srgbClr val="000000"/>
+                </a:solidFill>
+                <a:latin typeface="Source Code Pro"/>
+                <a:ea typeface="Source Code Pro"/>
+                <a:cs typeface="Source Code Pro"/>
+                <a:sym typeface="Source Code Pro"/>
+              </a:rPr>
+              <a:t>};</a:t>
+            </a:r>
+            <a:br>
+              <a:rPr lang="en" sz="1400">
+                <a:solidFill>
+                  <a:srgbClr val="000000"/>
+                </a:solidFill>
+                <a:latin typeface="Source Code Pro"/>
+                <a:ea typeface="Source Code Pro"/>
+                <a:cs typeface="Source Code Pro"/>
+                <a:sym typeface="Source Code Pro"/>
+              </a:rPr>
+            </a:br>
+            <a:r>
+              <a:rPr lang="en" sz="1400">
+                <a:solidFill>
+                  <a:srgbClr val="000000"/>
+                </a:solidFill>
+                <a:latin typeface="Source Code Pro"/>
+                <a:ea typeface="Source Code Pro"/>
+                <a:cs typeface="Source Code Pro"/>
+                <a:sym typeface="Source Code Pro"/>
+              </a:rPr>
+              <a:t>console.log(data[“toppings”][2]);</a:t>
             </a:r>
           </a:p>
         </p:txBody>
@@ -7288,11 +6784,11 @@
 </file>
 
 <file path=ppt/slides/slide14.xml><?xml version="1.0" encoding="utf-8"?>
-<p:sld xmlns:a="http://schemas.openxmlformats.org/drawingml/2006/main" xmlns:r="http://schemas.openxmlformats.org/officeDocument/2006/relationships" xmlns:p="http://schemas.openxmlformats.org/presentationml/2006/main">
+<p:sld xmlns:a="http://schemas.openxmlformats.org/drawingml/2006/main" xmlns:r="http://schemas.openxmlformats.org/officeDocument/2006/relationships" xmlns:mc="http://schemas.openxmlformats.org/markup-compatibility/2006" xmlns:mv="urn:schemas-microsoft-com:mac:vml" xmlns:p="http://schemas.openxmlformats.org/presentationml/2006/main" xmlns:c="http://schemas.openxmlformats.org/drawingml/2006/chart" xmlns:dgm="http://schemas.openxmlformats.org/drawingml/2006/diagram" xmlns:o="urn:schemas-microsoft-com:office:office" xmlns:v="urn:schemas-microsoft-com:vml" xmlns:pvml="urn:schemas-microsoft-com:office:powerpoint" xmlns:com="http://schemas.openxmlformats.org/drawingml/2006/compatibility" xmlns:p14="http://schemas.microsoft.com/office/powerpoint/2010/main">
   <p:cSld>
     <p:spTree>
       <p:nvGrpSpPr>
-        <p:cNvPr id="1" name="Shape 152"/>
+        <p:cNvPr id="152" name="Shape 152"/>
         <p:cNvGrpSpPr/>
         <p:nvPr/>
       </p:nvGrpSpPr>
@@ -7307,29 +6803,27 @@
       <p:sp>
         <p:nvSpPr>
           <p:cNvPr id="153" name="Shape 153"/>
-          <p:cNvSpPr txBox="1">
-            <a:spLocks noGrp="1"/>
-          </p:cNvSpPr>
+          <p:cNvSpPr txBox="1"/>
           <p:nvPr>
             <p:ph type="title"/>
           </p:nvPr>
         </p:nvSpPr>
         <p:spPr>
           <a:xfrm>
-            <a:off x="311700" y="445025"/>
-            <a:ext cx="8520600" cy="707400"/>
+            <a:off x="311700" y="814800"/>
+            <a:ext cx="8571300" cy="942000"/>
           </a:xfrm>
           <a:prstGeom prst="rect">
             <a:avLst/>
           </a:prstGeom>
         </p:spPr>
         <p:txBody>
-          <a:bodyPr lIns="91425" tIns="91425" rIns="91425" bIns="91425" anchor="t" anchorCtr="0">
+          <a:bodyPr anchorCtr="0" anchor="ctr" bIns="91425" lIns="91425" rIns="91425" tIns="91425">
             <a:noAutofit/>
           </a:bodyPr>
           <a:lstStyle/>
           <a:p>
-            <a:pPr lvl="0">
+            <a:pPr lvl="0" rtl="0">
               <a:spcBef>
                 <a:spcPts val="0"/>
               </a:spcBef>
@@ -7337,7 +6831,7 @@
             </a:pPr>
             <a:r>
               <a:rPr lang="en"/>
-              <a:t>Pop quiz</a:t>
+              <a:t>That’s it for JSON!</a:t>
             </a:r>
           </a:p>
         </p:txBody>
@@ -7345,11 +6839,9 @@
       <p:sp>
         <p:nvSpPr>
           <p:cNvPr id="154" name="Shape 154"/>
-          <p:cNvSpPr txBox="1">
-            <a:spLocks noGrp="1"/>
-          </p:cNvSpPr>
+          <p:cNvSpPr txBox="1"/>
           <p:nvPr>
-            <p:ph type="body" idx="1"/>
+            <p:ph idx="4294967295" type="body"/>
           </p:nvPr>
         </p:nvSpPr>
         <p:spPr>
@@ -7362,392 +6854,24 @@
           </a:prstGeom>
         </p:spPr>
         <p:txBody>
-          <a:bodyPr lIns="91425" tIns="91425" rIns="91425" bIns="91425" anchor="t" anchorCtr="0">
+          <a:bodyPr anchorCtr="0" anchor="ctr" bIns="91425" lIns="91425" rIns="91425" tIns="91425">
             <a:noAutofit/>
           </a:bodyPr>
           <a:lstStyle/>
           <a:p>
-            <a:pPr lvl="0">
-              <a:spcBef>
-                <a:spcPts val="0"/>
-              </a:spcBef>
-              <a:buNone/>
-            </a:pPr>
-            <a:r>
-              <a:rPr lang="en" dirty="0"/>
-              <a:t>Who can tell me what console.log will print out?</a:t>
-            </a:r>
-          </a:p>
-          <a:p>
-            <a:pPr lvl="0" rtl="0">
-              <a:spcBef>
-                <a:spcPts val="0"/>
-              </a:spcBef>
-              <a:buNone/>
-            </a:pPr>
-            <a:r>
-              <a:rPr lang="en" sz="1400" dirty="0">
-                <a:solidFill>
-                  <a:srgbClr val="000000"/>
-                </a:solidFill>
-                <a:latin typeface="Source Code Pro"/>
-                <a:ea typeface="Source Code Pro"/>
-                <a:cs typeface="Source Code Pro"/>
-                <a:sym typeface="Source Code Pro"/>
-              </a:rPr>
-              <a:t>var data = {</a:t>
-            </a:r>
-            <a:br>
-              <a:rPr lang="en" sz="1400" dirty="0">
-                <a:solidFill>
-                  <a:srgbClr val="000000"/>
-                </a:solidFill>
-                <a:latin typeface="Source Code Pro"/>
-                <a:ea typeface="Source Code Pro"/>
-                <a:cs typeface="Source Code Pro"/>
-                <a:sym typeface="Source Code Pro"/>
-              </a:rPr>
-            </a:br>
-            <a:r>
-              <a:rPr lang="en-US" sz="1400" dirty="0" smtClean="0">
-                <a:solidFill>
-                  <a:srgbClr val="000000"/>
-                </a:solidFill>
-                <a:latin typeface="Source Code Pro"/>
-                <a:ea typeface="Source Code Pro"/>
-                <a:cs typeface="Source Code Pro"/>
-                <a:sym typeface="Source Code Pro"/>
-              </a:rPr>
-              <a:t>    </a:t>
-            </a:r>
-            <a:r>
-              <a:rPr lang="en" sz="1400" dirty="0" smtClean="0">
-                <a:solidFill>
-                  <a:srgbClr val="000000"/>
-                </a:solidFill>
-                <a:latin typeface="Source Code Pro"/>
-                <a:ea typeface="Source Code Pro"/>
-                <a:cs typeface="Source Code Pro"/>
-                <a:sym typeface="Source Code Pro"/>
-              </a:rPr>
-              <a:t>“</a:t>
-            </a:r>
-            <a:r>
-              <a:rPr lang="en" sz="1400" dirty="0">
-                <a:solidFill>
-                  <a:srgbClr val="000000"/>
-                </a:solidFill>
-                <a:latin typeface="Source Code Pro"/>
-                <a:ea typeface="Source Code Pro"/>
-                <a:cs typeface="Source Code Pro"/>
-                <a:sym typeface="Source Code Pro"/>
-              </a:rPr>
-              <a:t>order”: “ice cream”, </a:t>
-            </a:r>
-            <a:br>
-              <a:rPr lang="en" sz="1400" dirty="0">
-                <a:solidFill>
-                  <a:srgbClr val="000000"/>
-                </a:solidFill>
-                <a:latin typeface="Source Code Pro"/>
-                <a:ea typeface="Source Code Pro"/>
-                <a:cs typeface="Source Code Pro"/>
-                <a:sym typeface="Source Code Pro"/>
-              </a:rPr>
-            </a:br>
-            <a:r>
-              <a:rPr lang="en-US" sz="1400" dirty="0" smtClean="0">
-                <a:solidFill>
-                  <a:srgbClr val="000000"/>
-                </a:solidFill>
-                <a:latin typeface="Source Code Pro"/>
-                <a:ea typeface="Source Code Pro"/>
-                <a:cs typeface="Source Code Pro"/>
-                <a:sym typeface="Source Code Pro"/>
-              </a:rPr>
-              <a:t>    </a:t>
-            </a:r>
-            <a:r>
-              <a:rPr lang="en" sz="1400" dirty="0" smtClean="0">
-                <a:solidFill>
-                  <a:srgbClr val="000000"/>
-                </a:solidFill>
-                <a:latin typeface="Source Code Pro"/>
-                <a:ea typeface="Source Code Pro"/>
-                <a:cs typeface="Source Code Pro"/>
-                <a:sym typeface="Source Code Pro"/>
-              </a:rPr>
-              <a:t>“</a:t>
-            </a:r>
-            <a:r>
-              <a:rPr lang="en" sz="1400" dirty="0">
-                <a:solidFill>
-                  <a:srgbClr val="000000"/>
-                </a:solidFill>
-                <a:latin typeface="Source Code Pro"/>
-                <a:ea typeface="Source Code Pro"/>
-                <a:cs typeface="Source Code Pro"/>
-                <a:sym typeface="Source Code Pro"/>
-              </a:rPr>
-              <a:t>toppings”: [“sprinkles”, “toffee bits”, “chocolate syrup”],</a:t>
-            </a:r>
-            <a:br>
-              <a:rPr lang="en" sz="1400" dirty="0">
-                <a:solidFill>
-                  <a:srgbClr val="000000"/>
-                </a:solidFill>
-                <a:latin typeface="Source Code Pro"/>
-                <a:ea typeface="Source Code Pro"/>
-                <a:cs typeface="Source Code Pro"/>
-                <a:sym typeface="Source Code Pro"/>
-              </a:rPr>
-            </a:br>
-            <a:r>
-              <a:rPr lang="en-US" sz="1400" dirty="0" smtClean="0">
-                <a:solidFill>
-                  <a:srgbClr val="000000"/>
-                </a:solidFill>
-                <a:latin typeface="Source Code Pro"/>
-                <a:ea typeface="Source Code Pro"/>
-                <a:cs typeface="Source Code Pro"/>
-                <a:sym typeface="Source Code Pro"/>
-              </a:rPr>
-              <a:t>    </a:t>
-            </a:r>
-            <a:r>
-              <a:rPr lang="en" sz="1400" dirty="0" smtClean="0">
-                <a:solidFill>
-                  <a:srgbClr val="000000"/>
-                </a:solidFill>
-                <a:latin typeface="Source Code Pro"/>
-                <a:ea typeface="Source Code Pro"/>
-                <a:cs typeface="Source Code Pro"/>
-                <a:sym typeface="Source Code Pro"/>
-              </a:rPr>
-              <a:t>“flavor</a:t>
-            </a:r>
-            <a:r>
-              <a:rPr lang="en" sz="1400" dirty="0">
-                <a:solidFill>
-                  <a:srgbClr val="000000"/>
-                </a:solidFill>
-                <a:latin typeface="Source Code Pro"/>
-                <a:ea typeface="Source Code Pro"/>
-                <a:cs typeface="Source Code Pro"/>
-                <a:sym typeface="Source Code Pro"/>
-              </a:rPr>
-              <a:t>”: {</a:t>
-            </a:r>
-            <a:br>
-              <a:rPr lang="en" sz="1400" dirty="0">
-                <a:solidFill>
-                  <a:srgbClr val="000000"/>
-                </a:solidFill>
-                <a:latin typeface="Source Code Pro"/>
-                <a:ea typeface="Source Code Pro"/>
-                <a:cs typeface="Source Code Pro"/>
-                <a:sym typeface="Source Code Pro"/>
-              </a:rPr>
-            </a:br>
-            <a:r>
-              <a:rPr lang="en-US" sz="1400" dirty="0" smtClean="0">
-                <a:solidFill>
-                  <a:srgbClr val="000000"/>
-                </a:solidFill>
-                <a:latin typeface="Source Code Pro"/>
-                <a:ea typeface="Source Code Pro"/>
-                <a:cs typeface="Source Code Pro"/>
-                <a:sym typeface="Source Code Pro"/>
-              </a:rPr>
-              <a:t> </a:t>
-            </a:r>
-            <a:r>
-              <a:rPr lang="en" sz="1400" dirty="0" smtClean="0">
-                <a:solidFill>
-                  <a:srgbClr val="000000"/>
-                </a:solidFill>
-                <a:latin typeface="Source Code Pro"/>
-                <a:ea typeface="Source Code Pro"/>
-                <a:cs typeface="Source Code Pro"/>
-                <a:sym typeface="Source Code Pro"/>
-              </a:rPr>
-              <a:t> </a:t>
-            </a:r>
-            <a:r>
-              <a:rPr lang="en-US" sz="1400" dirty="0" smtClean="0">
-                <a:solidFill>
-                  <a:srgbClr val="000000"/>
-                </a:solidFill>
-                <a:latin typeface="Source Code Pro"/>
-                <a:ea typeface="Source Code Pro"/>
-                <a:cs typeface="Source Code Pro"/>
-                <a:sym typeface="Source Code Pro"/>
-              </a:rPr>
-              <a:t>      </a:t>
-            </a:r>
-            <a:r>
-              <a:rPr lang="en" sz="1400" dirty="0" smtClean="0">
-                <a:solidFill>
-                  <a:srgbClr val="000000"/>
-                </a:solidFill>
-                <a:latin typeface="Source Code Pro"/>
-                <a:ea typeface="Source Code Pro"/>
-                <a:cs typeface="Source Code Pro"/>
-                <a:sym typeface="Source Code Pro"/>
-              </a:rPr>
-              <a:t>“</a:t>
-            </a:r>
-            <a:r>
-              <a:rPr lang="en" sz="1400" dirty="0">
-                <a:solidFill>
-                  <a:srgbClr val="000000"/>
-                </a:solidFill>
-                <a:latin typeface="Source Code Pro"/>
-                <a:ea typeface="Source Code Pro"/>
-                <a:cs typeface="Source Code Pro"/>
-                <a:sym typeface="Source Code Pro"/>
-              </a:rPr>
-              <a:t>name”: “matcha green tea”, </a:t>
-            </a:r>
-            <a:br>
-              <a:rPr lang="en" sz="1400" dirty="0">
-                <a:solidFill>
-                  <a:srgbClr val="000000"/>
-                </a:solidFill>
-                <a:latin typeface="Source Code Pro"/>
-                <a:ea typeface="Source Code Pro"/>
-                <a:cs typeface="Source Code Pro"/>
-                <a:sym typeface="Source Code Pro"/>
-              </a:rPr>
-            </a:br>
-            <a:r>
-              <a:rPr lang="en-US" sz="1400" dirty="0" smtClean="0">
-                <a:solidFill>
-                  <a:srgbClr val="000000"/>
-                </a:solidFill>
-                <a:latin typeface="Source Code Pro"/>
-                <a:ea typeface="Source Code Pro"/>
-                <a:cs typeface="Source Code Pro"/>
-                <a:sym typeface="Source Code Pro"/>
-              </a:rPr>
-              <a:t>       </a:t>
-            </a:r>
-            <a:r>
-              <a:rPr lang="en" sz="1400" dirty="0" smtClean="0">
-                <a:solidFill>
-                  <a:srgbClr val="000000"/>
-                </a:solidFill>
-                <a:latin typeface="Source Code Pro"/>
-                <a:ea typeface="Source Code Pro"/>
-                <a:cs typeface="Source Code Pro"/>
-                <a:sym typeface="Source Code Pro"/>
-              </a:rPr>
-              <a:t> “</a:t>
-            </a:r>
-            <a:r>
-              <a:rPr lang="en" sz="1400" dirty="0">
-                <a:solidFill>
-                  <a:srgbClr val="000000"/>
-                </a:solidFill>
-                <a:latin typeface="Source Code Pro"/>
-                <a:ea typeface="Source Code Pro"/>
-                <a:cs typeface="Source Code Pro"/>
-                <a:sym typeface="Source Code Pro"/>
-              </a:rPr>
-              <a:t>numScoops”: 1</a:t>
-            </a:r>
-            <a:br>
-              <a:rPr lang="en" sz="1400" dirty="0">
-                <a:solidFill>
-                  <a:srgbClr val="000000"/>
-                </a:solidFill>
-                <a:latin typeface="Source Code Pro"/>
-                <a:ea typeface="Source Code Pro"/>
-                <a:cs typeface="Source Code Pro"/>
-                <a:sym typeface="Source Code Pro"/>
-              </a:rPr>
-            </a:br>
-            <a:r>
-              <a:rPr lang="en-US" sz="1400" dirty="0" smtClean="0">
-                <a:solidFill>
-                  <a:srgbClr val="000000"/>
-                </a:solidFill>
-                <a:latin typeface="Source Code Pro"/>
-                <a:ea typeface="Source Code Pro"/>
-                <a:cs typeface="Source Code Pro"/>
-                <a:sym typeface="Source Code Pro"/>
-              </a:rPr>
-              <a:t>    </a:t>
-            </a:r>
-            <a:r>
-              <a:rPr lang="en" sz="1400" dirty="0" smtClean="0">
-                <a:solidFill>
-                  <a:srgbClr val="000000"/>
-                </a:solidFill>
-                <a:latin typeface="Source Code Pro"/>
-                <a:ea typeface="Source Code Pro"/>
-                <a:cs typeface="Source Code Pro"/>
-                <a:sym typeface="Source Code Pro"/>
-              </a:rPr>
-              <a:t>}</a:t>
-            </a:r>
-            <a:br>
-              <a:rPr lang="en" sz="1400" dirty="0" smtClean="0">
-                <a:solidFill>
-                  <a:srgbClr val="000000"/>
-                </a:solidFill>
-                <a:latin typeface="Source Code Pro"/>
-                <a:ea typeface="Source Code Pro"/>
-                <a:cs typeface="Source Code Pro"/>
-                <a:sym typeface="Source Code Pro"/>
-              </a:rPr>
-            </a:br>
-            <a:r>
-              <a:rPr lang="en" sz="1400" dirty="0" smtClean="0">
-                <a:solidFill>
-                  <a:srgbClr val="000000"/>
-                </a:solidFill>
-                <a:latin typeface="Source Code Pro"/>
-                <a:ea typeface="Source Code Pro"/>
-                <a:cs typeface="Source Code Pro"/>
-                <a:sym typeface="Source Code Pro"/>
-              </a:rPr>
-              <a:t>};</a:t>
-            </a:r>
-            <a:r>
-              <a:rPr lang="en" sz="1400" dirty="0">
-                <a:solidFill>
-                  <a:srgbClr val="000000"/>
-                </a:solidFill>
-                <a:latin typeface="Source Code Pro"/>
-                <a:ea typeface="Source Code Pro"/>
-                <a:cs typeface="Source Code Pro"/>
-                <a:sym typeface="Source Code Pro"/>
-              </a:rPr>
-              <a:t/>
-            </a:r>
-            <a:br>
-              <a:rPr lang="en" sz="1400" dirty="0">
-                <a:solidFill>
-                  <a:srgbClr val="000000"/>
-                </a:solidFill>
-                <a:latin typeface="Source Code Pro"/>
-                <a:ea typeface="Source Code Pro"/>
-                <a:cs typeface="Source Code Pro"/>
-                <a:sym typeface="Source Code Pro"/>
-              </a:rPr>
-            </a:br>
-            <a:r>
-              <a:rPr lang="en" sz="1400" dirty="0">
-                <a:solidFill>
-                  <a:srgbClr val="000000"/>
-                </a:solidFill>
-                <a:latin typeface="Source Code Pro"/>
-                <a:ea typeface="Source Code Pro"/>
-                <a:cs typeface="Source Code Pro"/>
-                <a:sym typeface="Source Code Pro"/>
-              </a:rPr>
-              <a:t>console.log(data[“toppings”][2]);</a:t>
+            <a:pPr lvl="0" rtl="0" algn="ctr">
+              <a:spcBef>
+                <a:spcPts val="0"/>
+              </a:spcBef>
+              <a:buNone/>
+            </a:pPr>
+            <a:r>
+              <a:rPr lang="en">
+                <a:solidFill>
+                  <a:srgbClr val="FFFFFF"/>
+                </a:solidFill>
+              </a:rPr>
+              <a:t>Any questions?</a:t>
             </a:r>
           </a:p>
         </p:txBody>
@@ -7761,11 +6885,11 @@
 </file>
 
 <file path=ppt/slides/slide15.xml><?xml version="1.0" encoding="utf-8"?>
-<p:sld xmlns:a="http://schemas.openxmlformats.org/drawingml/2006/main" xmlns:r="http://schemas.openxmlformats.org/officeDocument/2006/relationships" xmlns:p="http://schemas.openxmlformats.org/presentationml/2006/main">
+<p:sld xmlns:a="http://schemas.openxmlformats.org/drawingml/2006/main" xmlns:r="http://schemas.openxmlformats.org/officeDocument/2006/relationships" xmlns:mc="http://schemas.openxmlformats.org/markup-compatibility/2006" xmlns:mv="urn:schemas-microsoft-com:mac:vml" xmlns:p="http://schemas.openxmlformats.org/presentationml/2006/main" xmlns:c="http://schemas.openxmlformats.org/drawingml/2006/chart" xmlns:dgm="http://schemas.openxmlformats.org/drawingml/2006/diagram" xmlns:o="urn:schemas-microsoft-com:office:office" xmlns:v="urn:schemas-microsoft-com:vml" xmlns:pvml="urn:schemas-microsoft-com:office:powerpoint" xmlns:com="http://schemas.openxmlformats.org/drawingml/2006/compatibility" xmlns:p14="http://schemas.microsoft.com/office/powerpoint/2010/main">
   <p:cSld>
     <p:spTree>
       <p:nvGrpSpPr>
-        <p:cNvPr id="1" name="Shape 158"/>
+        <p:cNvPr id="158" name="Shape 158"/>
         <p:cNvGrpSpPr/>
         <p:nvPr/>
       </p:nvGrpSpPr>
@@ -7780,9 +6904,7 @@
       <p:sp>
         <p:nvSpPr>
           <p:cNvPr id="159" name="Shape 159"/>
-          <p:cNvSpPr txBox="1">
-            <a:spLocks noGrp="1"/>
-          </p:cNvSpPr>
+          <p:cNvSpPr txBox="1"/>
           <p:nvPr>
             <p:ph type="title"/>
           </p:nvPr>
@@ -7797,7 +6919,7 @@
           </a:prstGeom>
         </p:spPr>
         <p:txBody>
-          <a:bodyPr lIns="91425" tIns="91425" rIns="91425" bIns="91425" anchor="t" anchorCtr="0">
+          <a:bodyPr anchorCtr="0" anchor="t" bIns="91425" lIns="91425" rIns="91425" tIns="91425">
             <a:noAutofit/>
           </a:bodyPr>
           <a:lstStyle/>
@@ -7810,7 +6932,7 @@
             </a:pPr>
             <a:r>
               <a:rPr lang="en"/>
-              <a:t>That’s it for JSON!</a:t>
+              <a:t>Reference</a:t>
             </a:r>
           </a:p>
         </p:txBody>
@@ -7818,11 +6940,9 @@
       <p:sp>
         <p:nvSpPr>
           <p:cNvPr id="160" name="Shape 160"/>
-          <p:cNvSpPr txBox="1">
-            <a:spLocks noGrp="1"/>
-          </p:cNvSpPr>
+          <p:cNvSpPr txBox="1"/>
           <p:nvPr>
-            <p:ph type="body" idx="1"/>
+            <p:ph idx="1" type="body"/>
           </p:nvPr>
         </p:nvSpPr>
         <p:spPr>
@@ -7835,7 +6955,7 @@
           </a:prstGeom>
         </p:spPr>
         <p:txBody>
-          <a:bodyPr lIns="91425" tIns="91425" rIns="91425" bIns="91425" anchor="t" anchorCtr="0">
+          <a:bodyPr anchorCtr="0" anchor="t" bIns="91425" lIns="91425" rIns="91425" tIns="91425">
             <a:noAutofit/>
           </a:bodyPr>
           <a:lstStyle/>
@@ -7847,61 +6967,15 @@
               <a:buNone/>
             </a:pPr>
             <a:r>
-              <a:rPr lang="en"/>
-              <a:t>Any questions?</a:t>
-            </a:r>
-          </a:p>
-        </p:txBody>
-      </p:sp>
-    </p:spTree>
-  </p:cSld>
-  <p:clrMapOvr>
-    <a:masterClrMapping/>
-  </p:clrMapOvr>
-</p:sld>
-</file>
-
-<file path=ppt/slides/slide16.xml><?xml version="1.0" encoding="utf-8"?>
-<p:sld xmlns:a="http://schemas.openxmlformats.org/drawingml/2006/main" xmlns:r="http://schemas.openxmlformats.org/officeDocument/2006/relationships" xmlns:p="http://schemas.openxmlformats.org/presentationml/2006/main">
-  <p:cSld>
-    <p:spTree>
-      <p:nvGrpSpPr>
-        <p:cNvPr id="1" name="Shape 164"/>
-        <p:cNvGrpSpPr/>
-        <p:nvPr/>
-      </p:nvGrpSpPr>
-      <p:grpSpPr>
-        <a:xfrm>
-          <a:off x="0" y="0"/>
-          <a:ext cx="0" cy="0"/>
-          <a:chOff x="0" y="0"/>
-          <a:chExt cx="0" cy="0"/>
-        </a:xfrm>
-      </p:grpSpPr>
-      <p:sp>
-        <p:nvSpPr>
-          <p:cNvPr id="165" name="Shape 165"/>
-          <p:cNvSpPr txBox="1">
-            <a:spLocks noGrp="1"/>
-          </p:cNvSpPr>
-          <p:nvPr>
-            <p:ph type="title"/>
-          </p:nvPr>
-        </p:nvSpPr>
-        <p:spPr>
-          <a:xfrm>
-            <a:off x="311700" y="445025"/>
-            <a:ext cx="8520600" cy="707400"/>
-          </a:xfrm>
-          <a:prstGeom prst="rect">
-            <a:avLst/>
-          </a:prstGeom>
-        </p:spPr>
-        <p:txBody>
-          <a:bodyPr lIns="91425" tIns="91425" rIns="91425" bIns="91425" anchor="t" anchorCtr="0">
-            <a:noAutofit/>
-          </a:bodyPr>
-          <a:lstStyle/>
+              <a:rPr lang="en" u="sng">
+                <a:solidFill>
+                  <a:schemeClr val="hlink"/>
+                </a:solidFill>
+                <a:hlinkClick r:id="rId3"/>
+              </a:rPr>
+              <a:t>https://www.w3schools.com/html/html_forms.asp</a:t>
+            </a:r>
+          </a:p>
           <a:p>
             <a:pPr lvl="0">
               <a:spcBef>
@@ -7910,36 +6984,15 @@
               <a:buNone/>
             </a:pPr>
             <a:r>
-              <a:rPr lang="en"/>
-              <a:t>Reference</a:t>
-            </a:r>
-          </a:p>
-        </p:txBody>
-      </p:sp>
-      <p:sp>
-        <p:nvSpPr>
-          <p:cNvPr id="166" name="Shape 166"/>
-          <p:cNvSpPr txBox="1">
-            <a:spLocks noGrp="1"/>
-          </p:cNvSpPr>
-          <p:nvPr>
-            <p:ph type="body" idx="1"/>
-          </p:nvPr>
-        </p:nvSpPr>
-        <p:spPr>
-          <a:xfrm>
-            <a:off x="311700" y="1266325"/>
-            <a:ext cx="8520600" cy="3302700"/>
-          </a:xfrm>
-          <a:prstGeom prst="rect">
-            <a:avLst/>
-          </a:prstGeom>
-        </p:spPr>
-        <p:txBody>
-          <a:bodyPr lIns="91425" tIns="91425" rIns="91425" bIns="91425" anchor="t" anchorCtr="0">
-            <a:noAutofit/>
-          </a:bodyPr>
-          <a:lstStyle/>
+              <a:rPr lang="en" u="sng">
+                <a:solidFill>
+                  <a:schemeClr val="hlink"/>
+                </a:solidFill>
+                <a:hlinkClick r:id="rId4"/>
+              </a:rPr>
+              <a:t>https://www.w3schools.com/js/js_validation.asp</a:t>
+            </a:r>
+          </a:p>
           <a:p>
             <a:pPr lvl="0">
               <a:spcBef>
@@ -7952,9 +7005,9 @@
                 <a:solidFill>
                   <a:schemeClr val="hlink"/>
                 </a:solidFill>
-                <a:hlinkClick r:id="rId3"/>
-              </a:rPr>
-              <a:t>https://www.w3schools.com/html/html_forms.asp</a:t>
+                <a:hlinkClick r:id="rId5"/>
+              </a:rPr>
+              <a:t>https://www.w3schools.com/js/js_json_intro.asp</a:t>
             </a:r>
           </a:p>
           <a:p>
@@ -7965,14 +7018,9 @@
               <a:buNone/>
             </a:pPr>
             <a:r>
-              <a:rPr lang="en" u="sng">
-                <a:solidFill>
-                  <a:schemeClr val="hlink"/>
-                </a:solidFill>
-                <a:hlinkClick r:id="rId4"/>
-              </a:rPr>
-              <a:t>https://www.w3schools.com/js/js_validation.asp</a:t>
-            </a:r>
+              <a:t/>
+            </a:r>
+            <a:endParaRPr/>
           </a:p>
           <a:p>
             <a:pPr lvl="0">
@@ -7982,31 +7030,8 @@
               <a:buNone/>
             </a:pPr>
             <a:r>
-              <a:rPr lang="en" u="sng">
-                <a:solidFill>
-                  <a:schemeClr val="hlink"/>
-                </a:solidFill>
-                <a:hlinkClick r:id="rId5"/>
-              </a:rPr>
-              <a:t>https://www.w3schools.com/js/js_json_intro.asp</a:t>
-            </a:r>
-          </a:p>
-          <a:p>
-            <a:pPr lvl="0">
-              <a:spcBef>
-                <a:spcPts val="0"/>
-              </a:spcBef>
-              <a:buNone/>
-            </a:pPr>
-            <a:endParaRPr/>
-          </a:p>
-          <a:p>
-            <a:pPr lvl="0">
-              <a:spcBef>
-                <a:spcPts val="0"/>
-              </a:spcBef>
-              <a:buNone/>
-            </a:pPr>
+              <a:t/>
+            </a:r>
             <a:endParaRPr/>
           </a:p>
         </p:txBody>
@@ -8020,11 +7045,11 @@
 </file>
 
 <file path=ppt/slides/slide2.xml><?xml version="1.0" encoding="utf-8"?>
-<p:sld xmlns:a="http://schemas.openxmlformats.org/drawingml/2006/main" xmlns:r="http://schemas.openxmlformats.org/officeDocument/2006/relationships" xmlns:p="http://schemas.openxmlformats.org/presentationml/2006/main">
+<p:sld xmlns:a="http://schemas.openxmlformats.org/drawingml/2006/main" xmlns:r="http://schemas.openxmlformats.org/officeDocument/2006/relationships" xmlns:mc="http://schemas.openxmlformats.org/markup-compatibility/2006" xmlns:mv="urn:schemas-microsoft-com:mac:vml" xmlns:p="http://schemas.openxmlformats.org/presentationml/2006/main" xmlns:c="http://schemas.openxmlformats.org/drawingml/2006/chart" xmlns:dgm="http://schemas.openxmlformats.org/drawingml/2006/diagram" xmlns:o="urn:schemas-microsoft-com:office:office" xmlns:v="urn:schemas-microsoft-com:vml" xmlns:pvml="urn:schemas-microsoft-com:office:powerpoint" xmlns:com="http://schemas.openxmlformats.org/drawingml/2006/compatibility" xmlns:p14="http://schemas.microsoft.com/office/powerpoint/2010/main">
   <p:cSld>
     <p:spTree>
       <p:nvGrpSpPr>
-        <p:cNvPr id="1" name="Shape 71"/>
+        <p:cNvPr id="71" name="Shape 71"/>
         <p:cNvGrpSpPr/>
         <p:nvPr/>
       </p:nvGrpSpPr>
@@ -8039,9 +7064,7 @@
       <p:sp>
         <p:nvSpPr>
           <p:cNvPr id="72" name="Shape 72"/>
-          <p:cNvSpPr txBox="1">
-            <a:spLocks noGrp="1"/>
-          </p:cNvSpPr>
+          <p:cNvSpPr txBox="1"/>
           <p:nvPr>
             <p:ph type="title"/>
           </p:nvPr>
@@ -8056,7 +7079,7 @@
           </a:prstGeom>
         </p:spPr>
         <p:txBody>
-          <a:bodyPr lIns="91425" tIns="91425" rIns="91425" bIns="91425" anchor="t" anchorCtr="0">
+          <a:bodyPr anchorCtr="0" anchor="t" bIns="91425" lIns="91425" rIns="91425" tIns="91425">
             <a:noAutofit/>
           </a:bodyPr>
           <a:lstStyle/>
@@ -8077,11 +7100,9 @@
       <p:sp>
         <p:nvSpPr>
           <p:cNvPr id="73" name="Shape 73"/>
-          <p:cNvSpPr txBox="1">
-            <a:spLocks noGrp="1"/>
-          </p:cNvSpPr>
+          <p:cNvSpPr txBox="1"/>
           <p:nvPr>
-            <p:ph type="body" idx="1"/>
+            <p:ph idx="1" type="body"/>
           </p:nvPr>
         </p:nvSpPr>
         <p:spPr>
@@ -8094,12 +7115,12 @@
           </a:prstGeom>
         </p:spPr>
         <p:txBody>
-          <a:bodyPr lIns="91425" tIns="91425" rIns="91425" bIns="91425" anchor="t" anchorCtr="0">
+          <a:bodyPr anchorCtr="0" anchor="t" bIns="91425" lIns="91425" rIns="91425" tIns="91425">
             <a:noAutofit/>
           </a:bodyPr>
           <a:lstStyle/>
           <a:p>
-            <a:pPr marL="457200" lvl="0" indent="-228600">
+            <a:pPr indent="-228600" lvl="0" marL="457200">
               <a:lnSpc>
                 <a:spcPct val="115000"/>
               </a:lnSpc>
@@ -8116,7 +7137,7 @@
             </a:r>
           </a:p>
           <a:p>
-            <a:pPr marL="457200" lvl="0" indent="-228600">
+            <a:pPr indent="-228600" lvl="0" marL="457200">
               <a:lnSpc>
                 <a:spcPct val="115000"/>
               </a:lnSpc>
@@ -8133,7 +7154,7 @@
             </a:r>
           </a:p>
           <a:p>
-            <a:pPr marL="457200" lvl="0" indent="-228600">
+            <a:pPr indent="-228600" lvl="0" marL="457200">
               <a:spcBef>
                 <a:spcPts val="0"/>
               </a:spcBef>
@@ -8147,7 +7168,7 @@
             </a:r>
           </a:p>
           <a:p>
-            <a:pPr marL="457200" lvl="0" indent="-228600">
+            <a:pPr indent="-228600" lvl="0" marL="457200">
               <a:spcBef>
                 <a:spcPts val="0"/>
               </a:spcBef>
@@ -8168,11 +7189,11 @@
 </file>
 
 <file path=ppt/slides/slide3.xml><?xml version="1.0" encoding="utf-8"?>
-<p:sld xmlns:a="http://schemas.openxmlformats.org/drawingml/2006/main" xmlns:r="http://schemas.openxmlformats.org/officeDocument/2006/relationships" xmlns:p="http://schemas.openxmlformats.org/presentationml/2006/main">
+<p:sld xmlns:a="http://schemas.openxmlformats.org/drawingml/2006/main" xmlns:r="http://schemas.openxmlformats.org/officeDocument/2006/relationships" xmlns:mc="http://schemas.openxmlformats.org/markup-compatibility/2006" xmlns:mv="urn:schemas-microsoft-com:mac:vml" xmlns:p="http://schemas.openxmlformats.org/presentationml/2006/main" xmlns:c="http://schemas.openxmlformats.org/drawingml/2006/chart" xmlns:dgm="http://schemas.openxmlformats.org/drawingml/2006/diagram" xmlns:o="urn:schemas-microsoft-com:office:office" xmlns:v="urn:schemas-microsoft-com:vml" xmlns:pvml="urn:schemas-microsoft-com:office:powerpoint" xmlns:com="http://schemas.openxmlformats.org/drawingml/2006/compatibility" xmlns:p14="http://schemas.microsoft.com/office/powerpoint/2010/main">
   <p:cSld>
     <p:spTree>
       <p:nvGrpSpPr>
-        <p:cNvPr id="1" name="Shape 77"/>
+        <p:cNvPr id="77" name="Shape 77"/>
         <p:cNvGrpSpPr/>
         <p:nvPr/>
       </p:nvGrpSpPr>
@@ -8187,11 +7208,9 @@
       <p:sp>
         <p:nvSpPr>
           <p:cNvPr id="78" name="Shape 78"/>
-          <p:cNvSpPr txBox="1">
-            <a:spLocks noGrp="1"/>
-          </p:cNvSpPr>
+          <p:cNvSpPr txBox="1"/>
           <p:nvPr>
-            <p:ph type="body" idx="1"/>
+            <p:ph idx="1" type="body"/>
           </p:nvPr>
         </p:nvSpPr>
         <p:spPr>
@@ -8204,7 +7223,7 @@
           </a:prstGeom>
         </p:spPr>
         <p:txBody>
-          <a:bodyPr lIns="91425" tIns="91425" rIns="91425" bIns="91425" anchor="t" anchorCtr="0">
+          <a:bodyPr anchorCtr="0" anchor="t" bIns="91425" lIns="91425" rIns="91425" tIns="91425">
             <a:noAutofit/>
           </a:bodyPr>
           <a:lstStyle/>
@@ -8250,9 +7269,7 @@
       <p:sp>
         <p:nvSpPr>
           <p:cNvPr id="79" name="Shape 79"/>
-          <p:cNvSpPr txBox="1">
-            <a:spLocks noGrp="1"/>
-          </p:cNvSpPr>
+          <p:cNvSpPr txBox="1"/>
           <p:nvPr>
             <p:ph type="title"/>
           </p:nvPr>
@@ -8267,7 +7284,7 @@
           </a:prstGeom>
         </p:spPr>
         <p:txBody>
-          <a:bodyPr lIns="91425" tIns="91425" rIns="91425" bIns="91425" anchor="t" anchorCtr="0">
+          <a:bodyPr anchorCtr="0" anchor="t" bIns="91425" lIns="91425" rIns="91425" tIns="91425">
             <a:noAutofit/>
           </a:bodyPr>
           <a:lstStyle/>
@@ -8288,11 +7305,9 @@
       <p:sp>
         <p:nvSpPr>
           <p:cNvPr id="80" name="Shape 80"/>
-          <p:cNvSpPr txBox="1">
-            <a:spLocks noGrp="1"/>
-          </p:cNvSpPr>
+          <p:cNvSpPr txBox="1"/>
           <p:nvPr>
-            <p:ph type="body" idx="1"/>
+            <p:ph idx="1" type="body"/>
           </p:nvPr>
         </p:nvSpPr>
         <p:spPr>
@@ -8305,7 +7320,7 @@
           </a:prstGeom>
         </p:spPr>
         <p:txBody>
-          <a:bodyPr lIns="91425" tIns="91425" rIns="91425" bIns="91425" anchor="t" anchorCtr="0">
+          <a:bodyPr anchorCtr="0" anchor="t" bIns="91425" lIns="91425" rIns="91425" tIns="91425">
             <a:noAutofit/>
           </a:bodyPr>
           <a:lstStyle/>
@@ -8346,7 +7361,7 @@
           </a:ln>
         </p:spPr>
         <p:txBody>
-          <a:bodyPr lIns="91425" tIns="91425" rIns="91425" bIns="91425" anchor="t" anchorCtr="0">
+          <a:bodyPr anchorCtr="0" anchor="t" bIns="91425" lIns="91425" rIns="91425" tIns="91425">
             <a:noAutofit/>
           </a:bodyPr>
           <a:lstStyle/>
@@ -8380,15 +7395,6 @@
                 <a:sym typeface="Open Sans"/>
               </a:rPr>
             </a:br>
-            <a:endParaRPr lang="en" sz="1800">
-              <a:solidFill>
-                <a:schemeClr val="dk2"/>
-              </a:solidFill>
-              <a:latin typeface="Open Sans"/>
-              <a:ea typeface="Open Sans"/>
-              <a:cs typeface="Open Sans"/>
-              <a:sym typeface="Open Sans"/>
-            </a:endParaRPr>
           </a:p>
           <a:p>
             <a:pPr lvl="0">
@@ -8421,11 +7427,11 @@
 </file>
 
 <file path=ppt/slides/slide4.xml><?xml version="1.0" encoding="utf-8"?>
-<p:sld xmlns:a="http://schemas.openxmlformats.org/drawingml/2006/main" xmlns:r="http://schemas.openxmlformats.org/officeDocument/2006/relationships" xmlns:p="http://schemas.openxmlformats.org/presentationml/2006/main">
+<p:sld xmlns:a="http://schemas.openxmlformats.org/drawingml/2006/main" xmlns:r="http://schemas.openxmlformats.org/officeDocument/2006/relationships" xmlns:mc="http://schemas.openxmlformats.org/markup-compatibility/2006" xmlns:mv="urn:schemas-microsoft-com:mac:vml" xmlns:p="http://schemas.openxmlformats.org/presentationml/2006/main" xmlns:c="http://schemas.openxmlformats.org/drawingml/2006/chart" xmlns:dgm="http://schemas.openxmlformats.org/drawingml/2006/diagram" xmlns:o="urn:schemas-microsoft-com:office:office" xmlns:v="urn:schemas-microsoft-com:vml" xmlns:pvml="urn:schemas-microsoft-com:office:powerpoint" xmlns:com="http://schemas.openxmlformats.org/drawingml/2006/compatibility" xmlns:p14="http://schemas.microsoft.com/office/powerpoint/2010/main">
   <p:cSld>
     <p:spTree>
       <p:nvGrpSpPr>
-        <p:cNvPr id="1" name="Shape 85"/>
+        <p:cNvPr id="85" name="Shape 85"/>
         <p:cNvGrpSpPr/>
         <p:nvPr/>
       </p:nvGrpSpPr>
@@ -8440,9 +7446,7 @@
       <p:sp>
         <p:nvSpPr>
           <p:cNvPr id="86" name="Shape 86"/>
-          <p:cNvSpPr txBox="1">
-            <a:spLocks noGrp="1"/>
-          </p:cNvSpPr>
+          <p:cNvSpPr txBox="1"/>
           <p:nvPr>
             <p:ph type="title"/>
           </p:nvPr>
@@ -8457,7 +7461,7 @@
           </a:prstGeom>
         </p:spPr>
         <p:txBody>
-          <a:bodyPr lIns="91425" tIns="91425" rIns="91425" bIns="91425" anchor="t" anchorCtr="0">
+          <a:bodyPr anchorCtr="0" anchor="t" bIns="91425" lIns="91425" rIns="91425" tIns="91425">
             <a:noAutofit/>
           </a:bodyPr>
           <a:lstStyle/>
@@ -8478,11 +7482,9 @@
       <p:sp>
         <p:nvSpPr>
           <p:cNvPr id="87" name="Shape 87"/>
-          <p:cNvSpPr txBox="1">
-            <a:spLocks noGrp="1"/>
-          </p:cNvSpPr>
+          <p:cNvSpPr txBox="1"/>
           <p:nvPr>
-            <p:ph type="body" idx="1"/>
+            <p:ph idx="1" type="body"/>
           </p:nvPr>
         </p:nvSpPr>
         <p:spPr>
@@ -8495,7 +7497,7 @@
           </a:prstGeom>
         </p:spPr>
         <p:txBody>
-          <a:bodyPr lIns="91425" tIns="91425" rIns="91425" bIns="91425" anchor="t" anchorCtr="0">
+          <a:bodyPr anchorCtr="0" anchor="t" bIns="91425" lIns="91425" rIns="91425" tIns="91425">
             <a:noAutofit/>
           </a:bodyPr>
           <a:lstStyle/>
@@ -8524,14 +7526,14 @@
         </p:nvGraphicFramePr>
         <p:xfrm>
           <a:off x="311700" y="1946175"/>
-          <a:ext cx="8470350" cy="2358300"/>
+          <a:ext cx="3000000" cy="3000000"/>
         </p:xfrm>
         <a:graphic>
           <a:graphicData uri="http://schemas.openxmlformats.org/drawingml/2006/table">
             <a:tbl>
               <a:tblPr>
                 <a:noFill/>
-                <a:tableStyleId>{C1CF5719-8800-4762-B239-802BAF68FC0C}</a:tableStyleId>
+                <a:tableStyleId>{960DB79A-1CE0-429E-8F8F-801384B46121}</a:tableStyleId>
               </a:tblPr>
               <a:tblGrid>
                 <a:gridCol w="2242550"/>
@@ -8541,7 +7543,9 @@
               <a:tr h="621000">
                 <a:tc>
                   <a:txBody>
-                    <a:bodyPr/>
+                    <a:bodyPr>
+                      <a:noAutofit/>
+                    </a:bodyPr>
                     <a:lstStyle/>
                     <a:p>
                       <a:pPr lvl="0">
@@ -8564,11 +7568,13 @@
                       </a:r>
                     </a:p>
                   </a:txBody>
-                  <a:tcPr marL="91425" marR="91425" marT="91425" marB="91425"/>
+                  <a:tcPr marT="91425" marB="91425" marR="91425" marL="91425"/>
                 </a:tc>
                 <a:tc>
                   <a:txBody>
-                    <a:bodyPr/>
+                    <a:bodyPr>
+                      <a:noAutofit/>
+                    </a:bodyPr>
                     <a:lstStyle/>
                     <a:p>
                       <a:pPr lvl="0">
@@ -8591,11 +7597,13 @@
                       </a:r>
                     </a:p>
                   </a:txBody>
-                  <a:tcPr marL="91425" marR="91425" marT="91425" marB="91425"/>
+                  <a:tcPr marT="91425" marB="91425" marR="91425" marL="91425"/>
                 </a:tc>
                 <a:tc>
                   <a:txBody>
-                    <a:bodyPr/>
+                    <a:bodyPr>
+                      <a:noAutofit/>
+                    </a:bodyPr>
                     <a:lstStyle/>
                     <a:p>
                       <a:pPr lvl="0">
@@ -8604,16 +7612,21 @@
                         </a:spcBef>
                         <a:buNone/>
                       </a:pPr>
+                      <a:r>
+                        <a:t/>
+                      </a:r>
                       <a:endParaRPr/>
                     </a:p>
                   </a:txBody>
-                  <a:tcPr marL="91425" marR="91425" marT="91425" marB="91425"/>
+                  <a:tcPr marT="91425" marB="91425" marR="91425" marL="91425"/>
                 </a:tc>
               </a:tr>
               <a:tr h="551950">
                 <a:tc>
                   <a:txBody>
-                    <a:bodyPr/>
+                    <a:bodyPr>
+                      <a:noAutofit/>
+                    </a:bodyPr>
                     <a:lstStyle/>
                     <a:p>
                       <a:pPr lvl="0">
@@ -8636,11 +7649,13 @@
                       </a:r>
                     </a:p>
                   </a:txBody>
-                  <a:tcPr marL="91425" marR="91425" marT="91425" marB="91425"/>
+                  <a:tcPr marT="91425" marB="91425" marR="91425" marL="91425"/>
                 </a:tc>
                 <a:tc>
                   <a:txBody>
-                    <a:bodyPr/>
+                    <a:bodyPr>
+                      <a:noAutofit/>
+                    </a:bodyPr>
                     <a:lstStyle/>
                     <a:p>
                       <a:pPr lvl="0">
@@ -8683,11 +7698,13 @@
                       </a:r>
                     </a:p>
                   </a:txBody>
-                  <a:tcPr marL="91425" marR="91425" marT="91425" marB="91425"/>
+                  <a:tcPr marT="91425" marB="91425" marR="91425" marL="91425"/>
                 </a:tc>
                 <a:tc>
                   <a:txBody>
-                    <a:bodyPr/>
+                    <a:bodyPr>
+                      <a:noAutofit/>
+                    </a:bodyPr>
                     <a:lstStyle/>
                     <a:p>
                       <a:pPr lvl="0">
@@ -8696,16 +7713,21 @@
                         </a:spcBef>
                         <a:buNone/>
                       </a:pPr>
+                      <a:r>
+                        <a:t/>
+                      </a:r>
                       <a:endParaRPr/>
                     </a:p>
                   </a:txBody>
-                  <a:tcPr marL="91425" marR="91425" marT="91425" marB="91425"/>
+                  <a:tcPr marT="91425" marB="91425" marR="91425" marL="91425"/>
                 </a:tc>
               </a:tr>
               <a:tr h="546650">
                 <a:tc>
                   <a:txBody>
-                    <a:bodyPr/>
+                    <a:bodyPr>
+                      <a:noAutofit/>
+                    </a:bodyPr>
                     <a:lstStyle/>
                     <a:p>
                       <a:pPr lvl="0">
@@ -8728,11 +7750,13 @@
                       </a:r>
                     </a:p>
                   </a:txBody>
-                  <a:tcPr marL="91425" marR="91425" marT="91425" marB="91425"/>
+                  <a:tcPr marT="91425" marB="91425" marR="91425" marL="91425"/>
                 </a:tc>
                 <a:tc>
                   <a:txBody>
-                    <a:bodyPr/>
+                    <a:bodyPr>
+                      <a:noAutofit/>
+                    </a:bodyPr>
                     <a:lstStyle/>
                     <a:p>
                       <a:pPr lvl="0">
@@ -8855,11 +7879,13 @@
                       </a:r>
                     </a:p>
                   </a:txBody>
-                  <a:tcPr marL="91425" marR="91425" marT="91425" marB="91425"/>
+                  <a:tcPr marT="91425" marB="91425" marR="91425" marL="91425"/>
                 </a:tc>
                 <a:tc>
                   <a:txBody>
-                    <a:bodyPr/>
+                    <a:bodyPr>
+                      <a:noAutofit/>
+                    </a:bodyPr>
                     <a:lstStyle/>
                     <a:p>
                       <a:pPr lvl="0">
@@ -8868,10 +7894,13 @@
                         </a:spcBef>
                         <a:buNone/>
                       </a:pPr>
+                      <a:r>
+                        <a:t/>
+                      </a:r>
                       <a:endParaRPr/>
                     </a:p>
                   </a:txBody>
-                  <a:tcPr marL="91425" marR="91425" marT="91425" marB="91425"/>
+                  <a:tcPr marT="91425" marB="91425" marR="91425" marL="91425"/>
                 </a:tc>
               </a:tr>
             </a:tbl>
@@ -8880,7 +7909,7 @@
       </p:graphicFrame>
       <p:pic>
         <p:nvPicPr>
-          <p:cNvPr id="89" name="Shape 89" descr="Screen Shot 2017-03-06 at 8.06.05 PM.png"/>
+          <p:cNvPr descr="Screen Shot 2017-03-06 at 8.06.05 PM.png" id="89" name="Shape 89"/>
           <p:cNvPicPr preferRelativeResize="0"/>
           <p:nvPr/>
         </p:nvPicPr>
@@ -8908,7 +7937,7 @@
       </p:pic>
       <p:pic>
         <p:nvPicPr>
-          <p:cNvPr id="90" name="Shape 90" descr="Screen Shot 2017-03-06 at 8.09.17 PM.png"/>
+          <p:cNvPr descr="Screen Shot 2017-03-06 at 8.09.17 PM.png" id="90" name="Shape 90"/>
           <p:cNvPicPr preferRelativeResize="0"/>
           <p:nvPr/>
         </p:nvPicPr>
@@ -8922,7 +7951,7 @@
         </p:blipFill>
         <p:spPr>
           <a:xfrm>
-            <a:off x="6609149" y="2756976"/>
+            <a:off x="6609149" y="2939775"/>
             <a:ext cx="1478750" cy="310749"/>
           </a:xfrm>
           <a:prstGeom prst="rect">
@@ -8936,7 +7965,7 @@
       </p:pic>
       <p:pic>
         <p:nvPicPr>
-          <p:cNvPr id="91" name="Shape 91" descr="Screen Shot 2017-03-06 at 8.14.55 PM.png"/>
+          <p:cNvPr descr="Screen Shot 2017-03-06 at 8.14.55 PM.png" id="91" name="Shape 91"/>
           <p:cNvPicPr preferRelativeResize="0"/>
           <p:nvPr/>
         </p:nvPicPr>
@@ -8950,7 +7979,7 @@
         </p:blipFill>
         <p:spPr>
           <a:xfrm>
-            <a:off x="6115050" y="3632588"/>
+            <a:off x="6115050" y="4014387"/>
             <a:ext cx="1056550" cy="310750"/>
           </a:xfrm>
           <a:prstGeom prst="rect">
@@ -8964,7 +7993,7 @@
       </p:pic>
       <p:pic>
         <p:nvPicPr>
-          <p:cNvPr id="92" name="Shape 92" descr="Screen Shot 2017-03-06 at 8.15.06 PM.png"/>
+          <p:cNvPr descr="Screen Shot 2017-03-06 at 8.15.06 PM.png" id="92" name="Shape 92"/>
           <p:cNvPicPr preferRelativeResize="0"/>
           <p:nvPr/>
         </p:nvPicPr>
@@ -8978,7 +8007,7 @@
         </p:blipFill>
         <p:spPr>
           <a:xfrm>
-            <a:off x="7332500" y="3271451"/>
+            <a:off x="7332500" y="3653250"/>
             <a:ext cx="1363175" cy="1033024"/>
           </a:xfrm>
           <a:prstGeom prst="rect">
@@ -8999,11 +8028,11 @@
 </file>
 
 <file path=ppt/slides/slide5.xml><?xml version="1.0" encoding="utf-8"?>
-<p:sld xmlns:a="http://schemas.openxmlformats.org/drawingml/2006/main" xmlns:r="http://schemas.openxmlformats.org/officeDocument/2006/relationships" xmlns:p="http://schemas.openxmlformats.org/presentationml/2006/main">
+<p:sld xmlns:a="http://schemas.openxmlformats.org/drawingml/2006/main" xmlns:r="http://schemas.openxmlformats.org/officeDocument/2006/relationships" xmlns:mc="http://schemas.openxmlformats.org/markup-compatibility/2006" xmlns:mv="urn:schemas-microsoft-com:mac:vml" xmlns:p="http://schemas.openxmlformats.org/presentationml/2006/main" xmlns:c="http://schemas.openxmlformats.org/drawingml/2006/chart" xmlns:dgm="http://schemas.openxmlformats.org/drawingml/2006/diagram" xmlns:o="urn:schemas-microsoft-com:office:office" xmlns:v="urn:schemas-microsoft-com:vml" xmlns:pvml="urn:schemas-microsoft-com:office:powerpoint" xmlns:com="http://schemas.openxmlformats.org/drawingml/2006/compatibility" xmlns:p14="http://schemas.microsoft.com/office/powerpoint/2010/main">
   <p:cSld>
     <p:spTree>
       <p:nvGrpSpPr>
-        <p:cNvPr id="1" name="Shape 96"/>
+        <p:cNvPr id="96" name="Shape 96"/>
         <p:cNvGrpSpPr/>
         <p:nvPr/>
       </p:nvGrpSpPr>
@@ -9018,9 +8047,7 @@
       <p:sp>
         <p:nvSpPr>
           <p:cNvPr id="97" name="Shape 97"/>
-          <p:cNvSpPr txBox="1">
-            <a:spLocks noGrp="1"/>
-          </p:cNvSpPr>
+          <p:cNvSpPr txBox="1"/>
           <p:nvPr>
             <p:ph type="title"/>
           </p:nvPr>
@@ -9035,7 +8062,7 @@
           </a:prstGeom>
         </p:spPr>
         <p:txBody>
-          <a:bodyPr lIns="91425" tIns="91425" rIns="91425" bIns="91425" anchor="t" anchorCtr="0">
+          <a:bodyPr anchorCtr="0" anchor="t" bIns="91425" lIns="91425" rIns="91425" tIns="91425">
             <a:noAutofit/>
           </a:bodyPr>
           <a:lstStyle/>
@@ -9055,7 +8082,7 @@
       </p:sp>
       <p:pic>
         <p:nvPicPr>
-          <p:cNvPr id="98" name="Shape 98" descr="Screen Shot 2017-03-06 at 8.28.32 PM.png"/>
+          <p:cNvPr descr="Screen Shot 2017-03-06 at 8.28.32 PM.png" id="98" name="Shape 98"/>
           <p:cNvPicPr preferRelativeResize="0"/>
           <p:nvPr/>
         </p:nvPicPr>
@@ -9090,11 +8117,11 @@
 </file>
 
 <file path=ppt/slides/slide6.xml><?xml version="1.0" encoding="utf-8"?>
-<p:sld xmlns:a="http://schemas.openxmlformats.org/drawingml/2006/main" xmlns:r="http://schemas.openxmlformats.org/officeDocument/2006/relationships" xmlns:p="http://schemas.openxmlformats.org/presentationml/2006/main">
+<p:sld xmlns:a="http://schemas.openxmlformats.org/drawingml/2006/main" xmlns:r="http://schemas.openxmlformats.org/officeDocument/2006/relationships" xmlns:mc="http://schemas.openxmlformats.org/markup-compatibility/2006" xmlns:mv="urn:schemas-microsoft-com:mac:vml" xmlns:p="http://schemas.openxmlformats.org/presentationml/2006/main" xmlns:c="http://schemas.openxmlformats.org/drawingml/2006/chart" xmlns:dgm="http://schemas.openxmlformats.org/drawingml/2006/diagram" xmlns:o="urn:schemas-microsoft-com:office:office" xmlns:v="urn:schemas-microsoft-com:vml" xmlns:pvml="urn:schemas-microsoft-com:office:powerpoint" xmlns:com="http://schemas.openxmlformats.org/drawingml/2006/compatibility" xmlns:p14="http://schemas.microsoft.com/office/powerpoint/2010/main">
   <p:cSld>
     <p:spTree>
       <p:nvGrpSpPr>
-        <p:cNvPr id="1" name="Shape 102"/>
+        <p:cNvPr id="102" name="Shape 102"/>
         <p:cNvGrpSpPr/>
         <p:nvPr/>
       </p:nvGrpSpPr>
@@ -9109,11 +8136,9 @@
       <p:sp>
         <p:nvSpPr>
           <p:cNvPr id="103" name="Shape 103"/>
-          <p:cNvSpPr txBox="1">
-            <a:spLocks noGrp="1"/>
-          </p:cNvSpPr>
+          <p:cNvSpPr txBox="1"/>
           <p:nvPr>
-            <p:ph type="body" idx="1"/>
+            <p:ph idx="1" type="body"/>
           </p:nvPr>
         </p:nvSpPr>
         <p:spPr>
@@ -9126,7 +8151,7 @@
           </a:prstGeom>
         </p:spPr>
         <p:txBody>
-          <a:bodyPr lIns="91425" tIns="91425" rIns="91425" bIns="91425" anchor="t" anchorCtr="0">
+          <a:bodyPr anchorCtr="0" anchor="t" bIns="91425" lIns="91425" rIns="91425" tIns="91425">
             <a:noAutofit/>
           </a:bodyPr>
           <a:lstStyle/>
@@ -9153,7 +8178,7 @@
               <a:t>&lt;form </a:t>
             </a:r>
             <a:r>
-              <a:rPr lang="en" sz="1200" b="1">
+              <a:rPr b="1" lang="en" sz="1200">
                 <a:solidFill>
                   <a:srgbClr val="0000FF"/>
                 </a:solidFill>
@@ -9162,7 +8187,7 @@
                 <a:cs typeface="Source Code Pro"/>
                 <a:sym typeface="Source Code Pro"/>
               </a:rPr>
-              <a:t>action="/login" method="POST</a:t>
+              <a:t>action="/login" method="post</a:t>
             </a:r>
             <a:r>
               <a:rPr lang="en" sz="1200">
@@ -9197,7 +8222,7 @@
                 <a:cs typeface="Source Code Pro"/>
                 <a:sym typeface="Source Code Pro"/>
               </a:rPr>
-              <a:t>    Username: &lt;input type="text" name="username"&gt;</a:t>
+              <a:t>  &lt;fieldset&gt;</a:t>
             </a:r>
             <a:br>
               <a:rPr lang="en" sz="1200">
@@ -9220,7 +8245,7 @@
                 <a:cs typeface="Source Code Pro"/>
                 <a:sym typeface="Source Code Pro"/>
               </a:rPr>
-              <a:t>    &lt;br/&gt;&lt;br/&gt;</a:t>
+              <a:t>    &lt;div&gt;</a:t>
             </a:r>
             <a:br>
               <a:rPr lang="en" sz="1200">
@@ -9243,7 +8268,7 @@
                 <a:cs typeface="Source Code Pro"/>
                 <a:sym typeface="Source Code Pro"/>
               </a:rPr>
-              <a:t>    Password: &lt;input type="password" name="pswd"&gt;</a:t>
+              <a:t>      &lt;label&gt;Username: &lt;/label&gt;</a:t>
             </a:r>
             <a:br>
               <a:rPr lang="en" sz="1200">
@@ -9266,7 +8291,7 @@
                 <a:cs typeface="Source Code Pro"/>
                 <a:sym typeface="Source Code Pro"/>
               </a:rPr>
-              <a:t>    &lt;br/&gt;&lt;br/&gt;</a:t>
+              <a:t>      &lt;input type="text" name="username"&gt;</a:t>
             </a:r>
             <a:br>
               <a:rPr lang="en" sz="1200">
@@ -9289,7 +8314,7 @@
                 <a:cs typeface="Source Code Pro"/>
                 <a:sym typeface="Source Code Pro"/>
               </a:rPr>
-              <a:t>    &lt;input type="checkbox" name="rememberMe" checked&gt; Remember me</a:t>
+              <a:t>    &lt;/div&gt;</a:t>
             </a:r>
             <a:br>
               <a:rPr lang="en" sz="1200">
@@ -9312,7 +8337,7 @@
                 <a:cs typeface="Source Code Pro"/>
                 <a:sym typeface="Source Code Pro"/>
               </a:rPr>
-              <a:t>    &lt;br/&gt;&lt;br/&gt;</a:t>
+              <a:t>    &lt;div&gt;</a:t>
             </a:r>
             <a:br>
               <a:rPr lang="en" sz="1200">
@@ -9335,7 +8360,237 @@
                 <a:cs typeface="Source Code Pro"/>
                 <a:sym typeface="Source Code Pro"/>
               </a:rPr>
-              <a:t>    &lt;input type="submit" value="Submit"&gt;</a:t>
+              <a:t>      &lt;label&gt;Password: &lt;/label&gt;</a:t>
+            </a:r>
+            <a:br>
+              <a:rPr lang="en" sz="1200">
+                <a:solidFill>
+                  <a:srgbClr val="0000FF"/>
+                </a:solidFill>
+                <a:latin typeface="Source Code Pro"/>
+                <a:ea typeface="Source Code Pro"/>
+                <a:cs typeface="Source Code Pro"/>
+                <a:sym typeface="Source Code Pro"/>
+              </a:rPr>
+            </a:br>
+            <a:r>
+              <a:rPr lang="en" sz="1200">
+                <a:solidFill>
+                  <a:srgbClr val="0000FF"/>
+                </a:solidFill>
+                <a:latin typeface="Source Code Pro"/>
+                <a:ea typeface="Source Code Pro"/>
+                <a:cs typeface="Source Code Pro"/>
+                <a:sym typeface="Source Code Pro"/>
+              </a:rPr>
+              <a:t>      &lt;input type="password" name="pswd"/&gt;</a:t>
+            </a:r>
+            <a:br>
+              <a:rPr lang="en" sz="1200">
+                <a:solidFill>
+                  <a:srgbClr val="0000FF"/>
+                </a:solidFill>
+                <a:latin typeface="Source Code Pro"/>
+                <a:ea typeface="Source Code Pro"/>
+                <a:cs typeface="Source Code Pro"/>
+                <a:sym typeface="Source Code Pro"/>
+              </a:rPr>
+            </a:br>
+            <a:r>
+              <a:rPr lang="en" sz="1200">
+                <a:solidFill>
+                  <a:srgbClr val="0000FF"/>
+                </a:solidFill>
+                <a:latin typeface="Source Code Pro"/>
+                <a:ea typeface="Source Code Pro"/>
+                <a:cs typeface="Source Code Pro"/>
+                <a:sym typeface="Source Code Pro"/>
+              </a:rPr>
+              <a:t>    &lt;/div&gt;</a:t>
+            </a:r>
+            <a:br>
+              <a:rPr lang="en" sz="1200">
+                <a:solidFill>
+                  <a:srgbClr val="0000FF"/>
+                </a:solidFill>
+                <a:latin typeface="Source Code Pro"/>
+                <a:ea typeface="Source Code Pro"/>
+                <a:cs typeface="Source Code Pro"/>
+                <a:sym typeface="Source Code Pro"/>
+              </a:rPr>
+            </a:br>
+            <a:r>
+              <a:rPr lang="en" sz="1200">
+                <a:solidFill>
+                  <a:srgbClr val="0000FF"/>
+                </a:solidFill>
+                <a:latin typeface="Source Code Pro"/>
+                <a:ea typeface="Source Code Pro"/>
+                <a:cs typeface="Source Code Pro"/>
+                <a:sym typeface="Source Code Pro"/>
+              </a:rPr>
+              <a:t>    &lt;div&gt;</a:t>
+            </a:r>
+            <a:br>
+              <a:rPr lang="en" sz="1200">
+                <a:solidFill>
+                  <a:srgbClr val="0000FF"/>
+                </a:solidFill>
+                <a:latin typeface="Source Code Pro"/>
+                <a:ea typeface="Source Code Pro"/>
+                <a:cs typeface="Source Code Pro"/>
+                <a:sym typeface="Source Code Pro"/>
+              </a:rPr>
+            </a:br>
+            <a:r>
+              <a:rPr lang="en" sz="1200">
+                <a:solidFill>
+                  <a:srgbClr val="0000FF"/>
+                </a:solidFill>
+                <a:latin typeface="Source Code Pro"/>
+                <a:ea typeface="Source Code Pro"/>
+                <a:cs typeface="Source Code Pro"/>
+                <a:sym typeface="Source Code Pro"/>
+              </a:rPr>
+              <a:t>      &lt;input type="checkbox" name="rm" checked&gt;</a:t>
+            </a:r>
+            <a:br>
+              <a:rPr lang="en" sz="1200">
+                <a:solidFill>
+                  <a:srgbClr val="0000FF"/>
+                </a:solidFill>
+                <a:latin typeface="Source Code Pro"/>
+                <a:ea typeface="Source Code Pro"/>
+                <a:cs typeface="Source Code Pro"/>
+                <a:sym typeface="Source Code Pro"/>
+              </a:rPr>
+            </a:br>
+            <a:r>
+              <a:rPr lang="en" sz="1200">
+                <a:solidFill>
+                  <a:srgbClr val="0000FF"/>
+                </a:solidFill>
+                <a:latin typeface="Source Code Pro"/>
+                <a:ea typeface="Source Code Pro"/>
+                <a:cs typeface="Source Code Pro"/>
+                <a:sym typeface="Source Code Pro"/>
+              </a:rPr>
+              <a:t>      &lt;label&gt; Remember me&lt;/label&gt;</a:t>
+            </a:r>
+            <a:br>
+              <a:rPr lang="en" sz="1200">
+                <a:solidFill>
+                  <a:srgbClr val="0000FF"/>
+                </a:solidFill>
+                <a:latin typeface="Source Code Pro"/>
+                <a:ea typeface="Source Code Pro"/>
+                <a:cs typeface="Source Code Pro"/>
+                <a:sym typeface="Source Code Pro"/>
+              </a:rPr>
+            </a:br>
+            <a:r>
+              <a:rPr lang="en" sz="1200">
+                <a:solidFill>
+                  <a:srgbClr val="0000FF"/>
+                </a:solidFill>
+                <a:latin typeface="Source Code Pro"/>
+                <a:ea typeface="Source Code Pro"/>
+                <a:cs typeface="Source Code Pro"/>
+                <a:sym typeface="Source Code Pro"/>
+              </a:rPr>
+              <a:t>    &lt;/div&gt;</a:t>
+            </a:r>
+            <a:br>
+              <a:rPr lang="en" sz="1200">
+                <a:solidFill>
+                  <a:srgbClr val="0000FF"/>
+                </a:solidFill>
+                <a:latin typeface="Source Code Pro"/>
+                <a:ea typeface="Source Code Pro"/>
+                <a:cs typeface="Source Code Pro"/>
+                <a:sym typeface="Source Code Pro"/>
+              </a:rPr>
+            </a:br>
+            <a:r>
+              <a:rPr lang="en" sz="1200">
+                <a:solidFill>
+                  <a:srgbClr val="0000FF"/>
+                </a:solidFill>
+                <a:latin typeface="Source Code Pro"/>
+                <a:ea typeface="Source Code Pro"/>
+                <a:cs typeface="Source Code Pro"/>
+                <a:sym typeface="Source Code Pro"/>
+              </a:rPr>
+              <a:t>    &lt;div&gt;</a:t>
+            </a:r>
+            <a:br>
+              <a:rPr lang="en" sz="1200">
+                <a:solidFill>
+                  <a:srgbClr val="0000FF"/>
+                </a:solidFill>
+                <a:latin typeface="Source Code Pro"/>
+                <a:ea typeface="Source Code Pro"/>
+                <a:cs typeface="Source Code Pro"/>
+                <a:sym typeface="Source Code Pro"/>
+              </a:rPr>
+            </a:br>
+            <a:r>
+              <a:rPr lang="en" sz="1200">
+                <a:solidFill>
+                  <a:srgbClr val="0000FF"/>
+                </a:solidFill>
+                <a:latin typeface="Source Code Pro"/>
+                <a:ea typeface="Source Code Pro"/>
+                <a:cs typeface="Source Code Pro"/>
+                <a:sym typeface="Source Code Pro"/>
+              </a:rPr>
+              <a:t>      &lt;input type="submit" value="Submit"&gt;</a:t>
+            </a:r>
+            <a:br>
+              <a:rPr lang="en" sz="1200">
+                <a:solidFill>
+                  <a:srgbClr val="0000FF"/>
+                </a:solidFill>
+                <a:latin typeface="Source Code Pro"/>
+                <a:ea typeface="Source Code Pro"/>
+                <a:cs typeface="Source Code Pro"/>
+                <a:sym typeface="Source Code Pro"/>
+              </a:rPr>
+            </a:br>
+            <a:r>
+              <a:rPr lang="en" sz="1200">
+                <a:solidFill>
+                  <a:srgbClr val="0000FF"/>
+                </a:solidFill>
+                <a:latin typeface="Source Code Pro"/>
+                <a:ea typeface="Source Code Pro"/>
+                <a:cs typeface="Source Code Pro"/>
+                <a:sym typeface="Source Code Pro"/>
+              </a:rPr>
+              <a:t>    &lt;/div&gt;</a:t>
+            </a:r>
+            <a:br>
+              <a:rPr lang="en" sz="1200">
+                <a:solidFill>
+                  <a:srgbClr val="0000FF"/>
+                </a:solidFill>
+                <a:latin typeface="Source Code Pro"/>
+                <a:ea typeface="Source Code Pro"/>
+                <a:cs typeface="Source Code Pro"/>
+                <a:sym typeface="Source Code Pro"/>
+              </a:rPr>
+            </a:br>
+            <a:r>
+              <a:rPr lang="en" sz="1200">
+                <a:solidFill>
+                  <a:srgbClr val="0000FF"/>
+                </a:solidFill>
+                <a:latin typeface="Source Code Pro"/>
+                <a:ea typeface="Source Code Pro"/>
+                <a:cs typeface="Source Code Pro"/>
+                <a:sym typeface="Source Code Pro"/>
+              </a:rPr>
+              <a:t>  &lt;/fieldset&gt;</a:t>
             </a:r>
             <a:br>
               <a:rPr lang="en" sz="1200">
@@ -9366,9 +8621,7 @@
       <p:sp>
         <p:nvSpPr>
           <p:cNvPr id="104" name="Shape 104"/>
-          <p:cNvSpPr txBox="1">
-            <a:spLocks noGrp="1"/>
-          </p:cNvSpPr>
+          <p:cNvSpPr txBox="1"/>
           <p:nvPr>
             <p:ph type="title"/>
           </p:nvPr>
@@ -9383,7 +8636,7 @@
           </a:prstGeom>
         </p:spPr>
         <p:txBody>
-          <a:bodyPr lIns="91425" tIns="91425" rIns="91425" bIns="91425" anchor="t" anchorCtr="0">
+          <a:bodyPr anchorCtr="0" anchor="t" bIns="91425" lIns="91425" rIns="91425" tIns="91425">
             <a:noAutofit/>
           </a:bodyPr>
           <a:lstStyle/>
@@ -9403,7 +8656,7 @@
       </p:sp>
       <p:pic>
         <p:nvPicPr>
-          <p:cNvPr id="105" name="Shape 105" descr="Screen Shot 2017-03-06 at 8.56.03 PM.png"/>
+          <p:cNvPr descr="Screen Shot 2017-03-06 at 8.56.03 PM.png" id="105" name="Shape 105"/>
           <p:cNvPicPr preferRelativeResize="0"/>
           <p:nvPr/>
         </p:nvPicPr>
@@ -9438,11 +8691,11 @@
 </file>
 
 <file path=ppt/slides/slide7.xml><?xml version="1.0" encoding="utf-8"?>
-<p:sld xmlns:a="http://schemas.openxmlformats.org/drawingml/2006/main" xmlns:r="http://schemas.openxmlformats.org/officeDocument/2006/relationships" xmlns:p="http://schemas.openxmlformats.org/presentationml/2006/main">
+<p:sld xmlns:a="http://schemas.openxmlformats.org/drawingml/2006/main" xmlns:r="http://schemas.openxmlformats.org/officeDocument/2006/relationships" xmlns:mc="http://schemas.openxmlformats.org/markup-compatibility/2006" xmlns:mv="urn:schemas-microsoft-com:mac:vml" xmlns:p="http://schemas.openxmlformats.org/presentationml/2006/main" xmlns:c="http://schemas.openxmlformats.org/drawingml/2006/chart" xmlns:dgm="http://schemas.openxmlformats.org/drawingml/2006/diagram" xmlns:o="urn:schemas-microsoft-com:office:office" xmlns:v="urn:schemas-microsoft-com:vml" xmlns:pvml="urn:schemas-microsoft-com:office:powerpoint" xmlns:com="http://schemas.openxmlformats.org/drawingml/2006/compatibility" xmlns:p14="http://schemas.microsoft.com/office/powerpoint/2010/main">
   <p:cSld>
     <p:spTree>
       <p:nvGrpSpPr>
-        <p:cNvPr id="1" name="Shape 109"/>
+        <p:cNvPr id="109" name="Shape 109"/>
         <p:cNvGrpSpPr/>
         <p:nvPr/>
       </p:nvGrpSpPr>
@@ -9457,9 +8710,7 @@
       <p:sp>
         <p:nvSpPr>
           <p:cNvPr id="110" name="Shape 110"/>
-          <p:cNvSpPr txBox="1">
-            <a:spLocks noGrp="1"/>
-          </p:cNvSpPr>
+          <p:cNvSpPr txBox="1"/>
           <p:nvPr>
             <p:ph type="title"/>
           </p:nvPr>
@@ -9474,7 +8725,7 @@
           </a:prstGeom>
         </p:spPr>
         <p:txBody>
-          <a:bodyPr lIns="91425" tIns="91425" rIns="91425" bIns="91425" anchor="t" anchorCtr="0">
+          <a:bodyPr anchorCtr="0" anchor="t" bIns="91425" lIns="91425" rIns="91425" tIns="91425">
             <a:noAutofit/>
           </a:bodyPr>
           <a:lstStyle/>
@@ -9495,11 +8746,9 @@
       <p:sp>
         <p:nvSpPr>
           <p:cNvPr id="111" name="Shape 111"/>
-          <p:cNvSpPr txBox="1">
-            <a:spLocks noGrp="1"/>
-          </p:cNvSpPr>
+          <p:cNvSpPr txBox="1"/>
           <p:nvPr>
-            <p:ph type="body" idx="1"/>
+            <p:ph idx="1" type="body"/>
           </p:nvPr>
         </p:nvSpPr>
         <p:spPr>
@@ -9512,7 +8761,7 @@
           </a:prstGeom>
         </p:spPr>
         <p:txBody>
-          <a:bodyPr lIns="91425" tIns="91425" rIns="91425" bIns="91425" anchor="t" anchorCtr="0">
+          <a:bodyPr anchorCtr="0" anchor="t" bIns="91425" lIns="91425" rIns="91425" tIns="91425">
             <a:noAutofit/>
           </a:bodyPr>
           <a:lstStyle/>
@@ -9524,8 +8773,16 @@
               <a:buNone/>
             </a:pPr>
             <a:r>
-              <a:rPr lang="en" dirty="0"/>
-              <a:t>Sometimes, you might not want the form to be submitted to the server immediately. Instead, you might want to use JavaScript to capture the submission and perform other actions before submitting the data to the server.</a:t>
+              <a:rPr lang="en"/>
+              <a:t>Sometimes, you might not want the form to be </a:t>
+            </a:r>
+            <a:r>
+              <a:rPr lang="en"/>
+              <a:t>submitted</a:t>
+            </a:r>
+            <a:r>
+              <a:rPr lang="en"/>
+              <a:t> to the server immediately. Instead, you might want to use JavaScript to capture the submission and perform other actions before submitting the data to the server.</a:t>
             </a:r>
           </a:p>
           <a:p>
@@ -9536,12 +8793,12 @@
               <a:buNone/>
             </a:pPr>
             <a:r>
-              <a:rPr lang="en" dirty="0"/>
+              <a:rPr lang="en"/>
               <a:t>Why might you want to do this?</a:t>
             </a:r>
           </a:p>
           <a:p>
-            <a:pPr marL="457200" lvl="0" indent="-317500" rtl="0">
+            <a:pPr indent="-317500" lvl="0" marL="457200" rtl="0">
               <a:spcBef>
                 <a:spcPts val="0"/>
               </a:spcBef>
@@ -9549,16 +8806,14 @@
                 <a:spcPts val="0"/>
               </a:spcAft>
               <a:buSzPct val="100000"/>
-              <a:buFont typeface="Arial"/>
-              <a:buChar char="•"/>
-            </a:pPr>
-            <a:r>
-              <a:rPr lang="en" sz="1400" dirty="0"/>
+            </a:pPr>
+            <a:r>
+              <a:rPr lang="en" sz="1400"/>
               <a:t>Better user experience; using the form action will refresh the page when the form is submitted</a:t>
             </a:r>
           </a:p>
           <a:p>
-            <a:pPr marL="457200" lvl="0" indent="-317500" rtl="0">
+            <a:pPr indent="-317500" lvl="0" marL="457200" rtl="0">
               <a:spcBef>
                 <a:spcPts val="0"/>
               </a:spcBef>
@@ -9566,16 +8821,14 @@
                 <a:spcPts val="0"/>
               </a:spcAft>
               <a:buSzPct val="100000"/>
-              <a:buFont typeface="Arial"/>
-              <a:buChar char="•"/>
-            </a:pPr>
-            <a:r>
-              <a:rPr lang="en" sz="1400" dirty="0"/>
-              <a:t>Better form validation experience; with JavaScript, you can call attention to errors in more interesting ways</a:t>
-            </a:r>
-          </a:p>
-          <a:p>
-            <a:pPr marL="457200" lvl="0" indent="-317500">
+            </a:pPr>
+            <a:r>
+              <a:rPr lang="en" sz="1400"/>
+              <a:t>Better form validation experience; besides the preferred HTML5 form validation, with JavaScript, you can call attention to errors in more interesting ways</a:t>
+            </a:r>
+          </a:p>
+          <a:p>
+            <a:pPr indent="-317500" lvl="0" marL="457200">
               <a:spcBef>
                 <a:spcPts val="0"/>
               </a:spcBef>
@@ -9583,11 +8836,9 @@
                 <a:spcPts val="0"/>
               </a:spcAft>
               <a:buSzPct val="100000"/>
-              <a:buFont typeface="Arial"/>
-              <a:buChar char="•"/>
-            </a:pPr>
-            <a:r>
-              <a:rPr lang="en" sz="1400" dirty="0"/>
+            </a:pPr>
+            <a:r>
+              <a:rPr lang="en" sz="1400"/>
               <a:t>Maybe you need to clean up or format the data a certain way before submitting it</a:t>
             </a:r>
           </a:p>
@@ -9602,11 +8853,11 @@
 </file>
 
 <file path=ppt/slides/slide8.xml><?xml version="1.0" encoding="utf-8"?>
-<p:sld xmlns:a="http://schemas.openxmlformats.org/drawingml/2006/main" xmlns:r="http://schemas.openxmlformats.org/officeDocument/2006/relationships" xmlns:p="http://schemas.openxmlformats.org/presentationml/2006/main">
+<p:sld xmlns:a="http://schemas.openxmlformats.org/drawingml/2006/main" xmlns:r="http://schemas.openxmlformats.org/officeDocument/2006/relationships" xmlns:mc="http://schemas.openxmlformats.org/markup-compatibility/2006" xmlns:mv="urn:schemas-microsoft-com:mac:vml" xmlns:p="http://schemas.openxmlformats.org/presentationml/2006/main" xmlns:c="http://schemas.openxmlformats.org/drawingml/2006/chart" xmlns:dgm="http://schemas.openxmlformats.org/drawingml/2006/diagram" xmlns:o="urn:schemas-microsoft-com:office:office" xmlns:v="urn:schemas-microsoft-com:vml" xmlns:pvml="urn:schemas-microsoft-com:office:powerpoint" xmlns:com="http://schemas.openxmlformats.org/drawingml/2006/compatibility" xmlns:p14="http://schemas.microsoft.com/office/powerpoint/2010/main">
   <p:cSld>
     <p:spTree>
       <p:nvGrpSpPr>
-        <p:cNvPr id="1" name="Shape 115"/>
+        <p:cNvPr id="115" name="Shape 115"/>
         <p:cNvGrpSpPr/>
         <p:nvPr/>
       </p:nvGrpSpPr>
@@ -9621,9 +8872,7 @@
       <p:sp>
         <p:nvSpPr>
           <p:cNvPr id="116" name="Shape 116"/>
-          <p:cNvSpPr txBox="1">
-            <a:spLocks noGrp="1"/>
-          </p:cNvSpPr>
+          <p:cNvSpPr txBox="1"/>
           <p:nvPr>
             <p:ph type="title"/>
           </p:nvPr>
@@ -9638,7 +8887,7 @@
           </a:prstGeom>
         </p:spPr>
         <p:txBody>
-          <a:bodyPr lIns="91425" tIns="91425" rIns="91425" bIns="91425" anchor="t" anchorCtr="0">
+          <a:bodyPr anchorCtr="0" anchor="t" bIns="91425" lIns="91425" rIns="91425" tIns="91425">
             <a:noAutofit/>
           </a:bodyPr>
           <a:lstStyle/>
@@ -9659,11 +8908,9 @@
       <p:sp>
         <p:nvSpPr>
           <p:cNvPr id="117" name="Shape 117"/>
-          <p:cNvSpPr txBox="1">
-            <a:spLocks noGrp="1"/>
-          </p:cNvSpPr>
+          <p:cNvSpPr txBox="1"/>
           <p:nvPr>
-            <p:ph type="body" idx="1"/>
+            <p:ph idx="1" type="body"/>
           </p:nvPr>
         </p:nvSpPr>
         <p:spPr>
@@ -9676,7 +8923,7 @@
           </a:prstGeom>
         </p:spPr>
         <p:txBody>
-          <a:bodyPr lIns="91425" tIns="91425" rIns="91425" bIns="91425" anchor="t" anchorCtr="0">
+          <a:bodyPr anchorCtr="0" anchor="t" bIns="91425" lIns="91425" rIns="91425" tIns="91425">
             <a:noAutofit/>
           </a:bodyPr>
           <a:lstStyle/>
@@ -9688,12 +8935,12 @@
               <a:buNone/>
             </a:pPr>
             <a:r>
-              <a:rPr lang="en" b="1"/>
+              <a:rPr b="1" lang="en"/>
               <a:t>HTML</a:t>
             </a:r>
           </a:p>
           <a:p>
-            <a:pPr marL="0" lvl="0" indent="0" rtl="0">
+            <a:pPr indent="0" lvl="0" marL="0" rtl="0">
               <a:spcBef>
                 <a:spcPts val="0"/>
               </a:spcBef>
@@ -9735,7 +8982,7 @@
                 <a:cs typeface="Source Code Pro"/>
                 <a:sym typeface="Source Code Pro"/>
               </a:rPr>
-              <a:t>  &lt;input type="text" name="input”/&gt;</a:t>
+              <a:t>  &lt;fieldset&gt;</a:t>
             </a:r>
             <a:br>
               <a:rPr lang="en" sz="1200">
@@ -9758,7 +9005,53 @@
                 <a:cs typeface="Source Code Pro"/>
                 <a:sym typeface="Source Code Pro"/>
               </a:rPr>
-              <a:t>  &lt;input type="submit” value=”Submit”&gt;</a:t>
+              <a:t>    &lt;input type="text" name="input"/&gt;</a:t>
+            </a:r>
+            <a:br>
+              <a:rPr lang="en" sz="1200">
+                <a:solidFill>
+                  <a:srgbClr val="0000FF"/>
+                </a:solidFill>
+                <a:latin typeface="Source Code Pro"/>
+                <a:ea typeface="Source Code Pro"/>
+                <a:cs typeface="Source Code Pro"/>
+                <a:sym typeface="Source Code Pro"/>
+              </a:rPr>
+            </a:br>
+            <a:r>
+              <a:rPr lang="en" sz="1200">
+                <a:solidFill>
+                  <a:srgbClr val="0000FF"/>
+                </a:solidFill>
+                <a:latin typeface="Source Code Pro"/>
+                <a:ea typeface="Source Code Pro"/>
+                <a:cs typeface="Source Code Pro"/>
+                <a:sym typeface="Source Code Pro"/>
+              </a:rPr>
+              <a:t>    &lt;input type="submit" value="Submit"/&gt;</a:t>
+            </a:r>
+          </a:p>
+          <a:p>
+            <a:pPr indent="0" lvl="0" marL="0" rtl="0">
+              <a:spcBef>
+                <a:spcPts val="0"/>
+              </a:spcBef>
+              <a:spcAft>
+                <a:spcPts val="0"/>
+              </a:spcAft>
+              <a:buNone/>
+            </a:pPr>
+            <a:r>
+              <a:rPr lang="en" sz="1200">
+                <a:solidFill>
+                  <a:srgbClr val="0000FF"/>
+                </a:solidFill>
+                <a:latin typeface="Source Code Pro"/>
+                <a:ea typeface="Source Code Pro"/>
+                <a:cs typeface="Source Code Pro"/>
+                <a:sym typeface="Source Code Pro"/>
+              </a:rPr>
+              <a:t>  &lt;/fieldset&gt;</a:t>
             </a:r>
             <a:br>
               <a:rPr lang="en" sz="1200">
@@ -9789,11 +9082,9 @@
       <p:sp>
         <p:nvSpPr>
           <p:cNvPr id="118" name="Shape 118"/>
-          <p:cNvSpPr txBox="1">
-            <a:spLocks noGrp="1"/>
-          </p:cNvSpPr>
+          <p:cNvSpPr txBox="1"/>
           <p:nvPr>
-            <p:ph type="body" idx="2"/>
+            <p:ph idx="2" type="body"/>
           </p:nvPr>
         </p:nvSpPr>
         <p:spPr>
@@ -9806,7 +9097,7 @@
           </a:prstGeom>
         </p:spPr>
         <p:txBody>
-          <a:bodyPr lIns="91425" tIns="91425" rIns="91425" bIns="91425" anchor="t" anchorCtr="0">
+          <a:bodyPr anchorCtr="0" anchor="t" bIns="91425" lIns="91425" rIns="91425" tIns="91425">
             <a:noAutofit/>
           </a:bodyPr>
           <a:lstStyle/>
@@ -9818,7 +9109,7 @@
               <a:buNone/>
             </a:pPr>
             <a:r>
-              <a:rPr lang="en" b="1"/>
+              <a:rPr b="1" lang="en"/>
               <a:t>JavaScript</a:t>
             </a:r>
           </a:p>
@@ -9927,7 +9218,7 @@
                 <a:sym typeface="Source Code Pro"/>
               </a:rPr>
             </a:br>
-            <a:r>
+            <a:br>
               <a:rPr lang="en" sz="1100">
                 <a:solidFill>
                   <a:srgbClr val="000000"/>
@@ -9937,9 +9228,8 @@
                 <a:cs typeface="Source Code Pro"/>
                 <a:sym typeface="Source Code Pro"/>
               </a:rPr>
-              <a:t/>
-            </a:r>
-            <a:br>
+            </a:br>
+            <a:r>
               <a:rPr lang="en" sz="1100">
                 <a:solidFill>
                   <a:srgbClr val="000000"/>
@@ -9949,20 +9239,21 @@
                 <a:cs typeface="Source Code Pro"/>
                 <a:sym typeface="Source Code Pro"/>
               </a:rPr>
-            </a:br>
+              <a:t>    </a:t>
+            </a:r>
             <a:r>
               <a:rPr lang="en" sz="1100">
                 <a:solidFill>
-                  <a:srgbClr val="000000"/>
+                  <a:srgbClr val="999999"/>
                 </a:solidFill>
                 <a:latin typeface="Source Code Pro"/>
                 <a:ea typeface="Source Code Pro"/>
                 <a:cs typeface="Source Code Pro"/>
                 <a:sym typeface="Source Code Pro"/>
               </a:rPr>
-              <a:t>    </a:t>
-            </a:r>
-            <a:r>
+              <a:t>/* do what you want with the data and submit */</a:t>
+            </a:r>
+            <a:br>
               <a:rPr lang="en" sz="1100">
                 <a:solidFill>
                   <a:srgbClr val="999999"/>
@@ -9972,8 +9263,7 @@
                 <a:cs typeface="Source Code Pro"/>
                 <a:sym typeface="Source Code Pro"/>
               </a:rPr>
-              <a:t>/* do what you want with the data and submit */</a:t>
-            </a:r>
+            </a:br>
             <a:br>
               <a:rPr lang="en" sz="1100">
                 <a:solidFill>
@@ -9995,12 +9285,12 @@
                 <a:cs typeface="Source Code Pro"/>
                 <a:sym typeface="Source Code Pro"/>
               </a:rPr>
-              <a:t/>
+              <a:t>    // return false to prevent default form behavior</a:t>
             </a:r>
             <a:br>
               <a:rPr lang="en" sz="1100">
                 <a:solidFill>
-                  <a:srgbClr val="999999"/>
+                  <a:srgbClr val="000000"/>
                 </a:solidFill>
                 <a:latin typeface="Source Code Pro"/>
                 <a:ea typeface="Source Code Pro"/>
@@ -10011,16 +9301,16 @@
             <a:r>
               <a:rPr lang="en" sz="1100">
                 <a:solidFill>
-                  <a:srgbClr val="999999"/>
+                  <a:srgbClr val="000000"/>
                 </a:solidFill>
                 <a:latin typeface="Source Code Pro"/>
                 <a:ea typeface="Source Code Pro"/>
                 <a:cs typeface="Source Code Pro"/>
                 <a:sym typeface="Source Code Pro"/>
               </a:rPr>
-              <a:t>    // return false to prevent default form behavior</a:t>
-            </a:r>
-            <a:r>
+              <a:t>      return false;</a:t>
+            </a:r>
+            <a:br>
               <a:rPr lang="en" sz="1100">
                 <a:solidFill>
                   <a:srgbClr val="000000"/>
@@ -10030,9 +9320,8 @@
                 <a:cs typeface="Source Code Pro"/>
                 <a:sym typeface="Source Code Pro"/>
               </a:rPr>
-              <a:t/>
-            </a:r>
-            <a:br>
+            </a:br>
+            <a:r>
               <a:rPr lang="en" sz="1100">
                 <a:solidFill>
                   <a:srgbClr val="000000"/>
@@ -10042,8 +9331,9 @@
                 <a:cs typeface="Source Code Pro"/>
                 <a:sym typeface="Source Code Pro"/>
               </a:rPr>
-            </a:br>
-            <a:r>
+              <a:t>    }</a:t>
+            </a:r>
+            <a:br>
               <a:rPr lang="en" sz="1100">
                 <a:solidFill>
                   <a:srgbClr val="000000"/>
@@ -10053,54 +9343,7 @@
                 <a:cs typeface="Source Code Pro"/>
                 <a:sym typeface="Source Code Pro"/>
               </a:rPr>
-              <a:t>      return false;</a:t>
-            </a:r>
-            <a:br>
-              <a:rPr lang="en" sz="1100">
-                <a:solidFill>
-                  <a:srgbClr val="000000"/>
-                </a:solidFill>
-                <a:latin typeface="Source Code Pro"/>
-                <a:ea typeface="Source Code Pro"/>
-                <a:cs typeface="Source Code Pro"/>
-                <a:sym typeface="Source Code Pro"/>
-              </a:rPr>
             </a:br>
-            <a:r>
-              <a:rPr lang="en" sz="1100">
-                <a:solidFill>
-                  <a:srgbClr val="000000"/>
-                </a:solidFill>
-                <a:latin typeface="Source Code Pro"/>
-                <a:ea typeface="Source Code Pro"/>
-                <a:cs typeface="Source Code Pro"/>
-                <a:sym typeface="Source Code Pro"/>
-              </a:rPr>
-              <a:t>    }</a:t>
-            </a:r>
-            <a:br>
-              <a:rPr lang="en" sz="1100">
-                <a:solidFill>
-                  <a:srgbClr val="000000"/>
-                </a:solidFill>
-                <a:latin typeface="Source Code Pro"/>
-                <a:ea typeface="Source Code Pro"/>
-                <a:cs typeface="Source Code Pro"/>
-                <a:sym typeface="Source Code Pro"/>
-              </a:rPr>
-            </a:br>
-            <a:r>
-              <a:rPr lang="en" sz="1100">
-                <a:solidFill>
-                  <a:srgbClr val="000000"/>
-                </a:solidFill>
-                <a:latin typeface="Source Code Pro"/>
-                <a:ea typeface="Source Code Pro"/>
-                <a:cs typeface="Source Code Pro"/>
-                <a:sym typeface="Source Code Pro"/>
-              </a:rPr>
-              <a:t/>
-            </a:r>
             <a:br>
               <a:rPr lang="en" sz="1100">
                 <a:solidFill>
@@ -10182,11 +9425,11 @@
 </file>
 
 <file path=ppt/slides/slide9.xml><?xml version="1.0" encoding="utf-8"?>
-<p:sld xmlns:a="http://schemas.openxmlformats.org/drawingml/2006/main" xmlns:r="http://schemas.openxmlformats.org/officeDocument/2006/relationships" xmlns:p="http://schemas.openxmlformats.org/presentationml/2006/main">
+<p:sld xmlns:a="http://schemas.openxmlformats.org/drawingml/2006/main" xmlns:r="http://schemas.openxmlformats.org/officeDocument/2006/relationships" xmlns:mc="http://schemas.openxmlformats.org/markup-compatibility/2006" xmlns:mv="urn:schemas-microsoft-com:mac:vml" xmlns:p="http://schemas.openxmlformats.org/presentationml/2006/main" xmlns:c="http://schemas.openxmlformats.org/drawingml/2006/chart" xmlns:dgm="http://schemas.openxmlformats.org/drawingml/2006/diagram" xmlns:o="urn:schemas-microsoft-com:office:office" xmlns:v="urn:schemas-microsoft-com:vml" xmlns:pvml="urn:schemas-microsoft-com:office:powerpoint" xmlns:com="http://schemas.openxmlformats.org/drawingml/2006/compatibility" xmlns:p14="http://schemas.microsoft.com/office/powerpoint/2010/main">
   <p:cSld>
     <p:spTree>
       <p:nvGrpSpPr>
-        <p:cNvPr id="1" name="Shape 122"/>
+        <p:cNvPr id="122" name="Shape 122"/>
         <p:cNvGrpSpPr/>
         <p:nvPr/>
       </p:nvGrpSpPr>
@@ -10201,9 +9444,7 @@
       <p:sp>
         <p:nvSpPr>
           <p:cNvPr id="123" name="Shape 123"/>
-          <p:cNvSpPr txBox="1">
-            <a:spLocks noGrp="1"/>
-          </p:cNvSpPr>
+          <p:cNvSpPr txBox="1"/>
           <p:nvPr>
             <p:ph type="title"/>
           </p:nvPr>
@@ -10218,7 +9459,7 @@
           </a:prstGeom>
         </p:spPr>
         <p:txBody>
-          <a:bodyPr lIns="91425" tIns="91425" rIns="91425" bIns="91425" anchor="t" anchorCtr="0">
+          <a:bodyPr anchorCtr="0" anchor="t" bIns="91425" lIns="91425" rIns="91425" tIns="91425">
             <a:noAutofit/>
           </a:bodyPr>
           <a:lstStyle/>
@@ -10239,11 +9480,9 @@
       <p:sp>
         <p:nvSpPr>
           <p:cNvPr id="124" name="Shape 124"/>
-          <p:cNvSpPr txBox="1">
-            <a:spLocks noGrp="1"/>
-          </p:cNvSpPr>
+          <p:cNvSpPr txBox="1"/>
           <p:nvPr>
-            <p:ph type="body" idx="1"/>
+            <p:ph idx="1" type="body"/>
           </p:nvPr>
         </p:nvSpPr>
         <p:spPr>
@@ -10256,12 +9495,12 @@
           </a:prstGeom>
         </p:spPr>
         <p:txBody>
-          <a:bodyPr lIns="91425" tIns="91425" rIns="91425" bIns="91425" anchor="t" anchorCtr="0">
+          <a:bodyPr anchorCtr="0" anchor="t" bIns="91425" lIns="91425" rIns="91425" tIns="91425">
             <a:noAutofit/>
           </a:bodyPr>
           <a:lstStyle/>
           <a:p>
-            <a:pPr marL="457200" lvl="0" indent="-228600">
+            <a:pPr indent="-228600" lvl="0" marL="457200">
               <a:spcBef>
                 <a:spcPts val="0"/>
               </a:spcBef>
@@ -10275,7 +9514,7 @@
             </a:r>
           </a:p>
           <a:p>
-            <a:pPr marL="457200" lvl="0" indent="-228600">
+            <a:pPr indent="-228600" lvl="0" marL="457200">
               <a:spcBef>
                 <a:spcPts val="0"/>
               </a:spcBef>
@@ -10289,7 +9528,7 @@
             </a:r>
           </a:p>
           <a:p>
-            <a:pPr marL="457200" lvl="0" indent="-228600">
+            <a:pPr indent="-228600" lvl="0" marL="457200">
               <a:spcBef>
                 <a:spcPts val="0"/>
               </a:spcBef>
@@ -10303,7 +9542,7 @@
             </a:r>
           </a:p>
           <a:p>
-            <a:pPr marL="457200" lvl="0" indent="-228600" rtl="0">
+            <a:pPr indent="-228600" lvl="0" marL="457200" rtl="0">
               <a:spcBef>
                 <a:spcPts val="0"/>
               </a:spcBef>
@@ -10327,7 +9566,286 @@
 </file>
 
 <file path=ppt/theme/theme1.xml><?xml version="1.0" encoding="utf-8"?>
-<a:theme xmlns:a="http://schemas.openxmlformats.org/drawingml/2006/main" name="tropic">
+<a:theme xmlns:a="http://schemas.openxmlformats.org/drawingml/2006/main" xmlns:r="http://schemas.openxmlformats.org/officeDocument/2006/relationships" name="Custom Theme">
+  <a:themeElements>
+    <a:clrScheme name="Default">
+      <a:dk1>
+        <a:srgbClr val="000000"/>
+      </a:dk1>
+      <a:lt1>
+        <a:srgbClr val="FFFFFF"/>
+      </a:lt1>
+      <a:dk2>
+        <a:srgbClr val="158158"/>
+      </a:dk2>
+      <a:lt2>
+        <a:srgbClr val="F3F3F3"/>
+      </a:lt2>
+      <a:accent1>
+        <a:srgbClr val="058DC7"/>
+      </a:accent1>
+      <a:accent2>
+        <a:srgbClr val="50B432"/>
+      </a:accent2>
+      <a:accent3>
+        <a:srgbClr val="ED561B"/>
+      </a:accent3>
+      <a:accent4>
+        <a:srgbClr val="EDEF00"/>
+      </a:accent4>
+      <a:accent5>
+        <a:srgbClr val="24CBE5"/>
+      </a:accent5>
+      <a:accent6>
+        <a:srgbClr val="64E572"/>
+      </a:accent6>
+      <a:hlink>
+        <a:srgbClr val="2200CC"/>
+      </a:hlink>
+      <a:folHlink>
+        <a:srgbClr val="551A8B"/>
+      </a:folHlink>
+    </a:clrScheme>
+    <a:fontScheme name="Office">
+      <a:majorFont>
+        <a:latin typeface="Arial"/>
+        <a:ea typeface=""/>
+        <a:cs typeface=""/>
+        <a:font script="Jpan" typeface="ＭＳ Ｐゴシック"/>
+        <a:font script="Hang" typeface="맑은 고딕"/>
+        <a:font script="Hans" typeface="宋体"/>
+        <a:font script="Hant" typeface="新細明體"/>
+        <a:font script="Arab" typeface="Times New Roman"/>
+        <a:font script="Hebr" typeface="Times New Roman"/>
+        <a:font script="Thai" typeface="Angsana New"/>
+        <a:font script="Ethi" typeface="Nyala"/>
+        <a:font script="Beng" typeface="Vrinda"/>
+        <a:font script="Gujr" typeface="Shruti"/>
+        <a:font script="Khmr" typeface="MoolBoran"/>
+        <a:font script="Knda" typeface="Tunga"/>
+        <a:font script="Guru" typeface="Raavi"/>
+        <a:font script="Cans" typeface="Euphemia"/>
+        <a:font script="Cher" typeface="Plantagenet Cherokee"/>
+        <a:font script="Yiii" typeface="Microsoft Yi Baiti"/>
+        <a:font script="Tibt" typeface="Microsoft Himalaya"/>
+        <a:font script="Thaa" typeface="MV Boli"/>
+        <a:font script="Deva" typeface="Mangal"/>
+        <a:font script="Telu" typeface="Gautami"/>
+        <a:font script="Taml" typeface="Latha"/>
+        <a:font script="Syrc" typeface="Estrangelo Edessa"/>
+        <a:font script="Orya" typeface="Kalinga"/>
+        <a:font script="Mlym" typeface="Kartika"/>
+        <a:font script="Laoo" typeface="DokChampa"/>
+        <a:font script="Sinh" typeface="Iskoola Pota"/>
+        <a:font script="Mong" typeface="Mongolian Baiti"/>
+        <a:font script="Viet" typeface="Times New Roman"/>
+        <a:font script="Uigh" typeface="Microsoft Uighur"/>
+        <a:font script="Geor" typeface="Sylfaen"/>
+      </a:majorFont>
+      <a:minorFont>
+        <a:latin typeface="Arial"/>
+        <a:ea typeface=""/>
+        <a:cs typeface=""/>
+        <a:font script="Jpan" typeface="ＭＳ Ｐゴシック"/>
+        <a:font script="Hang" typeface="맑은 고딕"/>
+        <a:font script="Hans" typeface="宋体"/>
+        <a:font script="Hant" typeface="新細明體"/>
+        <a:font script="Arab" typeface="Arial"/>
+        <a:font script="Hebr" typeface="Arial"/>
+        <a:font script="Thai" typeface="Cordia New"/>
+        <a:font script="Ethi" typeface="Nyala"/>
+        <a:font script="Beng" typeface="Vrinda"/>
+        <a:font script="Gujr" typeface="Shruti"/>
+        <a:font script="Khmr" typeface="DaunPenh"/>
+        <a:font script="Knda" typeface="Tunga"/>
+        <a:font script="Guru" typeface="Raavi"/>
+        <a:font script="Cans" typeface="Euphemia"/>
+        <a:font script="Cher" typeface="Plantagenet Cherokee"/>
+        <a:font script="Yiii" typeface="Microsoft Yi Baiti"/>
+        <a:font script="Tibt" typeface="Microsoft Himalaya"/>
+        <a:font script="Thaa" typeface="MV Boli"/>
+        <a:font script="Deva" typeface="Mangal"/>
+        <a:font script="Telu" typeface="Gautami"/>
+        <a:font script="Taml" typeface="Latha"/>
+        <a:font script="Syrc" typeface="Estrangelo Edessa"/>
+        <a:font script="Orya" typeface="Kalinga"/>
+        <a:font script="Mlym" typeface="Kartika"/>
+        <a:font script="Laoo" typeface="DokChampa"/>
+        <a:font script="Sinh" typeface="Iskoola Pota"/>
+        <a:font script="Mong" typeface="Mongolian Baiti"/>
+        <a:font script="Viet" typeface="Arial"/>
+        <a:font script="Uigh" typeface="Microsoft Uighur"/>
+        <a:font script="Geor" typeface="Sylfaen"/>
+      </a:minorFont>
+    </a:fontScheme>
+    <a:fmtScheme name="Office">
+      <a:fillStyleLst>
+        <a:solidFill>
+          <a:schemeClr val="phClr"/>
+        </a:solidFill>
+        <a:gradFill rotWithShape="1">
+          <a:gsLst>
+            <a:gs pos="0">
+              <a:schemeClr val="phClr">
+                <a:tint val="50000"/>
+                <a:satMod val="300000"/>
+              </a:schemeClr>
+            </a:gs>
+            <a:gs pos="35000">
+              <a:schemeClr val="phClr">
+                <a:tint val="37000"/>
+                <a:satMod val="300000"/>
+              </a:schemeClr>
+            </a:gs>
+            <a:gs pos="100000">
+              <a:schemeClr val="phClr">
+                <a:tint val="15000"/>
+                <a:satMod val="350000"/>
+              </a:schemeClr>
+            </a:gs>
+          </a:gsLst>
+          <a:lin ang="16200000" scaled="1"/>
+        </a:gradFill>
+        <a:gradFill rotWithShape="1">
+          <a:gsLst>
+            <a:gs pos="0">
+              <a:schemeClr val="phClr">
+                <a:tint val="100000"/>
+                <a:shade val="100000"/>
+                <a:satMod val="130000"/>
+              </a:schemeClr>
+            </a:gs>
+            <a:gs pos="100000">
+              <a:schemeClr val="phClr">
+                <a:tint val="50000"/>
+                <a:shade val="100000"/>
+                <a:satMod val="350000"/>
+              </a:schemeClr>
+            </a:gs>
+          </a:gsLst>
+          <a:lin ang="16200000" scaled="0"/>
+        </a:gradFill>
+      </a:fillStyleLst>
+      <a:lnStyleLst>
+        <a:ln w="9525" cap="flat" cmpd="sng" algn="ctr">
+          <a:solidFill>
+            <a:schemeClr val="phClr">
+              <a:shade val="95000"/>
+              <a:satMod val="105000"/>
+            </a:schemeClr>
+          </a:solidFill>
+          <a:prstDash val="solid"/>
+        </a:ln>
+        <a:ln w="25400" cap="flat" cmpd="sng" algn="ctr">
+          <a:solidFill>
+            <a:schemeClr val="phClr"/>
+          </a:solidFill>
+          <a:prstDash val="solid"/>
+        </a:ln>
+        <a:ln w="38100" cap="flat" cmpd="sng" algn="ctr">
+          <a:solidFill>
+            <a:schemeClr val="phClr"/>
+          </a:solidFill>
+          <a:prstDash val="solid"/>
+        </a:ln>
+      </a:lnStyleLst>
+      <a:effectStyleLst>
+        <a:effectStyle>
+          <a:effectLst>
+            <a:outerShdw blurRad="40000" dist="20000" dir="5400000" rotWithShape="0">
+              <a:srgbClr val="000000">
+                <a:alpha val="38000"/>
+              </a:srgbClr>
+            </a:outerShdw>
+          </a:effectLst>
+        </a:effectStyle>
+        <a:effectStyle>
+          <a:effectLst>
+            <a:outerShdw blurRad="40000" dist="23000" dir="5400000" rotWithShape="0">
+              <a:srgbClr val="000000">
+                <a:alpha val="35000"/>
+              </a:srgbClr>
+            </a:outerShdw>
+          </a:effectLst>
+        </a:effectStyle>
+        <a:effectStyle>
+          <a:effectLst>
+            <a:outerShdw blurRad="40000" dist="23000" dir="5400000" rotWithShape="0">
+              <a:srgbClr val="000000">
+                <a:alpha val="35000"/>
+              </a:srgbClr>
+            </a:outerShdw>
+          </a:effectLst>
+          <a:scene3d>
+            <a:camera prst="orthographicFront">
+              <a:rot lat="0" lon="0" rev="0"/>
+            </a:camera>
+            <a:lightRig rig="threePt" dir="t">
+              <a:rot lat="0" lon="0" rev="1200000"/>
+            </a:lightRig>
+          </a:scene3d>
+          <a:sp3d>
+            <a:bevelT w="63500" h="25400"/>
+          </a:sp3d>
+        </a:effectStyle>
+      </a:effectStyleLst>
+      <a:bgFillStyleLst>
+        <a:solidFill>
+          <a:schemeClr val="phClr"/>
+        </a:solidFill>
+        <a:gradFill rotWithShape="1">
+          <a:gsLst>
+            <a:gs pos="0">
+              <a:schemeClr val="phClr">
+                <a:tint val="40000"/>
+                <a:satMod val="350000"/>
+              </a:schemeClr>
+            </a:gs>
+            <a:gs pos="40000">
+              <a:schemeClr val="phClr">
+                <a:tint val="45000"/>
+                <a:shade val="99000"/>
+                <a:satMod val="350000"/>
+              </a:schemeClr>
+            </a:gs>
+            <a:gs pos="100000">
+              <a:schemeClr val="phClr">
+                <a:shade val="20000"/>
+                <a:satMod val="255000"/>
+              </a:schemeClr>
+            </a:gs>
+          </a:gsLst>
+          <a:path path="circle">
+            <a:fillToRect l="50000" t="-80000" r="50000" b="180000"/>
+          </a:path>
+        </a:gradFill>
+        <a:gradFill rotWithShape="1">
+          <a:gsLst>
+            <a:gs pos="0">
+              <a:schemeClr val="phClr">
+                <a:tint val="80000"/>
+                <a:satMod val="300000"/>
+              </a:schemeClr>
+            </a:gs>
+            <a:gs pos="100000">
+              <a:schemeClr val="phClr">
+                <a:shade val="30000"/>
+                <a:satMod val="200000"/>
+              </a:schemeClr>
+            </a:gs>
+          </a:gsLst>
+          <a:path path="circle">
+            <a:fillToRect l="50000" t="50000" r="50000" b="50000"/>
+          </a:path>
+        </a:gradFill>
+      </a:bgFillStyleLst>
+    </a:fmtScheme>
+  </a:themeElements>
+</a:theme>
+</file>
+
+<file path=ppt/theme/theme2.xml><?xml version="1.0" encoding="utf-8"?>
+<a:theme xmlns:a="http://schemas.openxmlformats.org/drawingml/2006/main" xmlns:r="http://schemas.openxmlformats.org/officeDocument/2006/relationships" name="tropic">
   <a:themeElements>
     <a:clrScheme name="Tropic">
       <a:dk1>
@@ -10602,288 +10120,5 @@
       </a:bgFillStyleLst>
     </a:fmtScheme>
   </a:themeElements>
-  <a:objectDefaults/>
-  <a:extraClrSchemeLst/>
-</a:theme>
-</file>
-
-<file path=ppt/theme/theme2.xml><?xml version="1.0" encoding="utf-8"?>
-<a:theme xmlns:a="http://schemas.openxmlformats.org/drawingml/2006/main" name="Custom Theme">
-  <a:themeElements>
-    <a:clrScheme name="Default">
-      <a:dk1>
-        <a:srgbClr val="000000"/>
-      </a:dk1>
-      <a:lt1>
-        <a:srgbClr val="FFFFFF"/>
-      </a:lt1>
-      <a:dk2>
-        <a:srgbClr val="158158"/>
-      </a:dk2>
-      <a:lt2>
-        <a:srgbClr val="F3F3F3"/>
-      </a:lt2>
-      <a:accent1>
-        <a:srgbClr val="058DC7"/>
-      </a:accent1>
-      <a:accent2>
-        <a:srgbClr val="50B432"/>
-      </a:accent2>
-      <a:accent3>
-        <a:srgbClr val="ED561B"/>
-      </a:accent3>
-      <a:accent4>
-        <a:srgbClr val="EDEF00"/>
-      </a:accent4>
-      <a:accent5>
-        <a:srgbClr val="24CBE5"/>
-      </a:accent5>
-      <a:accent6>
-        <a:srgbClr val="64E572"/>
-      </a:accent6>
-      <a:hlink>
-        <a:srgbClr val="2200CC"/>
-      </a:hlink>
-      <a:folHlink>
-        <a:srgbClr val="551A8B"/>
-      </a:folHlink>
-    </a:clrScheme>
-    <a:fontScheme name="Office">
-      <a:majorFont>
-        <a:latin typeface="Arial"/>
-        <a:ea typeface=""/>
-        <a:cs typeface=""/>
-        <a:font script="Jpan" typeface="ＭＳ Ｐゴシック"/>
-        <a:font script="Hang" typeface="맑은 고딕"/>
-        <a:font script="Hans" typeface="宋体"/>
-        <a:font script="Hant" typeface="新細明體"/>
-        <a:font script="Arab" typeface="Times New Roman"/>
-        <a:font script="Hebr" typeface="Times New Roman"/>
-        <a:font script="Thai" typeface="Angsana New"/>
-        <a:font script="Ethi" typeface="Nyala"/>
-        <a:font script="Beng" typeface="Vrinda"/>
-        <a:font script="Gujr" typeface="Shruti"/>
-        <a:font script="Khmr" typeface="MoolBoran"/>
-        <a:font script="Knda" typeface="Tunga"/>
-        <a:font script="Guru" typeface="Raavi"/>
-        <a:font script="Cans" typeface="Euphemia"/>
-        <a:font script="Cher" typeface="Plantagenet Cherokee"/>
-        <a:font script="Yiii" typeface="Microsoft Yi Baiti"/>
-        <a:font script="Tibt" typeface="Microsoft Himalaya"/>
-        <a:font script="Thaa" typeface="MV Boli"/>
-        <a:font script="Deva" typeface="Mangal"/>
-        <a:font script="Telu" typeface="Gautami"/>
-        <a:font script="Taml" typeface="Latha"/>
-        <a:font script="Syrc" typeface="Estrangelo Edessa"/>
-        <a:font script="Orya" typeface="Kalinga"/>
-        <a:font script="Mlym" typeface="Kartika"/>
-        <a:font script="Laoo" typeface="DokChampa"/>
-        <a:font script="Sinh" typeface="Iskoola Pota"/>
-        <a:font script="Mong" typeface="Mongolian Baiti"/>
-        <a:font script="Viet" typeface="Times New Roman"/>
-        <a:font script="Uigh" typeface="Microsoft Uighur"/>
-        <a:font script="Geor" typeface="Sylfaen"/>
-      </a:majorFont>
-      <a:minorFont>
-        <a:latin typeface="Arial"/>
-        <a:ea typeface=""/>
-        <a:cs typeface=""/>
-        <a:font script="Jpan" typeface="ＭＳ Ｐゴシック"/>
-        <a:font script="Hang" typeface="맑은 고딕"/>
-        <a:font script="Hans" typeface="宋体"/>
-        <a:font script="Hant" typeface="新細明體"/>
-        <a:font script="Arab" typeface="Arial"/>
-        <a:font script="Hebr" typeface="Arial"/>
-        <a:font script="Thai" typeface="Cordia New"/>
-        <a:font script="Ethi" typeface="Nyala"/>
-        <a:font script="Beng" typeface="Vrinda"/>
-        <a:font script="Gujr" typeface="Shruti"/>
-        <a:font script="Khmr" typeface="DaunPenh"/>
-        <a:font script="Knda" typeface="Tunga"/>
-        <a:font script="Guru" typeface="Raavi"/>
-        <a:font script="Cans" typeface="Euphemia"/>
-        <a:font script="Cher" typeface="Plantagenet Cherokee"/>
-        <a:font script="Yiii" typeface="Microsoft Yi Baiti"/>
-        <a:font script="Tibt" typeface="Microsoft Himalaya"/>
-        <a:font script="Thaa" typeface="MV Boli"/>
-        <a:font script="Deva" typeface="Mangal"/>
-        <a:font script="Telu" typeface="Gautami"/>
-        <a:font script="Taml" typeface="Latha"/>
-        <a:font script="Syrc" typeface="Estrangelo Edessa"/>
-        <a:font script="Orya" typeface="Kalinga"/>
-        <a:font script="Mlym" typeface="Kartika"/>
-        <a:font script="Laoo" typeface="DokChampa"/>
-        <a:font script="Sinh" typeface="Iskoola Pota"/>
-        <a:font script="Mong" typeface="Mongolian Baiti"/>
-        <a:font script="Viet" typeface="Arial"/>
-        <a:font script="Uigh" typeface="Microsoft Uighur"/>
-        <a:font script="Geor" typeface="Sylfaen"/>
-      </a:minorFont>
-    </a:fontScheme>
-    <a:fmtScheme name="Office">
-      <a:fillStyleLst>
-        <a:solidFill>
-          <a:schemeClr val="phClr"/>
-        </a:solidFill>
-        <a:gradFill rotWithShape="1">
-          <a:gsLst>
-            <a:gs pos="0">
-              <a:schemeClr val="phClr">
-                <a:tint val="50000"/>
-                <a:satMod val="300000"/>
-              </a:schemeClr>
-            </a:gs>
-            <a:gs pos="35000">
-              <a:schemeClr val="phClr">
-                <a:tint val="37000"/>
-                <a:satMod val="300000"/>
-              </a:schemeClr>
-            </a:gs>
-            <a:gs pos="100000">
-              <a:schemeClr val="phClr">
-                <a:tint val="15000"/>
-                <a:satMod val="350000"/>
-              </a:schemeClr>
-            </a:gs>
-          </a:gsLst>
-          <a:lin ang="16200000" scaled="1"/>
-        </a:gradFill>
-        <a:gradFill rotWithShape="1">
-          <a:gsLst>
-            <a:gs pos="0">
-              <a:schemeClr val="phClr">
-                <a:tint val="100000"/>
-                <a:shade val="100000"/>
-                <a:satMod val="130000"/>
-              </a:schemeClr>
-            </a:gs>
-            <a:gs pos="100000">
-              <a:schemeClr val="phClr">
-                <a:tint val="50000"/>
-                <a:shade val="100000"/>
-                <a:satMod val="350000"/>
-              </a:schemeClr>
-            </a:gs>
-          </a:gsLst>
-          <a:lin ang="16200000" scaled="0"/>
-        </a:gradFill>
-      </a:fillStyleLst>
-      <a:lnStyleLst>
-        <a:ln w="9525" cap="flat" cmpd="sng" algn="ctr">
-          <a:solidFill>
-            <a:schemeClr val="phClr">
-              <a:shade val="95000"/>
-              <a:satMod val="105000"/>
-            </a:schemeClr>
-          </a:solidFill>
-          <a:prstDash val="solid"/>
-        </a:ln>
-        <a:ln w="25400" cap="flat" cmpd="sng" algn="ctr">
-          <a:solidFill>
-            <a:schemeClr val="phClr"/>
-          </a:solidFill>
-          <a:prstDash val="solid"/>
-        </a:ln>
-        <a:ln w="38100" cap="flat" cmpd="sng" algn="ctr">
-          <a:solidFill>
-            <a:schemeClr val="phClr"/>
-          </a:solidFill>
-          <a:prstDash val="solid"/>
-        </a:ln>
-      </a:lnStyleLst>
-      <a:effectStyleLst>
-        <a:effectStyle>
-          <a:effectLst>
-            <a:outerShdw blurRad="40000" dist="20000" dir="5400000" rotWithShape="0">
-              <a:srgbClr val="000000">
-                <a:alpha val="38000"/>
-              </a:srgbClr>
-            </a:outerShdw>
-          </a:effectLst>
-        </a:effectStyle>
-        <a:effectStyle>
-          <a:effectLst>
-            <a:outerShdw blurRad="40000" dist="23000" dir="5400000" rotWithShape="0">
-              <a:srgbClr val="000000">
-                <a:alpha val="35000"/>
-              </a:srgbClr>
-            </a:outerShdw>
-          </a:effectLst>
-        </a:effectStyle>
-        <a:effectStyle>
-          <a:effectLst>
-            <a:outerShdw blurRad="40000" dist="23000" dir="5400000" rotWithShape="0">
-              <a:srgbClr val="000000">
-                <a:alpha val="35000"/>
-              </a:srgbClr>
-            </a:outerShdw>
-          </a:effectLst>
-          <a:scene3d>
-            <a:camera prst="orthographicFront">
-              <a:rot lat="0" lon="0" rev="0"/>
-            </a:camera>
-            <a:lightRig rig="threePt" dir="t">
-              <a:rot lat="0" lon="0" rev="1200000"/>
-            </a:lightRig>
-          </a:scene3d>
-          <a:sp3d>
-            <a:bevelT w="63500" h="25400"/>
-          </a:sp3d>
-        </a:effectStyle>
-      </a:effectStyleLst>
-      <a:bgFillStyleLst>
-        <a:solidFill>
-          <a:schemeClr val="phClr"/>
-        </a:solidFill>
-        <a:gradFill rotWithShape="1">
-          <a:gsLst>
-            <a:gs pos="0">
-              <a:schemeClr val="phClr">
-                <a:tint val="40000"/>
-                <a:satMod val="350000"/>
-              </a:schemeClr>
-            </a:gs>
-            <a:gs pos="40000">
-              <a:schemeClr val="phClr">
-                <a:tint val="45000"/>
-                <a:shade val="99000"/>
-                <a:satMod val="350000"/>
-              </a:schemeClr>
-            </a:gs>
-            <a:gs pos="100000">
-              <a:schemeClr val="phClr">
-                <a:shade val="20000"/>
-                <a:satMod val="255000"/>
-              </a:schemeClr>
-            </a:gs>
-          </a:gsLst>
-          <a:path path="circle">
-            <a:fillToRect l="50000" t="-80000" r="50000" b="180000"/>
-          </a:path>
-        </a:gradFill>
-        <a:gradFill rotWithShape="1">
-          <a:gsLst>
-            <a:gs pos="0">
-              <a:schemeClr val="phClr">
-                <a:tint val="80000"/>
-                <a:satMod val="300000"/>
-              </a:schemeClr>
-            </a:gs>
-            <a:gs pos="100000">
-              <a:schemeClr val="phClr">
-                <a:shade val="30000"/>
-                <a:satMod val="200000"/>
-              </a:schemeClr>
-            </a:gs>
-          </a:gsLst>
-          <a:path path="circle">
-            <a:fillToRect l="50000" t="50000" r="50000" b="50000"/>
-          </a:path>
-        </a:gradFill>
-      </a:bgFillStyleLst>
-    </a:fmtScheme>
-  </a:themeElements>
-  <a:objectDefaults/>
-  <a:extraClrSchemeLst/>
 </a:theme>
 </file>